--- a/Дипломная работа/Презентация.pptx
+++ b/Дипломная работа/Презентация.pptx
@@ -211,7 +211,7 @@
           <a:p>
             <a:fld id="{0752C715-6935-41AD-9984-2334D42D2383}" type="datetimeFigureOut">
               <a:rPr lang="ru-RU" smtClean="0"/>
-              <a:t>07.02.2025</a:t>
+              <a:t>08.02.2025</a:t>
             </a:fld>
             <a:endParaRPr lang="ru-RU"/>
           </a:p>
@@ -791,7 +791,7 @@
           <a:p>
             <a:fld id="{A592AB9E-B3E0-40A8-9D13-59617F3F8A64}" type="datetime1">
               <a:rPr lang="ru-RU" smtClean="0"/>
-              <a:t>07.02.2025</a:t>
+              <a:t>08.02.2025</a:t>
             </a:fld>
             <a:endParaRPr lang="ru-RU"/>
           </a:p>
@@ -1137,7 +1137,7 @@
           <a:p>
             <a:fld id="{5417B1CA-4C4F-4F8D-803D-8A6A8A906241}" type="datetime1">
               <a:rPr lang="ru-RU" smtClean="0"/>
-              <a:t>07.02.2025</a:t>
+              <a:t>08.02.2025</a:t>
             </a:fld>
             <a:endParaRPr lang="ru-RU"/>
           </a:p>
@@ -1415,7 +1415,7 @@
           <a:p>
             <a:fld id="{82CFFC90-8D51-4E14-AFBA-129AE5402BF2}" type="datetime1">
               <a:rPr lang="ru-RU" smtClean="0"/>
-              <a:t>07.02.2025</a:t>
+              <a:t>08.02.2025</a:t>
             </a:fld>
             <a:endParaRPr lang="ru-RU"/>
           </a:p>
@@ -1983,7 +1983,7 @@
           <a:p>
             <a:fld id="{EA467253-3793-4A20-98DF-36EA880F85F5}" type="datetime1">
               <a:rPr lang="ru-RU" smtClean="0"/>
-              <a:t>07.02.2025</a:t>
+              <a:t>08.02.2025</a:t>
             </a:fld>
             <a:endParaRPr lang="ru-RU"/>
           </a:p>
@@ -2261,7 +2261,7 @@
           <a:p>
             <a:fld id="{D83AF644-49BB-4732-B227-064E7E8E9B75}" type="datetime1">
               <a:rPr lang="ru-RU" smtClean="0"/>
-              <a:t>07.02.2025</a:t>
+              <a:t>08.02.2025</a:t>
             </a:fld>
             <a:endParaRPr lang="ru-RU"/>
           </a:p>
@@ -2823,7 +2823,7 @@
           <a:p>
             <a:fld id="{93741DF7-081A-43E1-AEC0-7A6A5EFC3E04}" type="datetime1">
               <a:rPr lang="ru-RU" smtClean="0"/>
-              <a:t>07.02.2025</a:t>
+              <a:t>08.02.2025</a:t>
             </a:fld>
             <a:endParaRPr lang="ru-RU"/>
           </a:p>
@@ -3150,7 +3150,7 @@
           <a:p>
             <a:fld id="{60804587-5AD3-4566-AED6-7C5642B16C64}" type="datetime1">
               <a:rPr lang="ru-RU" smtClean="0"/>
-              <a:t>07.02.2025</a:t>
+              <a:t>08.02.2025</a:t>
             </a:fld>
             <a:endParaRPr lang="ru-RU"/>
           </a:p>
@@ -3327,7 +3327,7 @@
           <a:p>
             <a:fld id="{AF148D8C-8A56-4364-A29B-FC848D70BD3E}" type="datetime1">
               <a:rPr lang="ru-RU" smtClean="0"/>
-              <a:t>07.02.2025</a:t>
+              <a:t>08.02.2025</a:t>
             </a:fld>
             <a:endParaRPr lang="ru-RU"/>
           </a:p>
@@ -3577,7 +3577,7 @@
           <a:p>
             <a:fld id="{1F560C62-4747-4C40-80B5-9506A6478873}" type="datetime1">
               <a:rPr lang="ru-RU" smtClean="0"/>
-              <a:t>07.02.2025</a:t>
+              <a:t>08.02.2025</a:t>
             </a:fld>
             <a:endParaRPr lang="ru-RU"/>
           </a:p>
@@ -3789,7 +3789,7 @@
           <a:p>
             <a:fld id="{655C5391-6D11-49BE-9D35-F1852430608C}" type="datetime1">
               <a:rPr lang="ru-RU" smtClean="0"/>
-              <a:t>07.02.2025</a:t>
+              <a:t>08.02.2025</a:t>
             </a:fld>
             <a:endParaRPr lang="ru-RU"/>
           </a:p>
@@ -4077,7 +4077,7 @@
           <a:p>
             <a:fld id="{D1B7E046-787A-42F0-988E-D94C46E094ED}" type="datetime1">
               <a:rPr lang="ru-RU" smtClean="0"/>
-              <a:t>07.02.2025</a:t>
+              <a:t>08.02.2025</a:t>
             </a:fld>
             <a:endParaRPr lang="ru-RU"/>
           </a:p>
@@ -4355,7 +4355,7 @@
           <a:p>
             <a:fld id="{1DEF2D25-E9E1-4E54-81F0-1D2FE8854B0E}" type="datetime1">
               <a:rPr lang="ru-RU" smtClean="0"/>
-              <a:t>07.02.2025</a:t>
+              <a:t>08.02.2025</a:t>
             </a:fld>
             <a:endParaRPr lang="ru-RU"/>
           </a:p>
@@ -4741,7 +4741,7 @@
           <a:p>
             <a:fld id="{2D559C09-903E-4473-BBE2-D44EED2E9BB9}" type="datetime1">
               <a:rPr lang="ru-RU" smtClean="0"/>
-              <a:t>07.02.2025</a:t>
+              <a:t>08.02.2025</a:t>
             </a:fld>
             <a:endParaRPr lang="ru-RU"/>
           </a:p>
@@ -4901,7 +4901,7 @@
           <a:p>
             <a:fld id="{5DEFB42A-193B-4E6D-9002-E4C3450AA4B1}" type="datetime1">
               <a:rPr lang="ru-RU" smtClean="0"/>
-              <a:t>07.02.2025</a:t>
+              <a:t>08.02.2025</a:t>
             </a:fld>
             <a:endParaRPr lang="ru-RU"/>
           </a:p>
@@ -5038,7 +5038,7 @@
           <a:p>
             <a:fld id="{B780A1C7-BCFA-4491-ABEA-F198E9E80238}" type="datetime1">
               <a:rPr lang="ru-RU" smtClean="0"/>
-              <a:t>07.02.2025</a:t>
+              <a:t>08.02.2025</a:t>
             </a:fld>
             <a:endParaRPr lang="ru-RU"/>
           </a:p>
@@ -5335,7 +5335,7 @@
           <a:p>
             <a:fld id="{6B7D87D1-A00E-4856-B035-ABE302A2367C}" type="datetime1">
               <a:rPr lang="ru-RU" smtClean="0"/>
-              <a:t>07.02.2025</a:t>
+              <a:t>08.02.2025</a:t>
             </a:fld>
             <a:endParaRPr lang="ru-RU"/>
           </a:p>
@@ -5671,7 +5671,7 @@
           <a:p>
             <a:fld id="{95982220-A412-481B-B026-9F63F21200E0}" type="datetime1">
               <a:rPr lang="ru-RU" smtClean="0"/>
-              <a:t>07.02.2025</a:t>
+              <a:t>08.02.2025</a:t>
             </a:fld>
             <a:endParaRPr lang="ru-RU"/>
           </a:p>
@@ -5897,7 +5897,7 @@
           <a:p>
             <a:fld id="{CBF3DBF7-CC75-4132-A774-E3960ACCECD6}" type="datetime1">
               <a:rPr lang="ru-RU" smtClean="0"/>
-              <a:t>07.02.2025</a:t>
+              <a:t>08.02.2025</a:t>
             </a:fld>
             <a:endParaRPr lang="ru-RU"/>
           </a:p>
@@ -7772,6 +7772,126 @@
           </a:p>
         </p:txBody>
       </p:sp>
+      <p:sp>
+        <p:nvSpPr>
+          <p:cNvPr id="3" name="Заголовок 1">
+            <a:extLst>
+              <a:ext uri="{FF2B5EF4-FFF2-40B4-BE49-F238E27FC236}">
+                <a16:creationId xmlns:a16="http://schemas.microsoft.com/office/drawing/2014/main" id="{80BFB1B7-745B-B7A0-762C-BB3F2FD69261}"/>
+              </a:ext>
+            </a:extLst>
+          </p:cNvPr>
+          <p:cNvSpPr txBox="1">
+            <a:spLocks/>
+          </p:cNvSpPr>
+          <p:nvPr/>
+        </p:nvSpPr>
+        <p:spPr>
+          <a:xfrm>
+            <a:off x="-1" y="1"/>
+            <a:ext cx="12191999" cy="722376"/>
+          </a:xfrm>
+          <a:prstGeom prst="rect">
+            <a:avLst/>
+          </a:prstGeom>
+          <a:effectLst/>
+        </p:spPr>
+        <p:txBody>
+          <a:bodyPr vert="horz" lIns="91440" tIns="45720" rIns="91440" bIns="45720" rtlCol="0" anchor="ctr">
+            <a:normAutofit/>
+          </a:bodyPr>
+          <a:lstStyle>
+            <a:lvl1pPr algn="l" defTabSz="457200" rtl="0" eaLnBrk="1" latinLnBrk="0" hangingPunct="1">
+              <a:spcBef>
+                <a:spcPct val="0"/>
+              </a:spcBef>
+              <a:buNone/>
+              <a:defRPr sz="3600" kern="1200" cap="all">
+                <a:ln w="3175" cmpd="sng">
+                  <a:noFill/>
+                </a:ln>
+                <a:solidFill>
+                  <a:schemeClr val="tx1"/>
+                </a:solidFill>
+                <a:effectLst/>
+                <a:latin typeface="+mj-lt"/>
+                <a:ea typeface="+mj-ea"/>
+                <a:cs typeface="+mj-cs"/>
+              </a:defRPr>
+            </a:lvl1pPr>
+            <a:lvl2pPr eaLnBrk="1" hangingPunct="1">
+              <a:defRPr>
+                <a:solidFill>
+                  <a:schemeClr val="tx2"/>
+                </a:solidFill>
+              </a:defRPr>
+            </a:lvl2pPr>
+            <a:lvl3pPr eaLnBrk="1" hangingPunct="1">
+              <a:defRPr>
+                <a:solidFill>
+                  <a:schemeClr val="tx2"/>
+                </a:solidFill>
+              </a:defRPr>
+            </a:lvl3pPr>
+            <a:lvl4pPr eaLnBrk="1" hangingPunct="1">
+              <a:defRPr>
+                <a:solidFill>
+                  <a:schemeClr val="tx2"/>
+                </a:solidFill>
+              </a:defRPr>
+            </a:lvl4pPr>
+            <a:lvl5pPr eaLnBrk="1" hangingPunct="1">
+              <a:defRPr>
+                <a:solidFill>
+                  <a:schemeClr val="tx2"/>
+                </a:solidFill>
+              </a:defRPr>
+            </a:lvl5pPr>
+            <a:lvl6pPr eaLnBrk="1" hangingPunct="1">
+              <a:defRPr>
+                <a:solidFill>
+                  <a:schemeClr val="tx2"/>
+                </a:solidFill>
+              </a:defRPr>
+            </a:lvl6pPr>
+            <a:lvl7pPr eaLnBrk="1" hangingPunct="1">
+              <a:defRPr>
+                <a:solidFill>
+                  <a:schemeClr val="tx2"/>
+                </a:solidFill>
+              </a:defRPr>
+            </a:lvl7pPr>
+            <a:lvl8pPr eaLnBrk="1" hangingPunct="1">
+              <a:defRPr>
+                <a:solidFill>
+                  <a:schemeClr val="tx2"/>
+                </a:solidFill>
+              </a:defRPr>
+            </a:lvl8pPr>
+            <a:lvl9pPr eaLnBrk="1" hangingPunct="1">
+              <a:defRPr>
+                <a:solidFill>
+                  <a:schemeClr val="tx2"/>
+                </a:solidFill>
+              </a:defRPr>
+            </a:lvl9pPr>
+          </a:lstStyle>
+          <a:p>
+            <a:pPr algn="ctr"/>
+            <a:r>
+              <a:rPr lang="ru-RU">
+                <a:latin typeface="Times New Roman" panose="02020603050405020304" pitchFamily="18" charset="0"/>
+                <a:cs typeface="Times New Roman" panose="02020603050405020304" pitchFamily="18" charset="0"/>
+              </a:rPr>
+              <a:t>Диаграмма вариантов использования</a:t>
+            </a:r>
+            <a:endParaRPr lang="ru-RU" dirty="0">
+              <a:latin typeface="Times New Roman" panose="02020603050405020304" pitchFamily="18" charset="0"/>
+              <a:cs typeface="Times New Roman" panose="02020603050405020304" pitchFamily="18" charset="0"/>
+            </a:endParaRPr>
+          </a:p>
+        </p:txBody>
+      </p:sp>
     </p:spTree>
     <p:extLst>
       <p:ext uri="{BB962C8B-B14F-4D97-AF65-F5344CB8AC3E}">
@@ -7830,7 +7950,7 @@
         </p:nvSpPr>
         <p:spPr>
           <a:xfrm>
-            <a:off x="0" y="1"/>
+            <a:off x="0" y="37226"/>
             <a:ext cx="12191999" cy="722376"/>
           </a:xfrm>
           <a:prstGeom prst="rect">
@@ -8665,35 +8785,6 @@
           </a:fontRef>
         </p:style>
       </p:cxnSp>
-      <p:sp>
-        <p:nvSpPr>
-          <p:cNvPr id="2" name="Номер слайда 1">
-            <a:extLst>
-              <a:ext uri="{FF2B5EF4-FFF2-40B4-BE49-F238E27FC236}">
-                <a16:creationId xmlns:a16="http://schemas.microsoft.com/office/drawing/2014/main" id="{4F540651-D54E-49ED-89EB-A0DDA9EAED1D}"/>
-              </a:ext>
-            </a:extLst>
-          </p:cNvPr>
-          <p:cNvSpPr>
-            <a:spLocks noGrp="1"/>
-          </p:cNvSpPr>
-          <p:nvPr>
-            <p:ph type="sldNum" sz="quarter" idx="12"/>
-          </p:nvPr>
-        </p:nvSpPr>
-        <p:spPr/>
-        <p:txBody>
-          <a:bodyPr/>
-          <a:lstStyle/>
-          <a:p>
-            <a:fld id="{E674C0A0-8DE9-4942-9F1B-2332F349D007}" type="slidenum">
-              <a:rPr lang="ru-RU" smtClean="0"/>
-              <a:t>12</a:t>
-            </a:fld>
-            <a:endParaRPr lang="ru-RU"/>
-          </a:p>
-        </p:txBody>
-      </p:sp>
       <p:sp>
         <p:nvSpPr>
           <p:cNvPr id="22" name="Номер слайда 4">

--- a/Дипломная работа/Презентация.pptx
+++ b/Дипломная работа/Презентация.pptx
@@ -5,7 +5,7 @@
     <p:sldMasterId id="2147484049" r:id="rId1"/>
   </p:sldMasterIdLst>
   <p:notesMasterIdLst>
-    <p:notesMasterId r:id="rId17"/>
+    <p:notesMasterId r:id="rId18"/>
   </p:notesMasterIdLst>
   <p:sldIdLst>
     <p:sldId id="256" r:id="rId2"/>
@@ -20,9 +20,10 @@
     <p:sldId id="259" r:id="rId11"/>
     <p:sldId id="271" r:id="rId12"/>
     <p:sldId id="285" r:id="rId13"/>
-    <p:sldId id="277" r:id="rId14"/>
-    <p:sldId id="276" r:id="rId15"/>
-    <p:sldId id="274" r:id="rId16"/>
+    <p:sldId id="286" r:id="rId14"/>
+    <p:sldId id="277" r:id="rId15"/>
+    <p:sldId id="276" r:id="rId16"/>
+    <p:sldId id="274" r:id="rId17"/>
   </p:sldIdLst>
   <p:sldSz cx="12192000" cy="6858000"/>
   <p:notesSz cx="6858000" cy="9144000"/>
@@ -211,7 +212,7 @@
           <a:p>
             <a:fld id="{0752C715-6935-41AD-9984-2334D42D2383}" type="datetimeFigureOut">
               <a:rPr lang="ru-RU" smtClean="0"/>
-              <a:t>08.02.2025</a:t>
+              <a:t>16.03.2025</a:t>
             </a:fld>
             <a:endParaRPr lang="ru-RU"/>
           </a:p>
@@ -791,7 +792,7 @@
           <a:p>
             <a:fld id="{A592AB9E-B3E0-40A8-9D13-59617F3F8A64}" type="datetime1">
               <a:rPr lang="ru-RU" smtClean="0"/>
-              <a:t>08.02.2025</a:t>
+              <a:t>16.03.2025</a:t>
             </a:fld>
             <a:endParaRPr lang="ru-RU"/>
           </a:p>
@@ -1137,7 +1138,7 @@
           <a:p>
             <a:fld id="{5417B1CA-4C4F-4F8D-803D-8A6A8A906241}" type="datetime1">
               <a:rPr lang="ru-RU" smtClean="0"/>
-              <a:t>08.02.2025</a:t>
+              <a:t>16.03.2025</a:t>
             </a:fld>
             <a:endParaRPr lang="ru-RU"/>
           </a:p>
@@ -1415,7 +1416,7 @@
           <a:p>
             <a:fld id="{82CFFC90-8D51-4E14-AFBA-129AE5402BF2}" type="datetime1">
               <a:rPr lang="ru-RU" smtClean="0"/>
-              <a:t>08.02.2025</a:t>
+              <a:t>16.03.2025</a:t>
             </a:fld>
             <a:endParaRPr lang="ru-RU"/>
           </a:p>
@@ -1983,7 +1984,7 @@
           <a:p>
             <a:fld id="{EA467253-3793-4A20-98DF-36EA880F85F5}" type="datetime1">
               <a:rPr lang="ru-RU" smtClean="0"/>
-              <a:t>08.02.2025</a:t>
+              <a:t>16.03.2025</a:t>
             </a:fld>
             <a:endParaRPr lang="ru-RU"/>
           </a:p>
@@ -2261,7 +2262,7 @@
           <a:p>
             <a:fld id="{D83AF644-49BB-4732-B227-064E7E8E9B75}" type="datetime1">
               <a:rPr lang="ru-RU" smtClean="0"/>
-              <a:t>08.02.2025</a:t>
+              <a:t>16.03.2025</a:t>
             </a:fld>
             <a:endParaRPr lang="ru-RU"/>
           </a:p>
@@ -2823,7 +2824,7 @@
           <a:p>
             <a:fld id="{93741DF7-081A-43E1-AEC0-7A6A5EFC3E04}" type="datetime1">
               <a:rPr lang="ru-RU" smtClean="0"/>
-              <a:t>08.02.2025</a:t>
+              <a:t>16.03.2025</a:t>
             </a:fld>
             <a:endParaRPr lang="ru-RU"/>
           </a:p>
@@ -3150,7 +3151,7 @@
           <a:p>
             <a:fld id="{60804587-5AD3-4566-AED6-7C5642B16C64}" type="datetime1">
               <a:rPr lang="ru-RU" smtClean="0"/>
-              <a:t>08.02.2025</a:t>
+              <a:t>16.03.2025</a:t>
             </a:fld>
             <a:endParaRPr lang="ru-RU"/>
           </a:p>
@@ -3327,7 +3328,7 @@
           <a:p>
             <a:fld id="{AF148D8C-8A56-4364-A29B-FC848D70BD3E}" type="datetime1">
               <a:rPr lang="ru-RU" smtClean="0"/>
-              <a:t>08.02.2025</a:t>
+              <a:t>16.03.2025</a:t>
             </a:fld>
             <a:endParaRPr lang="ru-RU"/>
           </a:p>
@@ -3577,7 +3578,7 @@
           <a:p>
             <a:fld id="{1F560C62-4747-4C40-80B5-9506A6478873}" type="datetime1">
               <a:rPr lang="ru-RU" smtClean="0"/>
-              <a:t>08.02.2025</a:t>
+              <a:t>16.03.2025</a:t>
             </a:fld>
             <a:endParaRPr lang="ru-RU"/>
           </a:p>
@@ -3789,7 +3790,7 @@
           <a:p>
             <a:fld id="{655C5391-6D11-49BE-9D35-F1852430608C}" type="datetime1">
               <a:rPr lang="ru-RU" smtClean="0"/>
-              <a:t>08.02.2025</a:t>
+              <a:t>16.03.2025</a:t>
             </a:fld>
             <a:endParaRPr lang="ru-RU"/>
           </a:p>
@@ -4077,7 +4078,7 @@
           <a:p>
             <a:fld id="{D1B7E046-787A-42F0-988E-D94C46E094ED}" type="datetime1">
               <a:rPr lang="ru-RU" smtClean="0"/>
-              <a:t>08.02.2025</a:t>
+              <a:t>16.03.2025</a:t>
             </a:fld>
             <a:endParaRPr lang="ru-RU"/>
           </a:p>
@@ -4355,7 +4356,7 @@
           <a:p>
             <a:fld id="{1DEF2D25-E9E1-4E54-81F0-1D2FE8854B0E}" type="datetime1">
               <a:rPr lang="ru-RU" smtClean="0"/>
-              <a:t>08.02.2025</a:t>
+              <a:t>16.03.2025</a:t>
             </a:fld>
             <a:endParaRPr lang="ru-RU"/>
           </a:p>
@@ -4741,7 +4742,7 @@
           <a:p>
             <a:fld id="{2D559C09-903E-4473-BBE2-D44EED2E9BB9}" type="datetime1">
               <a:rPr lang="ru-RU" smtClean="0"/>
-              <a:t>08.02.2025</a:t>
+              <a:t>16.03.2025</a:t>
             </a:fld>
             <a:endParaRPr lang="ru-RU"/>
           </a:p>
@@ -4901,7 +4902,7 @@
           <a:p>
             <a:fld id="{5DEFB42A-193B-4E6D-9002-E4C3450AA4B1}" type="datetime1">
               <a:rPr lang="ru-RU" smtClean="0"/>
-              <a:t>08.02.2025</a:t>
+              <a:t>16.03.2025</a:t>
             </a:fld>
             <a:endParaRPr lang="ru-RU"/>
           </a:p>
@@ -5038,7 +5039,7 @@
           <a:p>
             <a:fld id="{B780A1C7-BCFA-4491-ABEA-F198E9E80238}" type="datetime1">
               <a:rPr lang="ru-RU" smtClean="0"/>
-              <a:t>08.02.2025</a:t>
+              <a:t>16.03.2025</a:t>
             </a:fld>
             <a:endParaRPr lang="ru-RU"/>
           </a:p>
@@ -5335,7 +5336,7 @@
           <a:p>
             <a:fld id="{6B7D87D1-A00E-4856-B035-ABE302A2367C}" type="datetime1">
               <a:rPr lang="ru-RU" smtClean="0"/>
-              <a:t>08.02.2025</a:t>
+              <a:t>16.03.2025</a:t>
             </a:fld>
             <a:endParaRPr lang="ru-RU"/>
           </a:p>
@@ -5671,7 +5672,7 @@
           <a:p>
             <a:fld id="{95982220-A412-481B-B026-9F63F21200E0}" type="datetime1">
               <a:rPr lang="ru-RU" smtClean="0"/>
-              <a:t>08.02.2025</a:t>
+              <a:t>16.03.2025</a:t>
             </a:fld>
             <a:endParaRPr lang="ru-RU"/>
           </a:p>
@@ -5897,7 +5898,7 @@
           <a:p>
             <a:fld id="{CBF3DBF7-CC75-4132-A774-E3960ACCECD6}" type="datetime1">
               <a:rPr lang="ru-RU" smtClean="0"/>
-              <a:t>08.02.2025</a:t>
+              <a:t>16.03.2025</a:t>
             </a:fld>
             <a:endParaRPr lang="ru-RU"/>
           </a:p>
@@ -8969,10 +8970,10 @@
       </p:grpSpPr>
       <p:sp>
         <p:nvSpPr>
-          <p:cNvPr id="2" name="Заголовок 1">
+          <p:cNvPr id="4" name="Номер слайда 3">
             <a:extLst>
               <a:ext uri="{FF2B5EF4-FFF2-40B4-BE49-F238E27FC236}">
-                <a16:creationId xmlns:a16="http://schemas.microsoft.com/office/drawing/2014/main" id="{1AF8BD60-0C5B-416F-3A2E-06B21B6C0DA2}"/>
+                <a16:creationId xmlns:a16="http://schemas.microsoft.com/office/drawing/2014/main" id="{7B357F4B-3EF1-17CB-6433-65F9DCE3E9FB}"/>
               </a:ext>
             </a:extLst>
           </p:cNvPr>
@@ -8980,100 +8981,162 @@
             <a:spLocks noGrp="1"/>
           </p:cNvSpPr>
           <p:nvPr>
-            <p:ph type="title"/>
+            <p:ph type="sldNum" sz="quarter" idx="12"/>
           </p:nvPr>
+        </p:nvSpPr>
+        <p:spPr>
+          <a:xfrm>
+            <a:off x="11411712" y="0"/>
+            <a:ext cx="780287" cy="502920"/>
+          </a:xfrm>
+        </p:spPr>
+        <p:txBody>
+          <a:bodyPr/>
+          <a:lstStyle/>
+          <a:p>
+            <a:fld id="{E674C0A0-8DE9-4942-9F1B-2332F349D007}" type="slidenum">
+              <a:rPr lang="ru-RU" sz="2200" smtClean="0"/>
+              <a:t>13</a:t>
+            </a:fld>
+            <a:endParaRPr lang="ru-RU" sz="2200" dirty="0"/>
+          </a:p>
+        </p:txBody>
+      </p:sp>
+      <p:sp>
+        <p:nvSpPr>
+          <p:cNvPr id="5" name="Заголовок 1">
+            <a:extLst>
+              <a:ext uri="{FF2B5EF4-FFF2-40B4-BE49-F238E27FC236}">
+                <a16:creationId xmlns:a16="http://schemas.microsoft.com/office/drawing/2014/main" id="{6B12EEDA-A379-46C0-43A5-DD9D8BA00775}"/>
+              </a:ext>
+            </a:extLst>
+          </p:cNvPr>
+          <p:cNvSpPr txBox="1">
+            <a:spLocks/>
+          </p:cNvSpPr>
+          <p:nvPr/>
         </p:nvSpPr>
         <p:spPr>
           <a:xfrm>
             <a:off x="0" y="-1"/>
             <a:ext cx="12191999" cy="649225"/>
           </a:xfrm>
-        </p:spPr>
-        <p:txBody>
-          <a:bodyPr>
+          <a:prstGeom prst="rect">
+            <a:avLst/>
+          </a:prstGeom>
+          <a:effectLst/>
+        </p:spPr>
+        <p:txBody>
+          <a:bodyPr vert="horz" lIns="91440" tIns="45720" rIns="91440" bIns="45720" rtlCol="0" anchor="ctr">
             <a:normAutofit/>
           </a:bodyPr>
-          <a:lstStyle/>
+          <a:lstStyle>
+            <a:lvl1pPr algn="l" defTabSz="457200" rtl="0" eaLnBrk="1" latinLnBrk="0" hangingPunct="1">
+              <a:spcBef>
+                <a:spcPct val="0"/>
+              </a:spcBef>
+              <a:buNone/>
+              <a:defRPr sz="3600" kern="1200" cap="all">
+                <a:ln w="3175" cmpd="sng">
+                  <a:noFill/>
+                </a:ln>
+                <a:solidFill>
+                  <a:schemeClr val="tx1"/>
+                </a:solidFill>
+                <a:effectLst/>
+                <a:latin typeface="+mj-lt"/>
+                <a:ea typeface="+mj-ea"/>
+                <a:cs typeface="+mj-cs"/>
+              </a:defRPr>
+            </a:lvl1pPr>
+            <a:lvl2pPr eaLnBrk="1" hangingPunct="1">
+              <a:defRPr>
+                <a:solidFill>
+                  <a:schemeClr val="tx2"/>
+                </a:solidFill>
+              </a:defRPr>
+            </a:lvl2pPr>
+            <a:lvl3pPr eaLnBrk="1" hangingPunct="1">
+              <a:defRPr>
+                <a:solidFill>
+                  <a:schemeClr val="tx2"/>
+                </a:solidFill>
+              </a:defRPr>
+            </a:lvl3pPr>
+            <a:lvl4pPr eaLnBrk="1" hangingPunct="1">
+              <a:defRPr>
+                <a:solidFill>
+                  <a:schemeClr val="tx2"/>
+                </a:solidFill>
+              </a:defRPr>
+            </a:lvl4pPr>
+            <a:lvl5pPr eaLnBrk="1" hangingPunct="1">
+              <a:defRPr>
+                <a:solidFill>
+                  <a:schemeClr val="tx2"/>
+                </a:solidFill>
+              </a:defRPr>
+            </a:lvl5pPr>
+            <a:lvl6pPr eaLnBrk="1" hangingPunct="1">
+              <a:defRPr>
+                <a:solidFill>
+                  <a:schemeClr val="tx2"/>
+                </a:solidFill>
+              </a:defRPr>
+            </a:lvl6pPr>
+            <a:lvl7pPr eaLnBrk="1" hangingPunct="1">
+              <a:defRPr>
+                <a:solidFill>
+                  <a:schemeClr val="tx2"/>
+                </a:solidFill>
+              </a:defRPr>
+            </a:lvl7pPr>
+            <a:lvl8pPr eaLnBrk="1" hangingPunct="1">
+              <a:defRPr>
+                <a:solidFill>
+                  <a:schemeClr val="tx2"/>
+                </a:solidFill>
+              </a:defRPr>
+            </a:lvl8pPr>
+            <a:lvl9pPr eaLnBrk="1" hangingPunct="1">
+              <a:defRPr>
+                <a:solidFill>
+                  <a:schemeClr val="tx2"/>
+                </a:solidFill>
+              </a:defRPr>
+            </a:lvl9pPr>
+          </a:lstStyle>
           <a:p>
             <a:pPr algn="ctr"/>
             <a:r>
-              <a:rPr lang="ru-RU" spc="-1" dirty="0">
-                <a:solidFill>
-                  <a:schemeClr val="tx1"/>
-                </a:solidFill>
+              <a:rPr lang="ru-RU" spc="-1" dirty="0" err="1">
                 <a:latin typeface="Times New Roman" panose="02020603050405020304" pitchFamily="18" charset="0"/>
                 <a:ea typeface="DejaVu Sans"/>
                 <a:cs typeface="Times New Roman" panose="02020603050405020304" pitchFamily="18" charset="0"/>
               </a:rPr>
-              <a:t>Прототипы интерфейсов</a:t>
+              <a:t>ДиаграмМа</a:t>
+            </a:r>
+            <a:r>
+              <a:rPr lang="ru-RU" spc="-1" dirty="0">
+                <a:latin typeface="Times New Roman" panose="02020603050405020304" pitchFamily="18" charset="0"/>
+                <a:ea typeface="DejaVu Sans"/>
+                <a:cs typeface="Times New Roman" panose="02020603050405020304" pitchFamily="18" charset="0"/>
+              </a:rPr>
+              <a:t> РАЗВЁРТЫВАНИЯ</a:t>
             </a:r>
             <a:endParaRPr lang="ru-RU" sz="4200" dirty="0">
-              <a:solidFill>
-                <a:schemeClr val="tx1"/>
-              </a:solidFill>
               <a:latin typeface="Times New Roman" panose="02020603050405020304" pitchFamily="18" charset="0"/>
               <a:cs typeface="Times New Roman" panose="02020603050405020304" pitchFamily="18" charset="0"/>
             </a:endParaRPr>
           </a:p>
         </p:txBody>
       </p:sp>
-      <p:sp>
-        <p:nvSpPr>
-          <p:cNvPr id="3" name="Объект 2">
+      <p:pic>
+        <p:nvPicPr>
+          <p:cNvPr id="6" name="Рисунок 5">
             <a:extLst>
               <a:ext uri="{FF2B5EF4-FFF2-40B4-BE49-F238E27FC236}">
-                <a16:creationId xmlns:a16="http://schemas.microsoft.com/office/drawing/2014/main" id="{289F0795-2645-DA34-3D5E-2F3C44412E80}"/>
-              </a:ext>
-            </a:extLst>
-          </p:cNvPr>
-          <p:cNvSpPr>
-            <a:spLocks noGrp="1"/>
-          </p:cNvSpPr>
-          <p:nvPr>
-            <p:ph idx="1"/>
-          </p:nvPr>
-        </p:nvSpPr>
-        <p:spPr>
-          <a:xfrm>
-            <a:off x="1104293" y="1331259"/>
-            <a:ext cx="8946541" cy="4195481"/>
-          </a:xfrm>
-        </p:spPr>
-        <p:txBody>
-          <a:bodyPr>
-            <a:normAutofit/>
-          </a:bodyPr>
-          <a:lstStyle/>
-          <a:p>
-            <a:pPr marL="0" indent="0" algn="just">
-              <a:lnSpc>
-                <a:spcPct val="150000"/>
-              </a:lnSpc>
-              <a:buNone/>
-            </a:pPr>
-            <a:r>
-              <a:rPr lang="ru-RU" dirty="0">
-                <a:latin typeface="Times New Roman" panose="02020603050405020304" pitchFamily="18" charset="0"/>
-                <a:cs typeface="Times New Roman" panose="02020603050405020304" pitchFamily="18" charset="0"/>
-              </a:rPr>
-              <a:t>	</a:t>
-            </a:r>
-            <a:endParaRPr lang="ru-RU" b="0" strike="noStrike" spc="-1" dirty="0">
-              <a:solidFill>
-                <a:srgbClr val="000000"/>
-              </a:solidFill>
-              <a:latin typeface="Times New Roman" panose="02020603050405020304" pitchFamily="18" charset="0"/>
-              <a:cs typeface="Times New Roman" panose="02020603050405020304" pitchFamily="18" charset="0"/>
-            </a:endParaRPr>
-          </a:p>
-        </p:txBody>
-      </p:sp>
-      <p:pic>
-        <p:nvPicPr>
-          <p:cNvPr id="5" name="Рисунок 4">
-            <a:extLst>
-              <a:ext uri="{FF2B5EF4-FFF2-40B4-BE49-F238E27FC236}">
-                <a16:creationId xmlns:a16="http://schemas.microsoft.com/office/drawing/2014/main" id="{E618EDD7-775A-4541-AF44-203CAB66133C}"/>
+                <a16:creationId xmlns:a16="http://schemas.microsoft.com/office/drawing/2014/main" id="{B2442B4E-FA8C-A4D7-5378-24A75AFC07E4}"/>
               </a:ext>
             </a:extLst>
           </p:cNvPr>
@@ -9090,187 +9153,23 @@
         </p:blipFill>
         <p:spPr>
           <a:xfrm>
-            <a:off x="0" y="856739"/>
-            <a:ext cx="12191999" cy="6056725"/>
+            <a:off x="0" y="850392"/>
+            <a:ext cx="12192000" cy="5993840"/>
           </a:xfrm>
           <a:prstGeom prst="rect">
             <a:avLst/>
           </a:prstGeom>
+          <a:ln>
+            <a:solidFill>
+              <a:schemeClr val="tx1"/>
+            </a:solidFill>
+          </a:ln>
         </p:spPr>
       </p:pic>
-      <p:sp>
-        <p:nvSpPr>
-          <p:cNvPr id="6" name="Номер слайда 5">
-            <a:extLst>
-              <a:ext uri="{FF2B5EF4-FFF2-40B4-BE49-F238E27FC236}">
-                <a16:creationId xmlns:a16="http://schemas.microsoft.com/office/drawing/2014/main" id="{3C3AFCA4-E2FD-47F0-B06A-8F05A74FC61E}"/>
-              </a:ext>
-            </a:extLst>
-          </p:cNvPr>
-          <p:cNvSpPr>
-            <a:spLocks noGrp="1"/>
-          </p:cNvSpPr>
-          <p:nvPr>
-            <p:ph type="sldNum" sz="quarter" idx="12"/>
-          </p:nvPr>
-        </p:nvSpPr>
-        <p:spPr/>
-        <p:txBody>
-          <a:bodyPr/>
-          <a:lstStyle/>
-          <a:p>
-            <a:fld id="{E674C0A0-8DE9-4942-9F1B-2332F349D007}" type="slidenum">
-              <a:rPr lang="ru-RU" smtClean="0"/>
-              <a:t>13</a:t>
-            </a:fld>
-            <a:endParaRPr lang="ru-RU"/>
-          </a:p>
-        </p:txBody>
-      </p:sp>
-      <p:sp>
-        <p:nvSpPr>
-          <p:cNvPr id="8" name="Номер слайда 4">
-            <a:extLst>
-              <a:ext uri="{FF2B5EF4-FFF2-40B4-BE49-F238E27FC236}">
-                <a16:creationId xmlns:a16="http://schemas.microsoft.com/office/drawing/2014/main" id="{62EAE0F7-9A41-4545-A92F-FC52F608E217}"/>
-              </a:ext>
-            </a:extLst>
-          </p:cNvPr>
-          <p:cNvSpPr txBox="1">
-            <a:spLocks/>
-          </p:cNvSpPr>
-          <p:nvPr/>
-        </p:nvSpPr>
-        <p:spPr>
-          <a:xfrm>
-            <a:off x="11171852" y="0"/>
-            <a:ext cx="1020148" cy="658368"/>
-          </a:xfrm>
-          <a:prstGeom prst="rect">
-            <a:avLst/>
-          </a:prstGeom>
-        </p:spPr>
-        <p:txBody>
-          <a:bodyPr vert="horz" lIns="91440" tIns="45720" rIns="91440" bIns="45720" rtlCol="0" anchor="ctr"/>
-          <a:lstStyle>
-            <a:defPPr>
-              <a:defRPr lang="en-US"/>
-            </a:defPPr>
-            <a:lvl1pPr marL="0" algn="r" defTabSz="457200" rtl="0" eaLnBrk="1" latinLnBrk="0" hangingPunct="1">
-              <a:defRPr sz="1000" b="0" i="0" kern="1200">
-                <a:solidFill>
-                  <a:schemeClr val="tx1"/>
-                </a:solidFill>
-                <a:effectLst/>
-                <a:latin typeface="+mn-lt"/>
-                <a:ea typeface="+mn-ea"/>
-                <a:cs typeface="+mn-cs"/>
-              </a:defRPr>
-            </a:lvl1pPr>
-            <a:lvl2pPr marL="457200" algn="l" defTabSz="457200" rtl="0" eaLnBrk="1" latinLnBrk="0" hangingPunct="1">
-              <a:defRPr sz="1800" kern="1200">
-                <a:solidFill>
-                  <a:schemeClr val="tx1"/>
-                </a:solidFill>
-                <a:latin typeface="+mn-lt"/>
-                <a:ea typeface="+mn-ea"/>
-                <a:cs typeface="+mn-cs"/>
-              </a:defRPr>
-            </a:lvl2pPr>
-            <a:lvl3pPr marL="914400" algn="l" defTabSz="457200" rtl="0" eaLnBrk="1" latinLnBrk="0" hangingPunct="1">
-              <a:defRPr sz="1800" kern="1200">
-                <a:solidFill>
-                  <a:schemeClr val="tx1"/>
-                </a:solidFill>
-                <a:latin typeface="+mn-lt"/>
-                <a:ea typeface="+mn-ea"/>
-                <a:cs typeface="+mn-cs"/>
-              </a:defRPr>
-            </a:lvl3pPr>
-            <a:lvl4pPr marL="1371600" algn="l" defTabSz="457200" rtl="0" eaLnBrk="1" latinLnBrk="0" hangingPunct="1">
-              <a:defRPr sz="1800" kern="1200">
-                <a:solidFill>
-                  <a:schemeClr val="tx1"/>
-                </a:solidFill>
-                <a:latin typeface="+mn-lt"/>
-                <a:ea typeface="+mn-ea"/>
-                <a:cs typeface="+mn-cs"/>
-              </a:defRPr>
-            </a:lvl4pPr>
-            <a:lvl5pPr marL="1828800" algn="l" defTabSz="457200" rtl="0" eaLnBrk="1" latinLnBrk="0" hangingPunct="1">
-              <a:defRPr sz="1800" kern="1200">
-                <a:solidFill>
-                  <a:schemeClr val="tx1"/>
-                </a:solidFill>
-                <a:latin typeface="+mn-lt"/>
-                <a:ea typeface="+mn-ea"/>
-                <a:cs typeface="+mn-cs"/>
-              </a:defRPr>
-            </a:lvl5pPr>
-            <a:lvl6pPr marL="2286000" algn="l" defTabSz="457200" rtl="0" eaLnBrk="1" latinLnBrk="0" hangingPunct="1">
-              <a:defRPr sz="1800" kern="1200">
-                <a:solidFill>
-                  <a:schemeClr val="tx1"/>
-                </a:solidFill>
-                <a:latin typeface="+mn-lt"/>
-                <a:ea typeface="+mn-ea"/>
-                <a:cs typeface="+mn-cs"/>
-              </a:defRPr>
-            </a:lvl6pPr>
-            <a:lvl7pPr marL="2743200" algn="l" defTabSz="457200" rtl="0" eaLnBrk="1" latinLnBrk="0" hangingPunct="1">
-              <a:defRPr sz="1800" kern="1200">
-                <a:solidFill>
-                  <a:schemeClr val="tx1"/>
-                </a:solidFill>
-                <a:latin typeface="+mn-lt"/>
-                <a:ea typeface="+mn-ea"/>
-                <a:cs typeface="+mn-cs"/>
-              </a:defRPr>
-            </a:lvl7pPr>
-            <a:lvl8pPr marL="3200400" algn="l" defTabSz="457200" rtl="0" eaLnBrk="1" latinLnBrk="0" hangingPunct="1">
-              <a:defRPr sz="1800" kern="1200">
-                <a:solidFill>
-                  <a:schemeClr val="tx1"/>
-                </a:solidFill>
-                <a:latin typeface="+mn-lt"/>
-                <a:ea typeface="+mn-ea"/>
-                <a:cs typeface="+mn-cs"/>
-              </a:defRPr>
-            </a:lvl8pPr>
-            <a:lvl9pPr marL="3657600" algn="l" defTabSz="457200" rtl="0" eaLnBrk="1" latinLnBrk="0" hangingPunct="1">
-              <a:defRPr sz="1800" kern="1200">
-                <a:solidFill>
-                  <a:schemeClr val="tx1"/>
-                </a:solidFill>
-                <a:latin typeface="+mn-lt"/>
-                <a:ea typeface="+mn-ea"/>
-                <a:cs typeface="+mn-cs"/>
-              </a:defRPr>
-            </a:lvl9pPr>
-          </a:lstStyle>
-          <a:p>
-            <a:pPr algn="ctr"/>
-            <a:fld id="{E674C0A0-8DE9-4942-9F1B-2332F349D007}" type="slidenum">
-              <a:rPr lang="ru-RU" sz="2200" smtClean="0">
-                <a:latin typeface="Tahoma" panose="020B0604030504040204" pitchFamily="34" charset="0"/>
-                <a:ea typeface="Tahoma" panose="020B0604030504040204" pitchFamily="34" charset="0"/>
-                <a:cs typeface="Tahoma" panose="020B0604030504040204" pitchFamily="34" charset="0"/>
-              </a:rPr>
-              <a:pPr algn="ctr"/>
-              <a:t>13</a:t>
-            </a:fld>
-            <a:endParaRPr lang="ru-RU" sz="2200" dirty="0">
-              <a:latin typeface="Tahoma" panose="020B0604030504040204" pitchFamily="34" charset="0"/>
-              <a:ea typeface="Tahoma" panose="020B0604030504040204" pitchFamily="34" charset="0"/>
-              <a:cs typeface="Tahoma" panose="020B0604030504040204" pitchFamily="34" charset="0"/>
-            </a:endParaRPr>
-          </a:p>
-        </p:txBody>
-      </p:sp>
     </p:spTree>
     <p:extLst>
       <p:ext uri="{BB962C8B-B14F-4D97-AF65-F5344CB8AC3E}">
-        <p14:creationId xmlns:p14="http://schemas.microsoft.com/office/powerpoint/2010/main" val="311423206"/>
+        <p14:creationId xmlns:p14="http://schemas.microsoft.com/office/powerpoint/2010/main" val="2761564169"/>
       </p:ext>
     </p:extLst>
   </p:cSld>
@@ -9328,7 +9227,7 @@
         <p:spPr>
           <a:xfrm>
             <a:off x="0" y="-1"/>
-            <a:ext cx="12191999" cy="640081"/>
+            <a:ext cx="12191999" cy="649225"/>
           </a:xfrm>
         </p:spPr>
         <p:txBody>
@@ -9361,10 +9260,120 @@
       </p:sp>
       <p:sp>
         <p:nvSpPr>
-          <p:cNvPr id="10" name="Номер слайда 4">
+          <p:cNvPr id="3" name="Объект 2">
             <a:extLst>
               <a:ext uri="{FF2B5EF4-FFF2-40B4-BE49-F238E27FC236}">
-                <a16:creationId xmlns:a16="http://schemas.microsoft.com/office/drawing/2014/main" id="{2B5AEB02-FB32-4BEC-B2D7-82CCC014B792}"/>
+                <a16:creationId xmlns:a16="http://schemas.microsoft.com/office/drawing/2014/main" id="{289F0795-2645-DA34-3D5E-2F3C44412E80}"/>
+              </a:ext>
+            </a:extLst>
+          </p:cNvPr>
+          <p:cNvSpPr>
+            <a:spLocks noGrp="1"/>
+          </p:cNvSpPr>
+          <p:nvPr>
+            <p:ph idx="1"/>
+          </p:nvPr>
+        </p:nvSpPr>
+        <p:spPr>
+          <a:xfrm>
+            <a:off x="1104293" y="1331259"/>
+            <a:ext cx="8946541" cy="4195481"/>
+          </a:xfrm>
+        </p:spPr>
+        <p:txBody>
+          <a:bodyPr>
+            <a:normAutofit/>
+          </a:bodyPr>
+          <a:lstStyle/>
+          <a:p>
+            <a:pPr marL="0" indent="0" algn="just">
+              <a:lnSpc>
+                <a:spcPct val="150000"/>
+              </a:lnSpc>
+              <a:buNone/>
+            </a:pPr>
+            <a:r>
+              <a:rPr lang="ru-RU" dirty="0">
+                <a:latin typeface="Times New Roman" panose="02020603050405020304" pitchFamily="18" charset="0"/>
+                <a:cs typeface="Times New Roman" panose="02020603050405020304" pitchFamily="18" charset="0"/>
+              </a:rPr>
+              <a:t>	</a:t>
+            </a:r>
+            <a:endParaRPr lang="ru-RU" b="0" strike="noStrike" spc="-1" dirty="0">
+              <a:solidFill>
+                <a:srgbClr val="000000"/>
+              </a:solidFill>
+              <a:latin typeface="Times New Roman" panose="02020603050405020304" pitchFamily="18" charset="0"/>
+              <a:cs typeface="Times New Roman" panose="02020603050405020304" pitchFamily="18" charset="0"/>
+            </a:endParaRPr>
+          </a:p>
+        </p:txBody>
+      </p:sp>
+      <p:pic>
+        <p:nvPicPr>
+          <p:cNvPr id="5" name="Рисунок 4">
+            <a:extLst>
+              <a:ext uri="{FF2B5EF4-FFF2-40B4-BE49-F238E27FC236}">
+                <a16:creationId xmlns:a16="http://schemas.microsoft.com/office/drawing/2014/main" id="{E618EDD7-775A-4541-AF44-203CAB66133C}"/>
+              </a:ext>
+            </a:extLst>
+          </p:cNvPr>
+          <p:cNvPicPr>
+            <a:picLocks noChangeAspect="1"/>
+          </p:cNvPicPr>
+          <p:nvPr/>
+        </p:nvPicPr>
+        <p:blipFill>
+          <a:blip r:embed="rId2"/>
+          <a:stretch>
+            <a:fillRect/>
+          </a:stretch>
+        </p:blipFill>
+        <p:spPr>
+          <a:xfrm>
+            <a:off x="0" y="856739"/>
+            <a:ext cx="12191999" cy="6056725"/>
+          </a:xfrm>
+          <a:prstGeom prst="rect">
+            <a:avLst/>
+          </a:prstGeom>
+        </p:spPr>
+      </p:pic>
+      <p:sp>
+        <p:nvSpPr>
+          <p:cNvPr id="6" name="Номер слайда 5">
+            <a:extLst>
+              <a:ext uri="{FF2B5EF4-FFF2-40B4-BE49-F238E27FC236}">
+                <a16:creationId xmlns:a16="http://schemas.microsoft.com/office/drawing/2014/main" id="{3C3AFCA4-E2FD-47F0-B06A-8F05A74FC61E}"/>
+              </a:ext>
+            </a:extLst>
+          </p:cNvPr>
+          <p:cNvSpPr>
+            <a:spLocks noGrp="1"/>
+          </p:cNvSpPr>
+          <p:nvPr>
+            <p:ph type="sldNum" sz="quarter" idx="12"/>
+          </p:nvPr>
+        </p:nvSpPr>
+        <p:spPr/>
+        <p:txBody>
+          <a:bodyPr/>
+          <a:lstStyle/>
+          <a:p>
+            <a:fld id="{E674C0A0-8DE9-4942-9F1B-2332F349D007}" type="slidenum">
+              <a:rPr lang="ru-RU" smtClean="0"/>
+              <a:t>14</a:t>
+            </a:fld>
+            <a:endParaRPr lang="ru-RU"/>
+          </a:p>
+        </p:txBody>
+      </p:sp>
+      <p:sp>
+        <p:nvSpPr>
+          <p:cNvPr id="8" name="Номер слайда 4">
+            <a:extLst>
+              <a:ext uri="{FF2B5EF4-FFF2-40B4-BE49-F238E27FC236}">
+                <a16:creationId xmlns:a16="http://schemas.microsoft.com/office/drawing/2014/main" id="{62EAE0F7-9A41-4545-A92F-FC52F608E217}"/>
               </a:ext>
             </a:extLst>
           </p:cNvPr>
@@ -9499,40 +9508,10 @@
           </a:p>
         </p:txBody>
       </p:sp>
-      <p:pic>
-        <p:nvPicPr>
-          <p:cNvPr id="11" name="Рисунок 10">
-            <a:extLst>
-              <a:ext uri="{FF2B5EF4-FFF2-40B4-BE49-F238E27FC236}">
-                <a16:creationId xmlns:a16="http://schemas.microsoft.com/office/drawing/2014/main" id="{8305D641-872E-4865-AE67-66205DCDD2D4}"/>
-              </a:ext>
-            </a:extLst>
-          </p:cNvPr>
-          <p:cNvPicPr>
-            <a:picLocks noChangeAspect="1"/>
-          </p:cNvPicPr>
-          <p:nvPr/>
-        </p:nvPicPr>
-        <p:blipFill>
-          <a:blip r:embed="rId2"/>
-          <a:stretch>
-            <a:fillRect/>
-          </a:stretch>
-        </p:blipFill>
-        <p:spPr>
-          <a:xfrm>
-            <a:off x="-1" y="1101012"/>
-            <a:ext cx="12191999" cy="5756988"/>
-          </a:xfrm>
-          <a:prstGeom prst="rect">
-            <a:avLst/>
-          </a:prstGeom>
-        </p:spPr>
-      </p:pic>
     </p:spTree>
     <p:extLst>
       <p:ext uri="{BB962C8B-B14F-4D97-AF65-F5344CB8AC3E}">
-        <p14:creationId xmlns:p14="http://schemas.microsoft.com/office/powerpoint/2010/main" val="1417320718"/>
+        <p14:creationId xmlns:p14="http://schemas.microsoft.com/office/powerpoint/2010/main" val="311423206"/>
       </p:ext>
     </p:extLst>
   </p:cSld>
@@ -9576,6 +9555,268 @@
           <p:cNvPr id="2" name="Заголовок 1">
             <a:extLst>
               <a:ext uri="{FF2B5EF4-FFF2-40B4-BE49-F238E27FC236}">
+                <a16:creationId xmlns:a16="http://schemas.microsoft.com/office/drawing/2014/main" id="{1AF8BD60-0C5B-416F-3A2E-06B21B6C0DA2}"/>
+              </a:ext>
+            </a:extLst>
+          </p:cNvPr>
+          <p:cNvSpPr>
+            <a:spLocks noGrp="1"/>
+          </p:cNvSpPr>
+          <p:nvPr>
+            <p:ph type="title"/>
+          </p:nvPr>
+        </p:nvSpPr>
+        <p:spPr>
+          <a:xfrm>
+            <a:off x="0" y="-1"/>
+            <a:ext cx="12191999" cy="640081"/>
+          </a:xfrm>
+        </p:spPr>
+        <p:txBody>
+          <a:bodyPr>
+            <a:normAutofit/>
+          </a:bodyPr>
+          <a:lstStyle/>
+          <a:p>
+            <a:pPr algn="ctr"/>
+            <a:r>
+              <a:rPr lang="ru-RU" spc="-1" dirty="0">
+                <a:solidFill>
+                  <a:schemeClr val="tx1"/>
+                </a:solidFill>
+                <a:latin typeface="Times New Roman" panose="02020603050405020304" pitchFamily="18" charset="0"/>
+                <a:ea typeface="DejaVu Sans"/>
+                <a:cs typeface="Times New Roman" panose="02020603050405020304" pitchFamily="18" charset="0"/>
+              </a:rPr>
+              <a:t>Прототипы интерфейсов</a:t>
+            </a:r>
+            <a:endParaRPr lang="ru-RU" sz="4200" dirty="0">
+              <a:solidFill>
+                <a:schemeClr val="tx1"/>
+              </a:solidFill>
+              <a:latin typeface="Times New Roman" panose="02020603050405020304" pitchFamily="18" charset="0"/>
+              <a:cs typeface="Times New Roman" panose="02020603050405020304" pitchFamily="18" charset="0"/>
+            </a:endParaRPr>
+          </a:p>
+        </p:txBody>
+      </p:sp>
+      <p:sp>
+        <p:nvSpPr>
+          <p:cNvPr id="10" name="Номер слайда 4">
+            <a:extLst>
+              <a:ext uri="{FF2B5EF4-FFF2-40B4-BE49-F238E27FC236}">
+                <a16:creationId xmlns:a16="http://schemas.microsoft.com/office/drawing/2014/main" id="{2B5AEB02-FB32-4BEC-B2D7-82CCC014B792}"/>
+              </a:ext>
+            </a:extLst>
+          </p:cNvPr>
+          <p:cNvSpPr txBox="1">
+            <a:spLocks/>
+          </p:cNvSpPr>
+          <p:nvPr/>
+        </p:nvSpPr>
+        <p:spPr>
+          <a:xfrm>
+            <a:off x="11171852" y="0"/>
+            <a:ext cx="1020148" cy="658368"/>
+          </a:xfrm>
+          <a:prstGeom prst="rect">
+            <a:avLst/>
+          </a:prstGeom>
+        </p:spPr>
+        <p:txBody>
+          <a:bodyPr vert="horz" lIns="91440" tIns="45720" rIns="91440" bIns="45720" rtlCol="0" anchor="ctr"/>
+          <a:lstStyle>
+            <a:defPPr>
+              <a:defRPr lang="en-US"/>
+            </a:defPPr>
+            <a:lvl1pPr marL="0" algn="r" defTabSz="457200" rtl="0" eaLnBrk="1" latinLnBrk="0" hangingPunct="1">
+              <a:defRPr sz="1000" b="0" i="0" kern="1200">
+                <a:solidFill>
+                  <a:schemeClr val="tx1"/>
+                </a:solidFill>
+                <a:effectLst/>
+                <a:latin typeface="+mn-lt"/>
+                <a:ea typeface="+mn-ea"/>
+                <a:cs typeface="+mn-cs"/>
+              </a:defRPr>
+            </a:lvl1pPr>
+            <a:lvl2pPr marL="457200" algn="l" defTabSz="457200" rtl="0" eaLnBrk="1" latinLnBrk="0" hangingPunct="1">
+              <a:defRPr sz="1800" kern="1200">
+                <a:solidFill>
+                  <a:schemeClr val="tx1"/>
+                </a:solidFill>
+                <a:latin typeface="+mn-lt"/>
+                <a:ea typeface="+mn-ea"/>
+                <a:cs typeface="+mn-cs"/>
+              </a:defRPr>
+            </a:lvl2pPr>
+            <a:lvl3pPr marL="914400" algn="l" defTabSz="457200" rtl="0" eaLnBrk="1" latinLnBrk="0" hangingPunct="1">
+              <a:defRPr sz="1800" kern="1200">
+                <a:solidFill>
+                  <a:schemeClr val="tx1"/>
+                </a:solidFill>
+                <a:latin typeface="+mn-lt"/>
+                <a:ea typeface="+mn-ea"/>
+                <a:cs typeface="+mn-cs"/>
+              </a:defRPr>
+            </a:lvl3pPr>
+            <a:lvl4pPr marL="1371600" algn="l" defTabSz="457200" rtl="0" eaLnBrk="1" latinLnBrk="0" hangingPunct="1">
+              <a:defRPr sz="1800" kern="1200">
+                <a:solidFill>
+                  <a:schemeClr val="tx1"/>
+                </a:solidFill>
+                <a:latin typeface="+mn-lt"/>
+                <a:ea typeface="+mn-ea"/>
+                <a:cs typeface="+mn-cs"/>
+              </a:defRPr>
+            </a:lvl4pPr>
+            <a:lvl5pPr marL="1828800" algn="l" defTabSz="457200" rtl="0" eaLnBrk="1" latinLnBrk="0" hangingPunct="1">
+              <a:defRPr sz="1800" kern="1200">
+                <a:solidFill>
+                  <a:schemeClr val="tx1"/>
+                </a:solidFill>
+                <a:latin typeface="+mn-lt"/>
+                <a:ea typeface="+mn-ea"/>
+                <a:cs typeface="+mn-cs"/>
+              </a:defRPr>
+            </a:lvl5pPr>
+            <a:lvl6pPr marL="2286000" algn="l" defTabSz="457200" rtl="0" eaLnBrk="1" latinLnBrk="0" hangingPunct="1">
+              <a:defRPr sz="1800" kern="1200">
+                <a:solidFill>
+                  <a:schemeClr val="tx1"/>
+                </a:solidFill>
+                <a:latin typeface="+mn-lt"/>
+                <a:ea typeface="+mn-ea"/>
+                <a:cs typeface="+mn-cs"/>
+              </a:defRPr>
+            </a:lvl6pPr>
+            <a:lvl7pPr marL="2743200" algn="l" defTabSz="457200" rtl="0" eaLnBrk="1" latinLnBrk="0" hangingPunct="1">
+              <a:defRPr sz="1800" kern="1200">
+                <a:solidFill>
+                  <a:schemeClr val="tx1"/>
+                </a:solidFill>
+                <a:latin typeface="+mn-lt"/>
+                <a:ea typeface="+mn-ea"/>
+                <a:cs typeface="+mn-cs"/>
+              </a:defRPr>
+            </a:lvl7pPr>
+            <a:lvl8pPr marL="3200400" algn="l" defTabSz="457200" rtl="0" eaLnBrk="1" latinLnBrk="0" hangingPunct="1">
+              <a:defRPr sz="1800" kern="1200">
+                <a:solidFill>
+                  <a:schemeClr val="tx1"/>
+                </a:solidFill>
+                <a:latin typeface="+mn-lt"/>
+                <a:ea typeface="+mn-ea"/>
+                <a:cs typeface="+mn-cs"/>
+              </a:defRPr>
+            </a:lvl8pPr>
+            <a:lvl9pPr marL="3657600" algn="l" defTabSz="457200" rtl="0" eaLnBrk="1" latinLnBrk="0" hangingPunct="1">
+              <a:defRPr sz="1800" kern="1200">
+                <a:solidFill>
+                  <a:schemeClr val="tx1"/>
+                </a:solidFill>
+                <a:latin typeface="+mn-lt"/>
+                <a:ea typeface="+mn-ea"/>
+                <a:cs typeface="+mn-cs"/>
+              </a:defRPr>
+            </a:lvl9pPr>
+          </a:lstStyle>
+          <a:p>
+            <a:pPr algn="ctr"/>
+            <a:fld id="{E674C0A0-8DE9-4942-9F1B-2332F349D007}" type="slidenum">
+              <a:rPr lang="ru-RU" sz="2200" smtClean="0">
+                <a:latin typeface="Tahoma" panose="020B0604030504040204" pitchFamily="34" charset="0"/>
+                <a:ea typeface="Tahoma" panose="020B0604030504040204" pitchFamily="34" charset="0"/>
+                <a:cs typeface="Tahoma" panose="020B0604030504040204" pitchFamily="34" charset="0"/>
+              </a:rPr>
+              <a:pPr algn="ctr"/>
+              <a:t>15</a:t>
+            </a:fld>
+            <a:endParaRPr lang="ru-RU" sz="2200" dirty="0">
+              <a:latin typeface="Tahoma" panose="020B0604030504040204" pitchFamily="34" charset="0"/>
+              <a:ea typeface="Tahoma" panose="020B0604030504040204" pitchFamily="34" charset="0"/>
+              <a:cs typeface="Tahoma" panose="020B0604030504040204" pitchFamily="34" charset="0"/>
+            </a:endParaRPr>
+          </a:p>
+        </p:txBody>
+      </p:sp>
+      <p:pic>
+        <p:nvPicPr>
+          <p:cNvPr id="11" name="Рисунок 10">
+            <a:extLst>
+              <a:ext uri="{FF2B5EF4-FFF2-40B4-BE49-F238E27FC236}">
+                <a16:creationId xmlns:a16="http://schemas.microsoft.com/office/drawing/2014/main" id="{8305D641-872E-4865-AE67-66205DCDD2D4}"/>
+              </a:ext>
+            </a:extLst>
+          </p:cNvPr>
+          <p:cNvPicPr>
+            <a:picLocks noChangeAspect="1"/>
+          </p:cNvPicPr>
+          <p:nvPr/>
+        </p:nvPicPr>
+        <p:blipFill>
+          <a:blip r:embed="rId2"/>
+          <a:stretch>
+            <a:fillRect/>
+          </a:stretch>
+        </p:blipFill>
+        <p:spPr>
+          <a:xfrm>
+            <a:off x="-1" y="1101012"/>
+            <a:ext cx="12191999" cy="5756988"/>
+          </a:xfrm>
+          <a:prstGeom prst="rect">
+            <a:avLst/>
+          </a:prstGeom>
+        </p:spPr>
+      </p:pic>
+    </p:spTree>
+    <p:extLst>
+      <p:ext uri="{BB962C8B-B14F-4D97-AF65-F5344CB8AC3E}">
+        <p14:creationId xmlns:p14="http://schemas.microsoft.com/office/powerpoint/2010/main" val="1417320718"/>
+      </p:ext>
+    </p:extLst>
+  </p:cSld>
+  <p:clrMapOvr>
+    <a:masterClrMapping/>
+  </p:clrMapOvr>
+  <mc:AlternateContent xmlns:mc="http://schemas.openxmlformats.org/markup-compatibility/2006" xmlns:p14="http://schemas.microsoft.com/office/powerpoint/2010/main">
+    <mc:Choice Requires="p14">
+      <p:transition spd="med" p14:dur="700">
+        <p:fade/>
+      </p:transition>
+    </mc:Choice>
+    <mc:Fallback xmlns="">
+      <p:transition spd="med">
+        <p:fade/>
+      </p:transition>
+    </mc:Fallback>
+  </mc:AlternateContent>
+</p:sld>
+</file>
+
+<file path=ppt/slides/slide16.xml><?xml version="1.0" encoding="utf-8"?>
+<p:sld xmlns:a="http://schemas.openxmlformats.org/drawingml/2006/main" xmlns:r="http://schemas.openxmlformats.org/officeDocument/2006/relationships" xmlns:p="http://schemas.openxmlformats.org/presentationml/2006/main">
+  <p:cSld>
+    <p:spTree>
+      <p:nvGrpSpPr>
+        <p:cNvPr id="1" name=""/>
+        <p:cNvGrpSpPr/>
+        <p:nvPr/>
+      </p:nvGrpSpPr>
+      <p:grpSpPr>
+        <a:xfrm>
+          <a:off x="0" y="0"/>
+          <a:ext cx="0" cy="0"/>
+          <a:chOff x="0" y="0"/>
+          <a:chExt cx="0" cy="0"/>
+        </a:xfrm>
+      </p:grpSpPr>
+      <p:sp>
+        <p:nvSpPr>
+          <p:cNvPr id="2" name="Заголовок 1">
+            <a:extLst>
+              <a:ext uri="{FF2B5EF4-FFF2-40B4-BE49-F238E27FC236}">
                 <a16:creationId xmlns:a16="http://schemas.microsoft.com/office/drawing/2014/main" id="{131AF62D-63AD-D33F-E646-0AF822E31EE6}"/>
               </a:ext>
             </a:extLst>
@@ -9829,7 +10070,7 @@
           <a:p>
             <a:fld id="{E674C0A0-8DE9-4942-9F1B-2332F349D007}" type="slidenum">
               <a:rPr lang="ru-RU" smtClean="0"/>
-              <a:t>15</a:t>
+              <a:t>16</a:t>
             </a:fld>
             <a:endParaRPr lang="ru-RU"/>
           </a:p>
@@ -9965,7 +10206,7 @@
                 <a:cs typeface="Tahoma" panose="020B0604030504040204" pitchFamily="34" charset="0"/>
               </a:rPr>
               <a:pPr algn="ctr"/>
-              <a:t>15</a:t>
+              <a:t>16</a:t>
             </a:fld>
             <a:endParaRPr lang="ru-RU" sz="2200" dirty="0">
               <a:latin typeface="Tahoma" panose="020B0604030504040204" pitchFamily="34" charset="0"/>

--- a/Дипломная работа/Презентация.pptx
+++ b/Дипломная работа/Презентация.pptx
@@ -5,7 +5,7 @@
     <p:sldMasterId id="2147484049" r:id="rId1"/>
   </p:sldMasterIdLst>
   <p:notesMasterIdLst>
-    <p:notesMasterId r:id="rId18"/>
+    <p:notesMasterId r:id="rId22"/>
   </p:notesMasterIdLst>
   <p:sldIdLst>
     <p:sldId id="256" r:id="rId2"/>
@@ -20,10 +20,14 @@
     <p:sldId id="259" r:id="rId11"/>
     <p:sldId id="271" r:id="rId12"/>
     <p:sldId id="285" r:id="rId13"/>
-    <p:sldId id="286" r:id="rId14"/>
-    <p:sldId id="277" r:id="rId15"/>
-    <p:sldId id="276" r:id="rId16"/>
-    <p:sldId id="274" r:id="rId17"/>
+    <p:sldId id="294" r:id="rId14"/>
+    <p:sldId id="295" r:id="rId15"/>
+    <p:sldId id="291" r:id="rId16"/>
+    <p:sldId id="286" r:id="rId17"/>
+    <p:sldId id="289" r:id="rId18"/>
+    <p:sldId id="274" r:id="rId19"/>
+    <p:sldId id="287" r:id="rId20"/>
+    <p:sldId id="288" r:id="rId21"/>
   </p:sldIdLst>
   <p:sldSz cx="12192000" cy="6858000"/>
   <p:notesSz cx="6858000" cy="9144000"/>
@@ -212,7 +216,7 @@
           <a:p>
             <a:fld id="{0752C715-6935-41AD-9984-2334D42D2383}" type="datetimeFigureOut">
               <a:rPr lang="ru-RU" smtClean="0"/>
-              <a:t>16.03.2025</a:t>
+              <a:t>23.03.2025</a:t>
             </a:fld>
             <a:endParaRPr lang="ru-RU"/>
           </a:p>
@@ -792,7 +796,7 @@
           <a:p>
             <a:fld id="{A592AB9E-B3E0-40A8-9D13-59617F3F8A64}" type="datetime1">
               <a:rPr lang="ru-RU" smtClean="0"/>
-              <a:t>16.03.2025</a:t>
+              <a:t>23.03.2025</a:t>
             </a:fld>
             <a:endParaRPr lang="ru-RU"/>
           </a:p>
@@ -1138,7 +1142,7 @@
           <a:p>
             <a:fld id="{5417B1CA-4C4F-4F8D-803D-8A6A8A906241}" type="datetime1">
               <a:rPr lang="ru-RU" smtClean="0"/>
-              <a:t>16.03.2025</a:t>
+              <a:t>23.03.2025</a:t>
             </a:fld>
             <a:endParaRPr lang="ru-RU"/>
           </a:p>
@@ -1416,7 +1420,7 @@
           <a:p>
             <a:fld id="{82CFFC90-8D51-4E14-AFBA-129AE5402BF2}" type="datetime1">
               <a:rPr lang="ru-RU" smtClean="0"/>
-              <a:t>16.03.2025</a:t>
+              <a:t>23.03.2025</a:t>
             </a:fld>
             <a:endParaRPr lang="ru-RU"/>
           </a:p>
@@ -1984,7 +1988,7 @@
           <a:p>
             <a:fld id="{EA467253-3793-4A20-98DF-36EA880F85F5}" type="datetime1">
               <a:rPr lang="ru-RU" smtClean="0"/>
-              <a:t>16.03.2025</a:t>
+              <a:t>23.03.2025</a:t>
             </a:fld>
             <a:endParaRPr lang="ru-RU"/>
           </a:p>
@@ -2262,7 +2266,7 @@
           <a:p>
             <a:fld id="{D83AF644-49BB-4732-B227-064E7E8E9B75}" type="datetime1">
               <a:rPr lang="ru-RU" smtClean="0"/>
-              <a:t>16.03.2025</a:t>
+              <a:t>23.03.2025</a:t>
             </a:fld>
             <a:endParaRPr lang="ru-RU"/>
           </a:p>
@@ -2824,7 +2828,7 @@
           <a:p>
             <a:fld id="{93741DF7-081A-43E1-AEC0-7A6A5EFC3E04}" type="datetime1">
               <a:rPr lang="ru-RU" smtClean="0"/>
-              <a:t>16.03.2025</a:t>
+              <a:t>23.03.2025</a:t>
             </a:fld>
             <a:endParaRPr lang="ru-RU"/>
           </a:p>
@@ -3151,7 +3155,7 @@
           <a:p>
             <a:fld id="{60804587-5AD3-4566-AED6-7C5642B16C64}" type="datetime1">
               <a:rPr lang="ru-RU" smtClean="0"/>
-              <a:t>16.03.2025</a:t>
+              <a:t>23.03.2025</a:t>
             </a:fld>
             <a:endParaRPr lang="ru-RU"/>
           </a:p>
@@ -3328,7 +3332,7 @@
           <a:p>
             <a:fld id="{AF148D8C-8A56-4364-A29B-FC848D70BD3E}" type="datetime1">
               <a:rPr lang="ru-RU" smtClean="0"/>
-              <a:t>16.03.2025</a:t>
+              <a:t>23.03.2025</a:t>
             </a:fld>
             <a:endParaRPr lang="ru-RU"/>
           </a:p>
@@ -3578,7 +3582,7 @@
           <a:p>
             <a:fld id="{1F560C62-4747-4C40-80B5-9506A6478873}" type="datetime1">
               <a:rPr lang="ru-RU" smtClean="0"/>
-              <a:t>16.03.2025</a:t>
+              <a:t>23.03.2025</a:t>
             </a:fld>
             <a:endParaRPr lang="ru-RU"/>
           </a:p>
@@ -3790,7 +3794,7 @@
           <a:p>
             <a:fld id="{655C5391-6D11-49BE-9D35-F1852430608C}" type="datetime1">
               <a:rPr lang="ru-RU" smtClean="0"/>
-              <a:t>16.03.2025</a:t>
+              <a:t>23.03.2025</a:t>
             </a:fld>
             <a:endParaRPr lang="ru-RU"/>
           </a:p>
@@ -4078,7 +4082,7 @@
           <a:p>
             <a:fld id="{D1B7E046-787A-42F0-988E-D94C46E094ED}" type="datetime1">
               <a:rPr lang="ru-RU" smtClean="0"/>
-              <a:t>16.03.2025</a:t>
+              <a:t>23.03.2025</a:t>
             </a:fld>
             <a:endParaRPr lang="ru-RU"/>
           </a:p>
@@ -4356,7 +4360,7 @@
           <a:p>
             <a:fld id="{1DEF2D25-E9E1-4E54-81F0-1D2FE8854B0E}" type="datetime1">
               <a:rPr lang="ru-RU" smtClean="0"/>
-              <a:t>16.03.2025</a:t>
+              <a:t>23.03.2025</a:t>
             </a:fld>
             <a:endParaRPr lang="ru-RU"/>
           </a:p>
@@ -4742,7 +4746,7 @@
           <a:p>
             <a:fld id="{2D559C09-903E-4473-BBE2-D44EED2E9BB9}" type="datetime1">
               <a:rPr lang="ru-RU" smtClean="0"/>
-              <a:t>16.03.2025</a:t>
+              <a:t>23.03.2025</a:t>
             </a:fld>
             <a:endParaRPr lang="ru-RU"/>
           </a:p>
@@ -4902,7 +4906,7 @@
           <a:p>
             <a:fld id="{5DEFB42A-193B-4E6D-9002-E4C3450AA4B1}" type="datetime1">
               <a:rPr lang="ru-RU" smtClean="0"/>
-              <a:t>16.03.2025</a:t>
+              <a:t>23.03.2025</a:t>
             </a:fld>
             <a:endParaRPr lang="ru-RU"/>
           </a:p>
@@ -5039,7 +5043,7 @@
           <a:p>
             <a:fld id="{B780A1C7-BCFA-4491-ABEA-F198E9E80238}" type="datetime1">
               <a:rPr lang="ru-RU" smtClean="0"/>
-              <a:t>16.03.2025</a:t>
+              <a:t>23.03.2025</a:t>
             </a:fld>
             <a:endParaRPr lang="ru-RU"/>
           </a:p>
@@ -5336,7 +5340,7 @@
           <a:p>
             <a:fld id="{6B7D87D1-A00E-4856-B035-ABE302A2367C}" type="datetime1">
               <a:rPr lang="ru-RU" smtClean="0"/>
-              <a:t>16.03.2025</a:t>
+              <a:t>23.03.2025</a:t>
             </a:fld>
             <a:endParaRPr lang="ru-RU"/>
           </a:p>
@@ -5672,7 +5676,7 @@
           <a:p>
             <a:fld id="{95982220-A412-481B-B026-9F63F21200E0}" type="datetime1">
               <a:rPr lang="ru-RU" smtClean="0"/>
-              <a:t>16.03.2025</a:t>
+              <a:t>23.03.2025</a:t>
             </a:fld>
             <a:endParaRPr lang="ru-RU"/>
           </a:p>
@@ -5898,7 +5902,7 @@
           <a:p>
             <a:fld id="{CBF3DBF7-CC75-4132-A774-E3960ACCECD6}" type="datetime1">
               <a:rPr lang="ru-RU" smtClean="0"/>
-              <a:t>16.03.2025</a:t>
+              <a:t>23.03.2025</a:t>
             </a:fld>
             <a:endParaRPr lang="ru-RU"/>
           </a:p>
@@ -7187,6 +7191,9 @@
             <a:pPr algn="ctr"/>
             <a:r>
               <a:rPr lang="ru-RU" dirty="0">
+                <a:solidFill>
+                  <a:schemeClr val="bg1"/>
+                </a:solidFill>
                 <a:latin typeface="Tahoma" panose="020B0604030504040204" pitchFamily="34" charset="0"/>
                 <a:ea typeface="Tahoma" panose="020B0604030504040204" pitchFamily="34" charset="0"/>
                 <a:cs typeface="Tahoma" panose="020B0604030504040204" pitchFamily="34" charset="0"/>
@@ -7248,6 +7255,9 @@
             <a:pPr algn="ctr"/>
             <a:r>
               <a:rPr lang="ru-RU" dirty="0">
+                <a:solidFill>
+                  <a:schemeClr val="bg1"/>
+                </a:solidFill>
                 <a:latin typeface="Tahoma" panose="020B0604030504040204" pitchFamily="34" charset="0"/>
                 <a:ea typeface="Tahoma" panose="020B0604030504040204" pitchFamily="34" charset="0"/>
                 <a:cs typeface="Tahoma" panose="020B0604030504040204" pitchFamily="34" charset="0"/>
@@ -7271,7 +7281,7 @@
         </p:nvSpPr>
         <p:spPr>
           <a:xfrm>
-            <a:off x="3123390" y="1955618"/>
+            <a:off x="3123389" y="1955618"/>
             <a:ext cx="7974536" cy="592501"/>
           </a:xfrm>
           <a:prstGeom prst="ellipse">
@@ -7309,11 +7319,14 @@
             <a:pPr algn="ctr"/>
             <a:r>
               <a:rPr lang="ru-RU" dirty="0">
+                <a:solidFill>
+                  <a:schemeClr val="bg1"/>
+                </a:solidFill>
                 <a:latin typeface="Tahoma" panose="020B0604030504040204" pitchFamily="34" charset="0"/>
                 <a:ea typeface="Tahoma" panose="020B0604030504040204" pitchFamily="34" charset="0"/>
                 <a:cs typeface="Tahoma" panose="020B0604030504040204" pitchFamily="34" charset="0"/>
               </a:rPr>
-              <a:t>Просмотр своих учебных групп</a:t>
+              <a:t>Просмотр своих учебных групп/явок учащихся</a:t>
             </a:r>
           </a:p>
         </p:txBody>
@@ -7378,11 +7391,23 @@
                 <a:ea typeface="Tahoma" panose="020B0604030504040204" pitchFamily="34" charset="0"/>
                 <a:cs typeface="Tahoma" panose="020B0604030504040204" pitchFamily="34" charset="0"/>
               </a:rPr>
-              <a:t> Получение уведомлений об ошибках в своих группах</a:t>
+              <a:t> </a:t>
+            </a:r>
+            <a:r>
+              <a:rPr lang="ru-RU" b="0" i="0" dirty="0">
+                <a:solidFill>
+                  <a:schemeClr val="bg1"/>
+                </a:solidFill>
+                <a:effectLst/>
+                <a:latin typeface="Tahoma" panose="020B0604030504040204" pitchFamily="34" charset="0"/>
+                <a:ea typeface="Tahoma" panose="020B0604030504040204" pitchFamily="34" charset="0"/>
+                <a:cs typeface="Tahoma" panose="020B0604030504040204" pitchFamily="34" charset="0"/>
+              </a:rPr>
+              <a:t>Получение уведомлений об ошибках в своих группах</a:t>
             </a:r>
             <a:endParaRPr lang="ru-RU" dirty="0">
               <a:solidFill>
-                <a:schemeClr val="tx1"/>
+                <a:schemeClr val="bg1"/>
               </a:solidFill>
               <a:latin typeface="Tahoma" panose="020B0604030504040204" pitchFamily="34" charset="0"/>
               <a:ea typeface="Tahoma" panose="020B0604030504040204" pitchFamily="34" charset="0"/>
@@ -7495,11 +7520,14 @@
             <a:pPr algn="ctr"/>
             <a:r>
               <a:rPr lang="ru-RU" dirty="0">
+                <a:solidFill>
+                  <a:schemeClr val="bg1"/>
+                </a:solidFill>
                 <a:latin typeface="Tahoma" panose="020B0604030504040204" pitchFamily="34" charset="0"/>
                 <a:ea typeface="Tahoma" panose="020B0604030504040204" pitchFamily="34" charset="0"/>
                 <a:cs typeface="Tahoma" panose="020B0604030504040204" pitchFamily="34" charset="0"/>
               </a:rPr>
-              <a:t>Редактирование своих учебных групп</a:t>
+              <a:t>Редактирование своих учебных групп/явок учащихся</a:t>
             </a:r>
           </a:p>
         </p:txBody>
@@ -7566,7 +7594,7 @@
         </p:nvCxnSpPr>
         <p:spPr>
           <a:xfrm flipV="1">
-            <a:off x="1528006" y="2251869"/>
+            <a:off x="1528005" y="2251869"/>
             <a:ext cx="1595384" cy="796352"/>
           </a:xfrm>
           <a:prstGeom prst="straightConnector1">
@@ -8202,6 +8230,9 @@
             <a:pPr algn="ctr"/>
             <a:r>
               <a:rPr lang="ru-RU" dirty="0">
+                <a:solidFill>
+                  <a:schemeClr val="bg1"/>
+                </a:solidFill>
                 <a:latin typeface="Tahoma" panose="020B0604030504040204" pitchFamily="34" charset="0"/>
                 <a:ea typeface="Tahoma" panose="020B0604030504040204" pitchFamily="34" charset="0"/>
                 <a:cs typeface="Tahoma" panose="020B0604030504040204" pitchFamily="34" charset="0"/>
@@ -8263,6 +8294,9 @@
             <a:pPr algn="ctr"/>
             <a:r>
               <a:rPr lang="ru-RU" dirty="0">
+                <a:solidFill>
+                  <a:schemeClr val="bg1"/>
+                </a:solidFill>
                 <a:latin typeface="Tahoma" panose="020B0604030504040204" pitchFamily="34" charset="0"/>
                 <a:ea typeface="Tahoma" panose="020B0604030504040204" pitchFamily="34" charset="0"/>
                 <a:cs typeface="Tahoma" panose="020B0604030504040204" pitchFamily="34" charset="0"/>
@@ -8324,11 +8358,14 @@
             <a:pPr algn="ctr"/>
             <a:r>
               <a:rPr lang="ru-RU" dirty="0">
+                <a:solidFill>
+                  <a:schemeClr val="bg1"/>
+                </a:solidFill>
                 <a:latin typeface="Tahoma" panose="020B0604030504040204" pitchFamily="34" charset="0"/>
                 <a:ea typeface="Tahoma" panose="020B0604030504040204" pitchFamily="34" charset="0"/>
                 <a:cs typeface="Tahoma" panose="020B0604030504040204" pitchFamily="34" charset="0"/>
               </a:rPr>
-              <a:t>Просмотр/редактирование/удаление учебных групп и их участников</a:t>
+              <a:t>Просмотр/редактирование/удаление учебных групп, участников, явок</a:t>
             </a:r>
           </a:p>
         </p:txBody>
@@ -8385,6 +8422,9 @@
             <a:pPr algn="ctr"/>
             <a:r>
               <a:rPr lang="ru-RU" dirty="0">
+                <a:solidFill>
+                  <a:schemeClr val="bg1"/>
+                </a:solidFill>
                 <a:latin typeface="Tahoma" panose="020B0604030504040204" pitchFamily="34" charset="0"/>
                 <a:ea typeface="Tahoma" panose="020B0604030504040204" pitchFamily="34" charset="0"/>
                 <a:cs typeface="Tahoma" panose="020B0604030504040204" pitchFamily="34" charset="0"/>
@@ -8446,6 +8486,9 @@
             <a:pPr algn="ctr"/>
             <a:r>
               <a:rPr lang="ru-RU" dirty="0">
+                <a:solidFill>
+                  <a:schemeClr val="bg1"/>
+                </a:solidFill>
                 <a:latin typeface="Tahoma" panose="020B0604030504040204" pitchFamily="34" charset="0"/>
                 <a:ea typeface="Tahoma" panose="020B0604030504040204" pitchFamily="34" charset="0"/>
                 <a:cs typeface="Tahoma" panose="020B0604030504040204" pitchFamily="34" charset="0"/>
@@ -8507,6 +8550,9 @@
             <a:pPr algn="ctr"/>
             <a:r>
               <a:rPr lang="ru-RU" dirty="0">
+                <a:solidFill>
+                  <a:schemeClr val="bg1"/>
+                </a:solidFill>
                 <a:latin typeface="Tahoma" panose="020B0604030504040204" pitchFamily="34" charset="0"/>
                 <a:ea typeface="Tahoma" panose="020B0604030504040204" pitchFamily="34" charset="0"/>
                 <a:cs typeface="Tahoma" panose="020B0604030504040204" pitchFamily="34" charset="0"/>
@@ -8970,10 +9016,10 @@
       </p:grpSpPr>
       <p:sp>
         <p:nvSpPr>
-          <p:cNvPr id="4" name="Номер слайда 3">
+          <p:cNvPr id="7" name="Заголовок 1">
             <a:extLst>
               <a:ext uri="{FF2B5EF4-FFF2-40B4-BE49-F238E27FC236}">
-                <a16:creationId xmlns:a16="http://schemas.microsoft.com/office/drawing/2014/main" id="{7B357F4B-3EF1-17CB-6433-65F9DCE3E9FB}"/>
+                <a16:creationId xmlns:a16="http://schemas.microsoft.com/office/drawing/2014/main" id="{0AC31A72-5FA3-A939-1D1C-E89299BFE294}"/>
               </a:ext>
             </a:extLst>
           </p:cNvPr>
@@ -8981,162 +9027,41 @@
             <a:spLocks noGrp="1"/>
           </p:cNvSpPr>
           <p:nvPr>
-            <p:ph type="sldNum" sz="quarter" idx="12"/>
+            <p:ph type="title"/>
           </p:nvPr>
         </p:nvSpPr>
         <p:spPr>
           <a:xfrm>
-            <a:off x="11411712" y="0"/>
-            <a:ext cx="780287" cy="502920"/>
-          </a:xfrm>
-        </p:spPr>
-        <p:txBody>
-          <a:bodyPr/>
+            <a:off x="0" y="85724"/>
+            <a:ext cx="12191999" cy="600076"/>
+          </a:xfrm>
+        </p:spPr>
+        <p:txBody>
+          <a:bodyPr>
+            <a:noAutofit/>
+          </a:bodyPr>
           <a:lstStyle/>
           <a:p>
-            <a:fld id="{E674C0A0-8DE9-4942-9F1B-2332F349D007}" type="slidenum">
-              <a:rPr lang="ru-RU" sz="2200" smtClean="0"/>
-              <a:t>13</a:t>
-            </a:fld>
-            <a:endParaRPr lang="ru-RU" sz="2200" dirty="0"/>
-          </a:p>
-        </p:txBody>
-      </p:sp>
-      <p:sp>
-        <p:nvSpPr>
-          <p:cNvPr id="5" name="Заголовок 1">
-            <a:extLst>
-              <a:ext uri="{FF2B5EF4-FFF2-40B4-BE49-F238E27FC236}">
-                <a16:creationId xmlns:a16="http://schemas.microsoft.com/office/drawing/2014/main" id="{6B12EEDA-A379-46C0-43A5-DD9D8BA00775}"/>
-              </a:ext>
-            </a:extLst>
-          </p:cNvPr>
-          <p:cNvSpPr txBox="1">
-            <a:spLocks/>
-          </p:cNvSpPr>
-          <p:nvPr/>
-        </p:nvSpPr>
-        <p:spPr>
-          <a:xfrm>
-            <a:off x="0" y="-1"/>
-            <a:ext cx="12191999" cy="649225"/>
-          </a:xfrm>
-          <a:prstGeom prst="rect">
-            <a:avLst/>
-          </a:prstGeom>
-          <a:effectLst/>
-        </p:spPr>
-        <p:txBody>
-          <a:bodyPr vert="horz" lIns="91440" tIns="45720" rIns="91440" bIns="45720" rtlCol="0" anchor="ctr">
-            <a:normAutofit/>
-          </a:bodyPr>
-          <a:lstStyle>
-            <a:lvl1pPr algn="l" defTabSz="457200" rtl="0" eaLnBrk="1" latinLnBrk="0" hangingPunct="1">
-              <a:spcBef>
-                <a:spcPct val="0"/>
-              </a:spcBef>
-              <a:buNone/>
-              <a:defRPr sz="3600" kern="1200" cap="all">
-                <a:ln w="3175" cmpd="sng">
-                  <a:noFill/>
-                </a:ln>
+            <a:pPr algn="ctr"/>
+            <a:r>
+              <a:rPr lang="ru-RU" dirty="0">
                 <a:solidFill>
                   <a:schemeClr val="tx1"/>
                 </a:solidFill>
-                <a:effectLst/>
-                <a:latin typeface="+mj-lt"/>
-                <a:ea typeface="+mj-ea"/>
-                <a:cs typeface="+mj-cs"/>
-              </a:defRPr>
-            </a:lvl1pPr>
-            <a:lvl2pPr eaLnBrk="1" hangingPunct="1">
-              <a:defRPr>
-                <a:solidFill>
-                  <a:schemeClr val="tx2"/>
-                </a:solidFill>
-              </a:defRPr>
-            </a:lvl2pPr>
-            <a:lvl3pPr eaLnBrk="1" hangingPunct="1">
-              <a:defRPr>
-                <a:solidFill>
-                  <a:schemeClr val="tx2"/>
-                </a:solidFill>
-              </a:defRPr>
-            </a:lvl3pPr>
-            <a:lvl4pPr eaLnBrk="1" hangingPunct="1">
-              <a:defRPr>
-                <a:solidFill>
-                  <a:schemeClr val="tx2"/>
-                </a:solidFill>
-              </a:defRPr>
-            </a:lvl4pPr>
-            <a:lvl5pPr eaLnBrk="1" hangingPunct="1">
-              <a:defRPr>
-                <a:solidFill>
-                  <a:schemeClr val="tx2"/>
-                </a:solidFill>
-              </a:defRPr>
-            </a:lvl5pPr>
-            <a:lvl6pPr eaLnBrk="1" hangingPunct="1">
-              <a:defRPr>
-                <a:solidFill>
-                  <a:schemeClr val="tx2"/>
-                </a:solidFill>
-              </a:defRPr>
-            </a:lvl6pPr>
-            <a:lvl7pPr eaLnBrk="1" hangingPunct="1">
-              <a:defRPr>
-                <a:solidFill>
-                  <a:schemeClr val="tx2"/>
-                </a:solidFill>
-              </a:defRPr>
-            </a:lvl7pPr>
-            <a:lvl8pPr eaLnBrk="1" hangingPunct="1">
-              <a:defRPr>
-                <a:solidFill>
-                  <a:schemeClr val="tx2"/>
-                </a:solidFill>
-              </a:defRPr>
-            </a:lvl8pPr>
-            <a:lvl9pPr eaLnBrk="1" hangingPunct="1">
-              <a:defRPr>
-                <a:solidFill>
-                  <a:schemeClr val="tx2"/>
-                </a:solidFill>
-              </a:defRPr>
-            </a:lvl9pPr>
-          </a:lstStyle>
-          <a:p>
-            <a:pPr algn="ctr"/>
-            <a:r>
-              <a:rPr lang="ru-RU" spc="-1" dirty="0" err="1">
                 <a:latin typeface="Times New Roman" panose="02020603050405020304" pitchFamily="18" charset="0"/>
-                <a:ea typeface="DejaVu Sans"/>
                 <a:cs typeface="Times New Roman" panose="02020603050405020304" pitchFamily="18" charset="0"/>
               </a:rPr>
-              <a:t>ДиаграмМа</a:t>
-            </a:r>
-            <a:r>
-              <a:rPr lang="ru-RU" spc="-1" dirty="0">
-                <a:latin typeface="Times New Roman" panose="02020603050405020304" pitchFamily="18" charset="0"/>
-                <a:ea typeface="DejaVu Sans"/>
-                <a:cs typeface="Times New Roman" panose="02020603050405020304" pitchFamily="18" charset="0"/>
-              </a:rPr>
-              <a:t> РАЗВЁРТЫВАНИЯ</a:t>
-            </a:r>
-            <a:endParaRPr lang="ru-RU" sz="4200" dirty="0">
-              <a:latin typeface="Times New Roman" panose="02020603050405020304" pitchFamily="18" charset="0"/>
-              <a:cs typeface="Times New Roman" panose="02020603050405020304" pitchFamily="18" charset="0"/>
-            </a:endParaRPr>
+              <a:t>ИНФОЛОГИЧЕСКАЯ МОДЕЛЬ СИСТЕМЫ</a:t>
+            </a:r>
           </a:p>
         </p:txBody>
       </p:sp>
       <p:pic>
         <p:nvPicPr>
-          <p:cNvPr id="6" name="Рисунок 5">
+          <p:cNvPr id="3" name="Рисунок 2">
             <a:extLst>
               <a:ext uri="{FF2B5EF4-FFF2-40B4-BE49-F238E27FC236}">
-                <a16:creationId xmlns:a16="http://schemas.microsoft.com/office/drawing/2014/main" id="{B2442B4E-FA8C-A4D7-5378-24A75AFC07E4}"/>
+                <a16:creationId xmlns:a16="http://schemas.microsoft.com/office/drawing/2014/main" id="{80665606-7F87-27A8-E120-39093EC6F295}"/>
               </a:ext>
             </a:extLst>
           </p:cNvPr>
@@ -9153,23 +9078,393 @@
         </p:blipFill>
         <p:spPr>
           <a:xfrm>
-            <a:off x="0" y="850392"/>
-            <a:ext cx="12192000" cy="5993840"/>
+            <a:off x="-1" y="838200"/>
+            <a:ext cx="12192000" cy="6019800"/>
           </a:xfrm>
           <a:prstGeom prst="rect">
             <a:avLst/>
           </a:prstGeom>
-          <a:ln>
-            <a:solidFill>
-              <a:schemeClr val="tx1"/>
-            </a:solidFill>
-          </a:ln>
         </p:spPr>
       </p:pic>
+      <p:pic>
+        <p:nvPicPr>
+          <p:cNvPr id="2050" name="Picture 2" descr="Значок С в кружочке - копирайт, защита авторских прав">
+            <a:extLst>
+              <a:ext uri="{FF2B5EF4-FFF2-40B4-BE49-F238E27FC236}">
+                <a16:creationId xmlns:a16="http://schemas.microsoft.com/office/drawing/2014/main" id="{98D33BBD-6950-F2BB-68CA-598486BE6889}"/>
+              </a:ext>
+            </a:extLst>
+          </p:cNvPr>
+          <p:cNvPicPr>
+            <a:picLocks noChangeAspect="1" noChangeArrowheads="1"/>
+          </p:cNvPicPr>
+          <p:nvPr/>
+        </p:nvPicPr>
+        <p:blipFill>
+          <a:blip r:embed="rId3">
+            <a:extLst>
+              <a:ext uri="{28A0092B-C50C-407E-A947-70E740481C1C}">
+                <a14:useLocalDpi xmlns:a14="http://schemas.microsoft.com/office/drawing/2010/main" val="0"/>
+              </a:ext>
+            </a:extLst>
+          </a:blip>
+          <a:srcRect/>
+          <a:stretch>
+            <a:fillRect/>
+          </a:stretch>
+        </p:blipFill>
+        <p:spPr bwMode="auto">
+          <a:xfrm>
+            <a:off x="5480684" y="1026795"/>
+            <a:ext cx="169545" cy="169545"/>
+          </a:xfrm>
+          <a:prstGeom prst="rect">
+            <a:avLst/>
+          </a:prstGeom>
+          <a:noFill/>
+          <a:extLst>
+            <a:ext uri="{909E8E84-426E-40DD-AFC4-6F175D3DCCD1}">
+              <a14:hiddenFill xmlns:a14="http://schemas.microsoft.com/office/drawing/2010/main">
+                <a:solidFill>
+                  <a:srgbClr val="FFFFFF"/>
+                </a:solidFill>
+              </a14:hiddenFill>
+            </a:ext>
+          </a:extLst>
+        </p:spPr>
+      </p:pic>
+      <p:pic>
+        <p:nvPicPr>
+          <p:cNvPr id="4" name="Picture 2" descr="Значок С в кружочке - копирайт, защита авторских прав">
+            <a:extLst>
+              <a:ext uri="{FF2B5EF4-FFF2-40B4-BE49-F238E27FC236}">
+                <a16:creationId xmlns:a16="http://schemas.microsoft.com/office/drawing/2014/main" id="{C30C3F83-292F-F800-2595-BE308C778E18}"/>
+              </a:ext>
+            </a:extLst>
+          </p:cNvPr>
+          <p:cNvPicPr>
+            <a:picLocks noChangeAspect="1" noChangeArrowheads="1"/>
+          </p:cNvPicPr>
+          <p:nvPr/>
+        </p:nvPicPr>
+        <p:blipFill>
+          <a:blip r:embed="rId3">
+            <a:extLst>
+              <a:ext uri="{28A0092B-C50C-407E-A947-70E740481C1C}">
+                <a14:useLocalDpi xmlns:a14="http://schemas.microsoft.com/office/drawing/2010/main" val="0"/>
+              </a:ext>
+            </a:extLst>
+          </a:blip>
+          <a:srcRect/>
+          <a:stretch>
+            <a:fillRect/>
+          </a:stretch>
+        </p:blipFill>
+        <p:spPr bwMode="auto">
+          <a:xfrm>
+            <a:off x="1010284" y="2436495"/>
+            <a:ext cx="169545" cy="169545"/>
+          </a:xfrm>
+          <a:prstGeom prst="rect">
+            <a:avLst/>
+          </a:prstGeom>
+          <a:noFill/>
+          <a:extLst>
+            <a:ext uri="{909E8E84-426E-40DD-AFC4-6F175D3DCCD1}">
+              <a14:hiddenFill xmlns:a14="http://schemas.microsoft.com/office/drawing/2010/main">
+                <a:solidFill>
+                  <a:srgbClr val="FFFFFF"/>
+                </a:solidFill>
+              </a14:hiddenFill>
+            </a:ext>
+          </a:extLst>
+        </p:spPr>
+      </p:pic>
+      <p:pic>
+        <p:nvPicPr>
+          <p:cNvPr id="5" name="Picture 2" descr="Значок С в кружочке - копирайт, защита авторских прав">
+            <a:extLst>
+              <a:ext uri="{FF2B5EF4-FFF2-40B4-BE49-F238E27FC236}">
+                <a16:creationId xmlns:a16="http://schemas.microsoft.com/office/drawing/2014/main" id="{0AAAAED7-9245-D642-06FC-6FA380800586}"/>
+              </a:ext>
+            </a:extLst>
+          </p:cNvPr>
+          <p:cNvPicPr>
+            <a:picLocks noChangeAspect="1" noChangeArrowheads="1"/>
+          </p:cNvPicPr>
+          <p:nvPr/>
+        </p:nvPicPr>
+        <p:blipFill>
+          <a:blip r:embed="rId3">
+            <a:extLst>
+              <a:ext uri="{28A0092B-C50C-407E-A947-70E740481C1C}">
+                <a14:useLocalDpi xmlns:a14="http://schemas.microsoft.com/office/drawing/2010/main" val="0"/>
+              </a:ext>
+            </a:extLst>
+          </a:blip>
+          <a:srcRect/>
+          <a:stretch>
+            <a:fillRect/>
+          </a:stretch>
+        </p:blipFill>
+        <p:spPr bwMode="auto">
+          <a:xfrm>
+            <a:off x="5175090" y="2330292"/>
+            <a:ext cx="169545" cy="169545"/>
+          </a:xfrm>
+          <a:prstGeom prst="rect">
+            <a:avLst/>
+          </a:prstGeom>
+          <a:noFill/>
+          <a:extLst>
+            <a:ext uri="{909E8E84-426E-40DD-AFC4-6F175D3DCCD1}">
+              <a14:hiddenFill xmlns:a14="http://schemas.microsoft.com/office/drawing/2010/main">
+                <a:solidFill>
+                  <a:srgbClr val="FFFFFF"/>
+                </a:solidFill>
+              </a14:hiddenFill>
+            </a:ext>
+          </a:extLst>
+        </p:spPr>
+      </p:pic>
+      <p:pic>
+        <p:nvPicPr>
+          <p:cNvPr id="6" name="Picture 2" descr="Значок С в кружочке - копирайт, защита авторских прав">
+            <a:extLst>
+              <a:ext uri="{FF2B5EF4-FFF2-40B4-BE49-F238E27FC236}">
+                <a16:creationId xmlns:a16="http://schemas.microsoft.com/office/drawing/2014/main" id="{11938183-04E2-A175-9132-2009C0938BA1}"/>
+              </a:ext>
+            </a:extLst>
+          </p:cNvPr>
+          <p:cNvPicPr>
+            <a:picLocks noChangeAspect="1" noChangeArrowheads="1"/>
+          </p:cNvPicPr>
+          <p:nvPr/>
+        </p:nvPicPr>
+        <p:blipFill>
+          <a:blip r:embed="rId3">
+            <a:extLst>
+              <a:ext uri="{28A0092B-C50C-407E-A947-70E740481C1C}">
+                <a14:useLocalDpi xmlns:a14="http://schemas.microsoft.com/office/drawing/2010/main" val="0"/>
+              </a:ext>
+            </a:extLst>
+          </a:blip>
+          <a:srcRect/>
+          <a:stretch>
+            <a:fillRect/>
+          </a:stretch>
+        </p:blipFill>
+        <p:spPr bwMode="auto">
+          <a:xfrm>
+            <a:off x="8445340" y="2436495"/>
+            <a:ext cx="169545" cy="169545"/>
+          </a:xfrm>
+          <a:prstGeom prst="rect">
+            <a:avLst/>
+          </a:prstGeom>
+          <a:noFill/>
+          <a:extLst>
+            <a:ext uri="{909E8E84-426E-40DD-AFC4-6F175D3DCCD1}">
+              <a14:hiddenFill xmlns:a14="http://schemas.microsoft.com/office/drawing/2010/main">
+                <a:solidFill>
+                  <a:srgbClr val="FFFFFF"/>
+                </a:solidFill>
+              </a14:hiddenFill>
+            </a:ext>
+          </a:extLst>
+        </p:spPr>
+      </p:pic>
+      <p:pic>
+        <p:nvPicPr>
+          <p:cNvPr id="8" name="Picture 2" descr="Значок С в кружочке - копирайт, защита авторских прав">
+            <a:extLst>
+              <a:ext uri="{FF2B5EF4-FFF2-40B4-BE49-F238E27FC236}">
+                <a16:creationId xmlns:a16="http://schemas.microsoft.com/office/drawing/2014/main" id="{299CBCDC-AF85-94BE-E6FF-367239559897}"/>
+              </a:ext>
+            </a:extLst>
+          </p:cNvPr>
+          <p:cNvPicPr>
+            <a:picLocks noChangeAspect="1" noChangeArrowheads="1"/>
+          </p:cNvPicPr>
+          <p:nvPr/>
+        </p:nvPicPr>
+        <p:blipFill>
+          <a:blip r:embed="rId3">
+            <a:extLst>
+              <a:ext uri="{28A0092B-C50C-407E-A947-70E740481C1C}">
+                <a14:useLocalDpi xmlns:a14="http://schemas.microsoft.com/office/drawing/2010/main" val="0"/>
+              </a:ext>
+            </a:extLst>
+          </a:blip>
+          <a:srcRect/>
+          <a:stretch>
+            <a:fillRect/>
+          </a:stretch>
+        </p:blipFill>
+        <p:spPr bwMode="auto">
+          <a:xfrm>
+            <a:off x="5434645" y="5370195"/>
+            <a:ext cx="169545" cy="169545"/>
+          </a:xfrm>
+          <a:prstGeom prst="rect">
+            <a:avLst/>
+          </a:prstGeom>
+          <a:noFill/>
+          <a:extLst>
+            <a:ext uri="{909E8E84-426E-40DD-AFC4-6F175D3DCCD1}">
+              <a14:hiddenFill xmlns:a14="http://schemas.microsoft.com/office/drawing/2010/main">
+                <a:solidFill>
+                  <a:srgbClr val="FFFFFF"/>
+                </a:solidFill>
+              </a14:hiddenFill>
+            </a:ext>
+          </a:extLst>
+        </p:spPr>
+      </p:pic>
+      <p:sp>
+        <p:nvSpPr>
+          <p:cNvPr id="10" name="Номер слайда 4">
+            <a:extLst>
+              <a:ext uri="{FF2B5EF4-FFF2-40B4-BE49-F238E27FC236}">
+                <a16:creationId xmlns:a16="http://schemas.microsoft.com/office/drawing/2014/main" id="{CAC95602-23C4-FA85-1D21-39C156A40757}"/>
+              </a:ext>
+            </a:extLst>
+          </p:cNvPr>
+          <p:cNvSpPr txBox="1">
+            <a:spLocks/>
+          </p:cNvSpPr>
+          <p:nvPr/>
+        </p:nvSpPr>
+        <p:spPr>
+          <a:xfrm>
+            <a:off x="11171852" y="0"/>
+            <a:ext cx="1020148" cy="658368"/>
+          </a:xfrm>
+          <a:prstGeom prst="rect">
+            <a:avLst/>
+          </a:prstGeom>
+        </p:spPr>
+        <p:txBody>
+          <a:bodyPr vert="horz" lIns="91440" tIns="45720" rIns="91440" bIns="45720" rtlCol="0" anchor="ctr"/>
+          <a:lstStyle>
+            <a:defPPr>
+              <a:defRPr lang="en-US"/>
+            </a:defPPr>
+            <a:lvl1pPr marL="0" algn="r" defTabSz="457200" rtl="0" eaLnBrk="1" latinLnBrk="0" hangingPunct="1">
+              <a:defRPr sz="1000" b="0" i="0" kern="1200">
+                <a:solidFill>
+                  <a:schemeClr val="tx1"/>
+                </a:solidFill>
+                <a:effectLst/>
+                <a:latin typeface="+mn-lt"/>
+                <a:ea typeface="+mn-ea"/>
+                <a:cs typeface="+mn-cs"/>
+              </a:defRPr>
+            </a:lvl1pPr>
+            <a:lvl2pPr marL="457200" algn="l" defTabSz="457200" rtl="0" eaLnBrk="1" latinLnBrk="0" hangingPunct="1">
+              <a:defRPr sz="1800" kern="1200">
+                <a:solidFill>
+                  <a:schemeClr val="tx1"/>
+                </a:solidFill>
+                <a:latin typeface="+mn-lt"/>
+                <a:ea typeface="+mn-ea"/>
+                <a:cs typeface="+mn-cs"/>
+              </a:defRPr>
+            </a:lvl2pPr>
+            <a:lvl3pPr marL="914400" algn="l" defTabSz="457200" rtl="0" eaLnBrk="1" latinLnBrk="0" hangingPunct="1">
+              <a:defRPr sz="1800" kern="1200">
+                <a:solidFill>
+                  <a:schemeClr val="tx1"/>
+                </a:solidFill>
+                <a:latin typeface="+mn-lt"/>
+                <a:ea typeface="+mn-ea"/>
+                <a:cs typeface="+mn-cs"/>
+              </a:defRPr>
+            </a:lvl3pPr>
+            <a:lvl4pPr marL="1371600" algn="l" defTabSz="457200" rtl="0" eaLnBrk="1" latinLnBrk="0" hangingPunct="1">
+              <a:defRPr sz="1800" kern="1200">
+                <a:solidFill>
+                  <a:schemeClr val="tx1"/>
+                </a:solidFill>
+                <a:latin typeface="+mn-lt"/>
+                <a:ea typeface="+mn-ea"/>
+                <a:cs typeface="+mn-cs"/>
+              </a:defRPr>
+            </a:lvl4pPr>
+            <a:lvl5pPr marL="1828800" algn="l" defTabSz="457200" rtl="0" eaLnBrk="1" latinLnBrk="0" hangingPunct="1">
+              <a:defRPr sz="1800" kern="1200">
+                <a:solidFill>
+                  <a:schemeClr val="tx1"/>
+                </a:solidFill>
+                <a:latin typeface="+mn-lt"/>
+                <a:ea typeface="+mn-ea"/>
+                <a:cs typeface="+mn-cs"/>
+              </a:defRPr>
+            </a:lvl5pPr>
+            <a:lvl6pPr marL="2286000" algn="l" defTabSz="457200" rtl="0" eaLnBrk="1" latinLnBrk="0" hangingPunct="1">
+              <a:defRPr sz="1800" kern="1200">
+                <a:solidFill>
+                  <a:schemeClr val="tx1"/>
+                </a:solidFill>
+                <a:latin typeface="+mn-lt"/>
+                <a:ea typeface="+mn-ea"/>
+                <a:cs typeface="+mn-cs"/>
+              </a:defRPr>
+            </a:lvl6pPr>
+            <a:lvl7pPr marL="2743200" algn="l" defTabSz="457200" rtl="0" eaLnBrk="1" latinLnBrk="0" hangingPunct="1">
+              <a:defRPr sz="1800" kern="1200">
+                <a:solidFill>
+                  <a:schemeClr val="tx1"/>
+                </a:solidFill>
+                <a:latin typeface="+mn-lt"/>
+                <a:ea typeface="+mn-ea"/>
+                <a:cs typeface="+mn-cs"/>
+              </a:defRPr>
+            </a:lvl7pPr>
+            <a:lvl8pPr marL="3200400" algn="l" defTabSz="457200" rtl="0" eaLnBrk="1" latinLnBrk="0" hangingPunct="1">
+              <a:defRPr sz="1800" kern="1200">
+                <a:solidFill>
+                  <a:schemeClr val="tx1"/>
+                </a:solidFill>
+                <a:latin typeface="+mn-lt"/>
+                <a:ea typeface="+mn-ea"/>
+                <a:cs typeface="+mn-cs"/>
+              </a:defRPr>
+            </a:lvl8pPr>
+            <a:lvl9pPr marL="3657600" algn="l" defTabSz="457200" rtl="0" eaLnBrk="1" latinLnBrk="0" hangingPunct="1">
+              <a:defRPr sz="1800" kern="1200">
+                <a:solidFill>
+                  <a:schemeClr val="tx1"/>
+                </a:solidFill>
+                <a:latin typeface="+mn-lt"/>
+                <a:ea typeface="+mn-ea"/>
+                <a:cs typeface="+mn-cs"/>
+              </a:defRPr>
+            </a:lvl9pPr>
+          </a:lstStyle>
+          <a:p>
+            <a:pPr algn="ctr"/>
+            <a:fld id="{E674C0A0-8DE9-4942-9F1B-2332F349D007}" type="slidenum">
+              <a:rPr lang="ru-RU" sz="2200" smtClean="0">
+                <a:latin typeface="Tahoma" panose="020B0604030504040204" pitchFamily="34" charset="0"/>
+                <a:ea typeface="Tahoma" panose="020B0604030504040204" pitchFamily="34" charset="0"/>
+                <a:cs typeface="Tahoma" panose="020B0604030504040204" pitchFamily="34" charset="0"/>
+              </a:rPr>
+              <a:pPr algn="ctr"/>
+              <a:t>13</a:t>
+            </a:fld>
+            <a:endParaRPr lang="ru-RU" sz="2200" dirty="0">
+              <a:latin typeface="Tahoma" panose="020B0604030504040204" pitchFamily="34" charset="0"/>
+              <a:ea typeface="Tahoma" panose="020B0604030504040204" pitchFamily="34" charset="0"/>
+              <a:cs typeface="Tahoma" panose="020B0604030504040204" pitchFamily="34" charset="0"/>
+            </a:endParaRPr>
+          </a:p>
+        </p:txBody>
+      </p:sp>
     </p:spTree>
     <p:extLst>
       <p:ext uri="{BB962C8B-B14F-4D97-AF65-F5344CB8AC3E}">
-        <p14:creationId xmlns:p14="http://schemas.microsoft.com/office/powerpoint/2010/main" val="2761564169"/>
+        <p14:creationId xmlns:p14="http://schemas.microsoft.com/office/powerpoint/2010/main" val="2043529606"/>
       </p:ext>
     </p:extLst>
   </p:cSld>
@@ -9210,10 +9505,10 @@
       </p:grpSpPr>
       <p:sp>
         <p:nvSpPr>
-          <p:cNvPr id="2" name="Заголовок 1">
+          <p:cNvPr id="7" name="Заголовок 1">
             <a:extLst>
               <a:ext uri="{FF2B5EF4-FFF2-40B4-BE49-F238E27FC236}">
-                <a16:creationId xmlns:a16="http://schemas.microsoft.com/office/drawing/2014/main" id="{1AF8BD60-0C5B-416F-3A2E-06B21B6C0DA2}"/>
+                <a16:creationId xmlns:a16="http://schemas.microsoft.com/office/drawing/2014/main" id="{0AC31A72-5FA3-A939-1D1C-E89299BFE294}"/>
               </a:ext>
             </a:extLst>
           </p:cNvPr>
@@ -9226,95 +9521,36 @@
         </p:nvSpPr>
         <p:spPr>
           <a:xfrm>
-            <a:off x="0" y="-1"/>
-            <a:ext cx="12191999" cy="649225"/>
+            <a:off x="0" y="85724"/>
+            <a:ext cx="12191999" cy="600076"/>
           </a:xfrm>
         </p:spPr>
         <p:txBody>
           <a:bodyPr>
-            <a:normAutofit/>
+            <a:noAutofit/>
           </a:bodyPr>
           <a:lstStyle/>
           <a:p>
             <a:pPr algn="ctr"/>
             <a:r>
-              <a:rPr lang="ru-RU" spc="-1" dirty="0">
+              <a:rPr lang="ru-RU" dirty="0">
                 <a:solidFill>
                   <a:schemeClr val="tx1"/>
                 </a:solidFill>
-                <a:latin typeface="Times New Roman" panose="02020603050405020304" pitchFamily="18" charset="0"/>
-                <a:ea typeface="DejaVu Sans"/>
-                <a:cs typeface="Times New Roman" panose="02020603050405020304" pitchFamily="18" charset="0"/>
-              </a:rPr>
-              <a:t>Прототипы интерфейсов</a:t>
-            </a:r>
-            <a:endParaRPr lang="ru-RU" sz="4200" dirty="0">
-              <a:solidFill>
-                <a:schemeClr val="tx1"/>
-              </a:solidFill>
-              <a:latin typeface="Times New Roman" panose="02020603050405020304" pitchFamily="18" charset="0"/>
-              <a:cs typeface="Times New Roman" panose="02020603050405020304" pitchFamily="18" charset="0"/>
-            </a:endParaRPr>
-          </a:p>
-        </p:txBody>
-      </p:sp>
-      <p:sp>
-        <p:nvSpPr>
-          <p:cNvPr id="3" name="Объект 2">
-            <a:extLst>
-              <a:ext uri="{FF2B5EF4-FFF2-40B4-BE49-F238E27FC236}">
-                <a16:creationId xmlns:a16="http://schemas.microsoft.com/office/drawing/2014/main" id="{289F0795-2645-DA34-3D5E-2F3C44412E80}"/>
-              </a:ext>
-            </a:extLst>
-          </p:cNvPr>
-          <p:cNvSpPr>
-            <a:spLocks noGrp="1"/>
-          </p:cNvSpPr>
-          <p:nvPr>
-            <p:ph idx="1"/>
-          </p:nvPr>
-        </p:nvSpPr>
-        <p:spPr>
-          <a:xfrm>
-            <a:off x="1104293" y="1331259"/>
-            <a:ext cx="8946541" cy="4195481"/>
-          </a:xfrm>
-        </p:spPr>
-        <p:txBody>
-          <a:bodyPr>
-            <a:normAutofit/>
-          </a:bodyPr>
-          <a:lstStyle/>
-          <a:p>
-            <a:pPr marL="0" indent="0" algn="just">
-              <a:lnSpc>
-                <a:spcPct val="150000"/>
-              </a:lnSpc>
-              <a:buNone/>
-            </a:pPr>
-            <a:r>
-              <a:rPr lang="ru-RU" dirty="0">
                 <a:latin typeface="Times New Roman" panose="02020603050405020304" pitchFamily="18" charset="0"/>
                 <a:cs typeface="Times New Roman" panose="02020603050405020304" pitchFamily="18" charset="0"/>
               </a:rPr>
-              <a:t>	</a:t>
-            </a:r>
-            <a:endParaRPr lang="ru-RU" b="0" strike="noStrike" spc="-1" dirty="0">
-              <a:solidFill>
-                <a:srgbClr val="000000"/>
-              </a:solidFill>
-              <a:latin typeface="Times New Roman" panose="02020603050405020304" pitchFamily="18" charset="0"/>
-              <a:cs typeface="Times New Roman" panose="02020603050405020304" pitchFamily="18" charset="0"/>
-            </a:endParaRPr>
+              <a:t>ИНФОЛОГИЧЕСКАЯ МОДЕЛЬ СИСТЕМЫ</a:t>
+            </a:r>
           </a:p>
         </p:txBody>
       </p:sp>
       <p:pic>
         <p:nvPicPr>
-          <p:cNvPr id="5" name="Рисунок 4">
+          <p:cNvPr id="3" name="Рисунок 2">
             <a:extLst>
               <a:ext uri="{FF2B5EF4-FFF2-40B4-BE49-F238E27FC236}">
-                <a16:creationId xmlns:a16="http://schemas.microsoft.com/office/drawing/2014/main" id="{E618EDD7-775A-4541-AF44-203CAB66133C}"/>
+                <a16:creationId xmlns:a16="http://schemas.microsoft.com/office/drawing/2014/main" id="{B79FFD45-554B-37D1-877A-6327315F7ED0}"/>
               </a:ext>
             </a:extLst>
           </p:cNvPr>
@@ -9331,49 +9567,443 @@
         </p:blipFill>
         <p:spPr>
           <a:xfrm>
-            <a:off x="0" y="856739"/>
-            <a:ext cx="12191999" cy="6056725"/>
+            <a:off x="-1" y="895350"/>
+            <a:ext cx="12191999" cy="5992173"/>
           </a:xfrm>
           <a:prstGeom prst="rect">
             <a:avLst/>
           </a:prstGeom>
         </p:spPr>
       </p:pic>
-      <p:sp>
-        <p:nvSpPr>
-          <p:cNvPr id="6" name="Номер слайда 5">
+      <p:pic>
+        <p:nvPicPr>
+          <p:cNvPr id="4" name="Picture 2" descr="Значок С в кружочке - копирайт, защита авторских прав">
             <a:extLst>
               <a:ext uri="{FF2B5EF4-FFF2-40B4-BE49-F238E27FC236}">
-                <a16:creationId xmlns:a16="http://schemas.microsoft.com/office/drawing/2014/main" id="{3C3AFCA4-E2FD-47F0-B06A-8F05A74FC61E}"/>
+                <a16:creationId xmlns:a16="http://schemas.microsoft.com/office/drawing/2014/main" id="{A33B501A-5DDB-092C-C6A0-220837D9ED08}"/>
               </a:ext>
             </a:extLst>
           </p:cNvPr>
-          <p:cNvSpPr>
-            <a:spLocks noGrp="1"/>
-          </p:cNvSpPr>
-          <p:nvPr>
-            <p:ph type="sldNum" sz="quarter" idx="12"/>
-          </p:nvPr>
-        </p:nvSpPr>
-        <p:spPr/>
-        <p:txBody>
-          <a:bodyPr/>
-          <a:lstStyle/>
-          <a:p>
-            <a:fld id="{E674C0A0-8DE9-4942-9F1B-2332F349D007}" type="slidenum">
-              <a:rPr lang="ru-RU" smtClean="0"/>
-              <a:t>14</a:t>
-            </a:fld>
-            <a:endParaRPr lang="ru-RU"/>
-          </a:p>
-        </p:txBody>
-      </p:sp>
-      <p:sp>
-        <p:nvSpPr>
-          <p:cNvPr id="8" name="Номер слайда 4">
+          <p:cNvPicPr>
+            <a:picLocks noChangeAspect="1" noChangeArrowheads="1"/>
+          </p:cNvPicPr>
+          <p:nvPr/>
+        </p:nvPicPr>
+        <p:blipFill>
+          <a:blip r:embed="rId3">
+            <a:extLst>
+              <a:ext uri="{28A0092B-C50C-407E-A947-70E740481C1C}">
+                <a14:useLocalDpi xmlns:a14="http://schemas.microsoft.com/office/drawing/2010/main" val="0"/>
+              </a:ext>
+            </a:extLst>
+          </a:blip>
+          <a:srcRect/>
+          <a:stretch>
+            <a:fillRect/>
+          </a:stretch>
+        </p:blipFill>
+        <p:spPr bwMode="auto">
+          <a:xfrm>
+            <a:off x="584235" y="5647536"/>
+            <a:ext cx="140490" cy="140490"/>
+          </a:xfrm>
+          <a:prstGeom prst="rect">
+            <a:avLst/>
+          </a:prstGeom>
+          <a:noFill/>
+          <a:extLst>
+            <a:ext uri="{909E8E84-426E-40DD-AFC4-6F175D3DCCD1}">
+              <a14:hiddenFill xmlns:a14="http://schemas.microsoft.com/office/drawing/2010/main">
+                <a:solidFill>
+                  <a:srgbClr val="FFFFFF"/>
+                </a:solidFill>
+              </a14:hiddenFill>
+            </a:ext>
+          </a:extLst>
+        </p:spPr>
+      </p:pic>
+      <p:pic>
+        <p:nvPicPr>
+          <p:cNvPr id="15" name="Picture 2" descr="Значок С в кружочке - копирайт, защита авторских прав">
             <a:extLst>
               <a:ext uri="{FF2B5EF4-FFF2-40B4-BE49-F238E27FC236}">
-                <a16:creationId xmlns:a16="http://schemas.microsoft.com/office/drawing/2014/main" id="{62EAE0F7-9A41-4545-A92F-FC52F608E217}"/>
+                <a16:creationId xmlns:a16="http://schemas.microsoft.com/office/drawing/2014/main" id="{3FB1AC5D-F21C-264E-A745-40F3516AA07B}"/>
+              </a:ext>
+            </a:extLst>
+          </p:cNvPr>
+          <p:cNvPicPr>
+            <a:picLocks noChangeAspect="1" noChangeArrowheads="1"/>
+          </p:cNvPicPr>
+          <p:nvPr/>
+        </p:nvPicPr>
+        <p:blipFill>
+          <a:blip r:embed="rId3">
+            <a:extLst>
+              <a:ext uri="{28A0092B-C50C-407E-A947-70E740481C1C}">
+                <a14:useLocalDpi xmlns:a14="http://schemas.microsoft.com/office/drawing/2010/main" val="0"/>
+              </a:ext>
+            </a:extLst>
+          </a:blip>
+          <a:srcRect/>
+          <a:stretch>
+            <a:fillRect/>
+          </a:stretch>
+        </p:blipFill>
+        <p:spPr bwMode="auto">
+          <a:xfrm>
+            <a:off x="3048035" y="5409411"/>
+            <a:ext cx="140490" cy="140490"/>
+          </a:xfrm>
+          <a:prstGeom prst="rect">
+            <a:avLst/>
+          </a:prstGeom>
+          <a:noFill/>
+          <a:extLst>
+            <a:ext uri="{909E8E84-426E-40DD-AFC4-6F175D3DCCD1}">
+              <a14:hiddenFill xmlns:a14="http://schemas.microsoft.com/office/drawing/2010/main">
+                <a:solidFill>
+                  <a:srgbClr val="FFFFFF"/>
+                </a:solidFill>
+              </a14:hiddenFill>
+            </a:ext>
+          </a:extLst>
+        </p:spPr>
+      </p:pic>
+      <p:pic>
+        <p:nvPicPr>
+          <p:cNvPr id="16" name="Picture 2" descr="Значок С в кружочке - копирайт, защита авторских прав">
+            <a:extLst>
+              <a:ext uri="{FF2B5EF4-FFF2-40B4-BE49-F238E27FC236}">
+                <a16:creationId xmlns:a16="http://schemas.microsoft.com/office/drawing/2014/main" id="{F92194B9-8D12-0E7B-F29C-EE38ECE6051C}"/>
+              </a:ext>
+            </a:extLst>
+          </p:cNvPr>
+          <p:cNvPicPr>
+            <a:picLocks noChangeAspect="1" noChangeArrowheads="1"/>
+          </p:cNvPicPr>
+          <p:nvPr/>
+        </p:nvPicPr>
+        <p:blipFill>
+          <a:blip r:embed="rId3">
+            <a:extLst>
+              <a:ext uri="{28A0092B-C50C-407E-A947-70E740481C1C}">
+                <a14:useLocalDpi xmlns:a14="http://schemas.microsoft.com/office/drawing/2010/main" val="0"/>
+              </a:ext>
+            </a:extLst>
+          </a:blip>
+          <a:srcRect/>
+          <a:stretch>
+            <a:fillRect/>
+          </a:stretch>
+        </p:blipFill>
+        <p:spPr bwMode="auto">
+          <a:xfrm>
+            <a:off x="6194460" y="5307811"/>
+            <a:ext cx="140490" cy="140490"/>
+          </a:xfrm>
+          <a:prstGeom prst="rect">
+            <a:avLst/>
+          </a:prstGeom>
+          <a:noFill/>
+          <a:extLst>
+            <a:ext uri="{909E8E84-426E-40DD-AFC4-6F175D3DCCD1}">
+              <a14:hiddenFill xmlns:a14="http://schemas.microsoft.com/office/drawing/2010/main">
+                <a:solidFill>
+                  <a:srgbClr val="FFFFFF"/>
+                </a:solidFill>
+              </a14:hiddenFill>
+            </a:ext>
+          </a:extLst>
+        </p:spPr>
+      </p:pic>
+      <p:pic>
+        <p:nvPicPr>
+          <p:cNvPr id="17" name="Picture 2" descr="Значок С в кружочке - копирайт, защита авторских прав">
+            <a:extLst>
+              <a:ext uri="{FF2B5EF4-FFF2-40B4-BE49-F238E27FC236}">
+                <a16:creationId xmlns:a16="http://schemas.microsoft.com/office/drawing/2014/main" id="{23EF693B-FD30-0FAC-EAC2-C2EC7585612A}"/>
+              </a:ext>
+            </a:extLst>
+          </p:cNvPr>
+          <p:cNvPicPr>
+            <a:picLocks noChangeAspect="1" noChangeArrowheads="1"/>
+          </p:cNvPicPr>
+          <p:nvPr/>
+        </p:nvPicPr>
+        <p:blipFill>
+          <a:blip r:embed="rId3">
+            <a:extLst>
+              <a:ext uri="{28A0092B-C50C-407E-A947-70E740481C1C}">
+                <a14:useLocalDpi xmlns:a14="http://schemas.microsoft.com/office/drawing/2010/main" val="0"/>
+              </a:ext>
+            </a:extLst>
+          </a:blip>
+          <a:srcRect/>
+          <a:stretch>
+            <a:fillRect/>
+          </a:stretch>
+        </p:blipFill>
+        <p:spPr bwMode="auto">
+          <a:xfrm>
+            <a:off x="3048035" y="4183359"/>
+            <a:ext cx="140490" cy="140490"/>
+          </a:xfrm>
+          <a:prstGeom prst="rect">
+            <a:avLst/>
+          </a:prstGeom>
+          <a:noFill/>
+          <a:extLst>
+            <a:ext uri="{909E8E84-426E-40DD-AFC4-6F175D3DCCD1}">
+              <a14:hiddenFill xmlns:a14="http://schemas.microsoft.com/office/drawing/2010/main">
+                <a:solidFill>
+                  <a:srgbClr val="FFFFFF"/>
+                </a:solidFill>
+              </a14:hiddenFill>
+            </a:ext>
+          </a:extLst>
+        </p:spPr>
+      </p:pic>
+      <p:pic>
+        <p:nvPicPr>
+          <p:cNvPr id="18" name="Picture 2" descr="Значок С в кружочке - копирайт, защита авторских прав">
+            <a:extLst>
+              <a:ext uri="{FF2B5EF4-FFF2-40B4-BE49-F238E27FC236}">
+                <a16:creationId xmlns:a16="http://schemas.microsoft.com/office/drawing/2014/main" id="{5E2A3ECE-B136-FCAB-D0B2-F76C093893F4}"/>
+              </a:ext>
+            </a:extLst>
+          </p:cNvPr>
+          <p:cNvPicPr>
+            <a:picLocks noChangeAspect="1" noChangeArrowheads="1"/>
+          </p:cNvPicPr>
+          <p:nvPr/>
+        </p:nvPicPr>
+        <p:blipFill>
+          <a:blip r:embed="rId3">
+            <a:extLst>
+              <a:ext uri="{28A0092B-C50C-407E-A947-70E740481C1C}">
+                <a14:useLocalDpi xmlns:a14="http://schemas.microsoft.com/office/drawing/2010/main" val="0"/>
+              </a:ext>
+            </a:extLst>
+          </a:blip>
+          <a:srcRect/>
+          <a:stretch>
+            <a:fillRect/>
+          </a:stretch>
+        </p:blipFill>
+        <p:spPr bwMode="auto">
+          <a:xfrm>
+            <a:off x="10330691" y="2668116"/>
+            <a:ext cx="140490" cy="140490"/>
+          </a:xfrm>
+          <a:prstGeom prst="rect">
+            <a:avLst/>
+          </a:prstGeom>
+          <a:noFill/>
+          <a:extLst>
+            <a:ext uri="{909E8E84-426E-40DD-AFC4-6F175D3DCCD1}">
+              <a14:hiddenFill xmlns:a14="http://schemas.microsoft.com/office/drawing/2010/main">
+                <a:solidFill>
+                  <a:srgbClr val="FFFFFF"/>
+                </a:solidFill>
+              </a14:hiddenFill>
+            </a:ext>
+          </a:extLst>
+        </p:spPr>
+      </p:pic>
+      <p:pic>
+        <p:nvPicPr>
+          <p:cNvPr id="19" name="Picture 2" descr="Значок С в кружочке - копирайт, защита авторских прав">
+            <a:extLst>
+              <a:ext uri="{FF2B5EF4-FFF2-40B4-BE49-F238E27FC236}">
+                <a16:creationId xmlns:a16="http://schemas.microsoft.com/office/drawing/2014/main" id="{29DE82EB-89C3-019F-C673-E73E2FC7994F}"/>
+              </a:ext>
+            </a:extLst>
+          </p:cNvPr>
+          <p:cNvPicPr>
+            <a:picLocks noChangeAspect="1" noChangeArrowheads="1"/>
+          </p:cNvPicPr>
+          <p:nvPr/>
+        </p:nvPicPr>
+        <p:blipFill>
+          <a:blip r:embed="rId3">
+            <a:extLst>
+              <a:ext uri="{28A0092B-C50C-407E-A947-70E740481C1C}">
+                <a14:useLocalDpi xmlns:a14="http://schemas.microsoft.com/office/drawing/2010/main" val="0"/>
+              </a:ext>
+            </a:extLst>
+          </a:blip>
+          <a:srcRect/>
+          <a:stretch>
+            <a:fillRect/>
+          </a:stretch>
+        </p:blipFill>
+        <p:spPr bwMode="auto">
+          <a:xfrm>
+            <a:off x="6534979" y="3381376"/>
+            <a:ext cx="140490" cy="136920"/>
+          </a:xfrm>
+          <a:prstGeom prst="rect">
+            <a:avLst/>
+          </a:prstGeom>
+          <a:noFill/>
+          <a:extLst>
+            <a:ext uri="{909E8E84-426E-40DD-AFC4-6F175D3DCCD1}">
+              <a14:hiddenFill xmlns:a14="http://schemas.microsoft.com/office/drawing/2010/main">
+                <a:solidFill>
+                  <a:srgbClr val="FFFFFF"/>
+                </a:solidFill>
+              </a14:hiddenFill>
+            </a:ext>
+          </a:extLst>
+        </p:spPr>
+      </p:pic>
+      <p:pic>
+        <p:nvPicPr>
+          <p:cNvPr id="20" name="Picture 2" descr="Значок С в кружочке - копирайт, защита авторских прав">
+            <a:extLst>
+              <a:ext uri="{FF2B5EF4-FFF2-40B4-BE49-F238E27FC236}">
+                <a16:creationId xmlns:a16="http://schemas.microsoft.com/office/drawing/2014/main" id="{9AAD8075-3E3C-9D9F-038B-1644B94E6901}"/>
+              </a:ext>
+            </a:extLst>
+          </p:cNvPr>
+          <p:cNvPicPr>
+            <a:picLocks noChangeAspect="1" noChangeArrowheads="1"/>
+          </p:cNvPicPr>
+          <p:nvPr/>
+        </p:nvPicPr>
+        <p:blipFill>
+          <a:blip r:embed="rId3">
+            <a:extLst>
+              <a:ext uri="{28A0092B-C50C-407E-A947-70E740481C1C}">
+                <a14:useLocalDpi xmlns:a14="http://schemas.microsoft.com/office/drawing/2010/main" val="0"/>
+              </a:ext>
+            </a:extLst>
+          </a:blip>
+          <a:srcRect/>
+          <a:stretch>
+            <a:fillRect/>
+          </a:stretch>
+        </p:blipFill>
+        <p:spPr bwMode="auto">
+          <a:xfrm>
+            <a:off x="6194460" y="1010766"/>
+            <a:ext cx="140490" cy="140490"/>
+          </a:xfrm>
+          <a:prstGeom prst="rect">
+            <a:avLst/>
+          </a:prstGeom>
+          <a:noFill/>
+          <a:extLst>
+            <a:ext uri="{909E8E84-426E-40DD-AFC4-6F175D3DCCD1}">
+              <a14:hiddenFill xmlns:a14="http://schemas.microsoft.com/office/drawing/2010/main">
+                <a:solidFill>
+                  <a:srgbClr val="FFFFFF"/>
+                </a:solidFill>
+              </a14:hiddenFill>
+            </a:ext>
+          </a:extLst>
+        </p:spPr>
+      </p:pic>
+      <p:pic>
+        <p:nvPicPr>
+          <p:cNvPr id="21" name="Picture 2" descr="Значок С в кружочке - копирайт, защита авторских прав">
+            <a:extLst>
+              <a:ext uri="{FF2B5EF4-FFF2-40B4-BE49-F238E27FC236}">
+                <a16:creationId xmlns:a16="http://schemas.microsoft.com/office/drawing/2014/main" id="{1CA7167E-C9DF-7886-2CDA-2A470FD925DE}"/>
+              </a:ext>
+            </a:extLst>
+          </p:cNvPr>
+          <p:cNvPicPr>
+            <a:picLocks noChangeAspect="1" noChangeArrowheads="1"/>
+          </p:cNvPicPr>
+          <p:nvPr/>
+        </p:nvPicPr>
+        <p:blipFill>
+          <a:blip r:embed="rId3">
+            <a:extLst>
+              <a:ext uri="{28A0092B-C50C-407E-A947-70E740481C1C}">
+                <a14:useLocalDpi xmlns:a14="http://schemas.microsoft.com/office/drawing/2010/main" val="0"/>
+              </a:ext>
+            </a:extLst>
+          </a:blip>
+          <a:srcRect/>
+          <a:stretch>
+            <a:fillRect/>
+          </a:stretch>
+        </p:blipFill>
+        <p:spPr bwMode="auto">
+          <a:xfrm>
+            <a:off x="3315528" y="1115537"/>
+            <a:ext cx="140490" cy="140490"/>
+          </a:xfrm>
+          <a:prstGeom prst="rect">
+            <a:avLst/>
+          </a:prstGeom>
+          <a:noFill/>
+          <a:extLst>
+            <a:ext uri="{909E8E84-426E-40DD-AFC4-6F175D3DCCD1}">
+              <a14:hiddenFill xmlns:a14="http://schemas.microsoft.com/office/drawing/2010/main">
+                <a:solidFill>
+                  <a:srgbClr val="FFFFFF"/>
+                </a:solidFill>
+              </a14:hiddenFill>
+            </a:ext>
+          </a:extLst>
+        </p:spPr>
+      </p:pic>
+      <p:pic>
+        <p:nvPicPr>
+          <p:cNvPr id="22" name="Picture 2" descr="Значок С в кружочке - копирайт, защита авторских прав">
+            <a:extLst>
+              <a:ext uri="{FF2B5EF4-FFF2-40B4-BE49-F238E27FC236}">
+                <a16:creationId xmlns:a16="http://schemas.microsoft.com/office/drawing/2014/main" id="{DAF98995-1F31-3A0B-4AA6-281126EA5F1F}"/>
+              </a:ext>
+            </a:extLst>
+          </p:cNvPr>
+          <p:cNvPicPr>
+            <a:picLocks noChangeAspect="1" noChangeArrowheads="1"/>
+          </p:cNvPicPr>
+          <p:nvPr/>
+        </p:nvPicPr>
+        <p:blipFill>
+          <a:blip r:embed="rId3">
+            <a:extLst>
+              <a:ext uri="{28A0092B-C50C-407E-A947-70E740481C1C}">
+                <a14:useLocalDpi xmlns:a14="http://schemas.microsoft.com/office/drawing/2010/main" val="0"/>
+              </a:ext>
+            </a:extLst>
+          </a:blip>
+          <a:srcRect/>
+          <a:stretch>
+            <a:fillRect/>
+          </a:stretch>
+        </p:blipFill>
+        <p:spPr bwMode="auto">
+          <a:xfrm>
+            <a:off x="852364" y="1231025"/>
+            <a:ext cx="140490" cy="140490"/>
+          </a:xfrm>
+          <a:prstGeom prst="rect">
+            <a:avLst/>
+          </a:prstGeom>
+          <a:noFill/>
+          <a:extLst>
+            <a:ext uri="{909E8E84-426E-40DD-AFC4-6F175D3DCCD1}">
+              <a14:hiddenFill xmlns:a14="http://schemas.microsoft.com/office/drawing/2010/main">
+                <a:solidFill>
+                  <a:srgbClr val="FFFFFF"/>
+                </a:solidFill>
+              </a14:hiddenFill>
+            </a:ext>
+          </a:extLst>
+        </p:spPr>
+      </p:pic>
+      <p:sp>
+        <p:nvSpPr>
+          <p:cNvPr id="23" name="Номер слайда 4">
+            <a:extLst>
+              <a:ext uri="{FF2B5EF4-FFF2-40B4-BE49-F238E27FC236}">
+                <a16:creationId xmlns:a16="http://schemas.microsoft.com/office/drawing/2014/main" id="{917C6D42-AB7D-2DDE-9178-9D9AC0FF8B37}"/>
               </a:ext>
             </a:extLst>
           </p:cNvPr>
@@ -9511,7 +10141,7 @@
     </p:spTree>
     <p:extLst>
       <p:ext uri="{BB962C8B-B14F-4D97-AF65-F5344CB8AC3E}">
-        <p14:creationId xmlns:p14="http://schemas.microsoft.com/office/powerpoint/2010/main" val="311423206"/>
+        <p14:creationId xmlns:p14="http://schemas.microsoft.com/office/powerpoint/2010/main" val="1529492156"/>
       </p:ext>
     </p:extLst>
   </p:cSld>
@@ -9550,12 +10180,42 @@
           <a:chExt cx="0" cy="0"/>
         </a:xfrm>
       </p:grpSpPr>
-      <p:sp>
-        <p:nvSpPr>
-          <p:cNvPr id="2" name="Заголовок 1">
+      <p:pic>
+        <p:nvPicPr>
+          <p:cNvPr id="3" name="Рисунок 2">
             <a:extLst>
               <a:ext uri="{FF2B5EF4-FFF2-40B4-BE49-F238E27FC236}">
-                <a16:creationId xmlns:a16="http://schemas.microsoft.com/office/drawing/2014/main" id="{1AF8BD60-0C5B-416F-3A2E-06B21B6C0DA2}"/>
+                <a16:creationId xmlns:a16="http://schemas.microsoft.com/office/drawing/2014/main" id="{ECFDB424-B845-33EB-BEBC-73D320B0F048}"/>
+              </a:ext>
+            </a:extLst>
+          </p:cNvPr>
+          <p:cNvPicPr>
+            <a:picLocks noChangeAspect="1"/>
+          </p:cNvPicPr>
+          <p:nvPr/>
+        </p:nvPicPr>
+        <p:blipFill>
+          <a:blip r:embed="rId2"/>
+          <a:stretch>
+            <a:fillRect/>
+          </a:stretch>
+        </p:blipFill>
+        <p:spPr>
+          <a:xfrm>
+            <a:off x="-1" y="809626"/>
+            <a:ext cx="12191998" cy="6048374"/>
+          </a:xfrm>
+          <a:prstGeom prst="rect">
+            <a:avLst/>
+          </a:prstGeom>
+        </p:spPr>
+      </p:pic>
+      <p:sp>
+        <p:nvSpPr>
+          <p:cNvPr id="7" name="Заголовок 1">
+            <a:extLst>
+              <a:ext uri="{FF2B5EF4-FFF2-40B4-BE49-F238E27FC236}">
+                <a16:creationId xmlns:a16="http://schemas.microsoft.com/office/drawing/2014/main" id="{0AC31A72-5FA3-A939-1D1C-E89299BFE294}"/>
               </a:ext>
             </a:extLst>
           </p:cNvPr>
@@ -9568,44 +10228,83 @@
         </p:nvSpPr>
         <p:spPr>
           <a:xfrm>
-            <a:off x="0" y="-1"/>
-            <a:ext cx="12191999" cy="640081"/>
+            <a:off x="0" y="85724"/>
+            <a:ext cx="12191999" cy="600076"/>
           </a:xfrm>
         </p:spPr>
         <p:txBody>
           <a:bodyPr>
-            <a:normAutofit/>
+            <a:noAutofit/>
           </a:bodyPr>
           <a:lstStyle/>
           <a:p>
             <a:pPr algn="ctr"/>
             <a:r>
-              <a:rPr lang="ru-RU" spc="-1" dirty="0">
+              <a:rPr lang="ru-RU" dirty="0">
                 <a:solidFill>
                   <a:schemeClr val="tx1"/>
                 </a:solidFill>
                 <a:latin typeface="Times New Roman" panose="02020603050405020304" pitchFamily="18" charset="0"/>
-                <a:ea typeface="DejaVu Sans"/>
                 <a:cs typeface="Times New Roman" panose="02020603050405020304" pitchFamily="18" charset="0"/>
               </a:rPr>
-              <a:t>Прототипы интерфейсов</a:t>
-            </a:r>
-            <a:endParaRPr lang="ru-RU" sz="4200" dirty="0">
-              <a:solidFill>
-                <a:schemeClr val="tx1"/>
-              </a:solidFill>
-              <a:latin typeface="Times New Roman" panose="02020603050405020304" pitchFamily="18" charset="0"/>
-              <a:cs typeface="Times New Roman" panose="02020603050405020304" pitchFamily="18" charset="0"/>
-            </a:endParaRPr>
-          </a:p>
-        </p:txBody>
-      </p:sp>
-      <p:sp>
-        <p:nvSpPr>
-          <p:cNvPr id="10" name="Номер слайда 4">
+              <a:t>ИНФОЛОГИЧЕСКАЯ МОДЕЛЬ СИСТЕМЫ</a:t>
+            </a:r>
+          </a:p>
+        </p:txBody>
+      </p:sp>
+      <p:pic>
+        <p:nvPicPr>
+          <p:cNvPr id="10" name="Picture 2" descr="Значок С в кружочке - копирайт, защита авторских прав">
             <a:extLst>
               <a:ext uri="{FF2B5EF4-FFF2-40B4-BE49-F238E27FC236}">
-                <a16:creationId xmlns:a16="http://schemas.microsoft.com/office/drawing/2014/main" id="{2B5AEB02-FB32-4BEC-B2D7-82CCC014B792}"/>
+                <a16:creationId xmlns:a16="http://schemas.microsoft.com/office/drawing/2014/main" id="{924E0AD5-062A-9A15-0098-2CF964CAB0F1}"/>
+              </a:ext>
+            </a:extLst>
+          </p:cNvPr>
+          <p:cNvPicPr>
+            <a:picLocks noChangeAspect="1" noChangeArrowheads="1"/>
+          </p:cNvPicPr>
+          <p:nvPr/>
+        </p:nvPicPr>
+        <p:blipFill>
+          <a:blip r:embed="rId3">
+            <a:extLst>
+              <a:ext uri="{28A0092B-C50C-407E-A947-70E740481C1C}">
+                <a14:useLocalDpi xmlns:a14="http://schemas.microsoft.com/office/drawing/2010/main" val="0"/>
+              </a:ext>
+            </a:extLst>
+          </a:blip>
+          <a:srcRect/>
+          <a:stretch>
+            <a:fillRect/>
+          </a:stretch>
+        </p:blipFill>
+        <p:spPr bwMode="auto">
+          <a:xfrm>
+            <a:off x="747586" y="1007269"/>
+            <a:ext cx="143196" cy="143196"/>
+          </a:xfrm>
+          <a:prstGeom prst="rect">
+            <a:avLst/>
+          </a:prstGeom>
+          <a:noFill/>
+          <a:extLst>
+            <a:ext uri="{909E8E84-426E-40DD-AFC4-6F175D3DCCD1}">
+              <a14:hiddenFill xmlns:a14="http://schemas.microsoft.com/office/drawing/2010/main">
+                <a:solidFill>
+                  <a:srgbClr val="FFFFFF"/>
+                </a:solidFill>
+              </a14:hiddenFill>
+            </a:ext>
+          </a:extLst>
+        </p:spPr>
+      </p:pic>
+      <p:sp>
+        <p:nvSpPr>
+          <p:cNvPr id="14" name="Номер слайда 4">
+            <a:extLst>
+              <a:ext uri="{FF2B5EF4-FFF2-40B4-BE49-F238E27FC236}">
+                <a16:creationId xmlns:a16="http://schemas.microsoft.com/office/drawing/2014/main" id="{DB47AF26-AF92-C82B-7102-0AE934D6853A}"/>
               </a:ext>
             </a:extLst>
           </p:cNvPr>
@@ -9742,38 +10441,243 @@
       </p:sp>
       <p:pic>
         <p:nvPicPr>
-          <p:cNvPr id="11" name="Рисунок 10">
+          <p:cNvPr id="4" name="Picture 2" descr="Значок С в кружочке - копирайт, защита авторских прав">
             <a:extLst>
               <a:ext uri="{FF2B5EF4-FFF2-40B4-BE49-F238E27FC236}">
-                <a16:creationId xmlns:a16="http://schemas.microsoft.com/office/drawing/2014/main" id="{8305D641-872E-4865-AE67-66205DCDD2D4}"/>
+                <a16:creationId xmlns:a16="http://schemas.microsoft.com/office/drawing/2014/main" id="{940E1C40-68C4-F6D3-F905-178E2A7032C1}"/>
               </a:ext>
             </a:extLst>
           </p:cNvPr>
           <p:cNvPicPr>
-            <a:picLocks noChangeAspect="1"/>
+            <a:picLocks noChangeAspect="1" noChangeArrowheads="1"/>
           </p:cNvPicPr>
           <p:nvPr/>
         </p:nvPicPr>
         <p:blipFill>
-          <a:blip r:embed="rId2"/>
+          <a:blip r:embed="rId3">
+            <a:extLst>
+              <a:ext uri="{28A0092B-C50C-407E-A947-70E740481C1C}">
+                <a14:useLocalDpi xmlns:a14="http://schemas.microsoft.com/office/drawing/2010/main" val="0"/>
+              </a:ext>
+            </a:extLst>
+          </a:blip>
+          <a:srcRect/>
           <a:stretch>
             <a:fillRect/>
           </a:stretch>
         </p:blipFill>
-        <p:spPr>
-          <a:xfrm>
-            <a:off x="-1" y="1101012"/>
-            <a:ext cx="12191999" cy="5756988"/>
+        <p:spPr bwMode="auto">
+          <a:xfrm>
+            <a:off x="3519361" y="1007269"/>
+            <a:ext cx="143196" cy="143196"/>
           </a:xfrm>
           <a:prstGeom prst="rect">
             <a:avLst/>
           </a:prstGeom>
+          <a:noFill/>
+          <a:extLst>
+            <a:ext uri="{909E8E84-426E-40DD-AFC4-6F175D3DCCD1}">
+              <a14:hiddenFill xmlns:a14="http://schemas.microsoft.com/office/drawing/2010/main">
+                <a:solidFill>
+                  <a:srgbClr val="FFFFFF"/>
+                </a:solidFill>
+              </a14:hiddenFill>
+            </a:ext>
+          </a:extLst>
+        </p:spPr>
+      </p:pic>
+      <p:pic>
+        <p:nvPicPr>
+          <p:cNvPr id="5" name="Picture 2" descr="Значок С в кружочке - копирайт, защита авторских прав">
+            <a:extLst>
+              <a:ext uri="{FF2B5EF4-FFF2-40B4-BE49-F238E27FC236}">
+                <a16:creationId xmlns:a16="http://schemas.microsoft.com/office/drawing/2014/main" id="{94B72D81-0648-38D9-76D6-385D2BE5E38E}"/>
+              </a:ext>
+            </a:extLst>
+          </p:cNvPr>
+          <p:cNvPicPr>
+            <a:picLocks noChangeAspect="1" noChangeArrowheads="1"/>
+          </p:cNvPicPr>
+          <p:nvPr/>
+        </p:nvPicPr>
+        <p:blipFill>
+          <a:blip r:embed="rId3">
+            <a:extLst>
+              <a:ext uri="{28A0092B-C50C-407E-A947-70E740481C1C}">
+                <a14:useLocalDpi xmlns:a14="http://schemas.microsoft.com/office/drawing/2010/main" val="0"/>
+              </a:ext>
+            </a:extLst>
+          </a:blip>
+          <a:srcRect/>
+          <a:stretch>
+            <a:fillRect/>
+          </a:stretch>
+        </p:blipFill>
+        <p:spPr bwMode="auto">
+          <a:xfrm>
+            <a:off x="6443536" y="5522119"/>
+            <a:ext cx="143196" cy="143196"/>
+          </a:xfrm>
+          <a:prstGeom prst="rect">
+            <a:avLst/>
+          </a:prstGeom>
+          <a:noFill/>
+          <a:extLst>
+            <a:ext uri="{909E8E84-426E-40DD-AFC4-6F175D3DCCD1}">
+              <a14:hiddenFill xmlns:a14="http://schemas.microsoft.com/office/drawing/2010/main">
+                <a:solidFill>
+                  <a:srgbClr val="FFFFFF"/>
+                </a:solidFill>
+              </a14:hiddenFill>
+            </a:ext>
+          </a:extLst>
+        </p:spPr>
+      </p:pic>
+      <p:pic>
+        <p:nvPicPr>
+          <p:cNvPr id="6" name="Picture 2" descr="Значок С в кружочке - копирайт, защита авторских прав">
+            <a:extLst>
+              <a:ext uri="{FF2B5EF4-FFF2-40B4-BE49-F238E27FC236}">
+                <a16:creationId xmlns:a16="http://schemas.microsoft.com/office/drawing/2014/main" id="{6100C58B-695B-E11B-A6C2-8ECBFAA9A90B}"/>
+              </a:ext>
+            </a:extLst>
+          </p:cNvPr>
+          <p:cNvPicPr>
+            <a:picLocks noChangeAspect="1" noChangeArrowheads="1"/>
+          </p:cNvPicPr>
+          <p:nvPr/>
+        </p:nvPicPr>
+        <p:blipFill>
+          <a:blip r:embed="rId3">
+            <a:extLst>
+              <a:ext uri="{28A0092B-C50C-407E-A947-70E740481C1C}">
+                <a14:useLocalDpi xmlns:a14="http://schemas.microsoft.com/office/drawing/2010/main" val="0"/>
+              </a:ext>
+            </a:extLst>
+          </a:blip>
+          <a:srcRect/>
+          <a:stretch>
+            <a:fillRect/>
+          </a:stretch>
+        </p:blipFill>
+        <p:spPr bwMode="auto">
+          <a:xfrm>
+            <a:off x="6443536" y="3762215"/>
+            <a:ext cx="143196" cy="143196"/>
+          </a:xfrm>
+          <a:prstGeom prst="rect">
+            <a:avLst/>
+          </a:prstGeom>
+          <a:noFill/>
+          <a:extLst>
+            <a:ext uri="{909E8E84-426E-40DD-AFC4-6F175D3DCCD1}">
+              <a14:hiddenFill xmlns:a14="http://schemas.microsoft.com/office/drawing/2010/main">
+                <a:solidFill>
+                  <a:srgbClr val="FFFFFF"/>
+                </a:solidFill>
+              </a14:hiddenFill>
+            </a:ext>
+          </a:extLst>
+        </p:spPr>
+      </p:pic>
+      <p:pic>
+        <p:nvPicPr>
+          <p:cNvPr id="8" name="Picture 2" descr="Значок С в кружочке - копирайт, защита авторских прав">
+            <a:extLst>
+              <a:ext uri="{FF2B5EF4-FFF2-40B4-BE49-F238E27FC236}">
+                <a16:creationId xmlns:a16="http://schemas.microsoft.com/office/drawing/2014/main" id="{847B8106-77AA-5F0C-8366-399A49F1AE18}"/>
+              </a:ext>
+            </a:extLst>
+          </p:cNvPr>
+          <p:cNvPicPr>
+            <a:picLocks noChangeAspect="1" noChangeArrowheads="1"/>
+          </p:cNvPicPr>
+          <p:nvPr/>
+        </p:nvPicPr>
+        <p:blipFill>
+          <a:blip r:embed="rId3">
+            <a:extLst>
+              <a:ext uri="{28A0092B-C50C-407E-A947-70E740481C1C}">
+                <a14:useLocalDpi xmlns:a14="http://schemas.microsoft.com/office/drawing/2010/main" val="0"/>
+              </a:ext>
+            </a:extLst>
+          </a:blip>
+          <a:srcRect/>
+          <a:stretch>
+            <a:fillRect/>
+          </a:stretch>
+        </p:blipFill>
+        <p:spPr bwMode="auto">
+          <a:xfrm>
+            <a:off x="6167024" y="1007269"/>
+            <a:ext cx="143196" cy="143196"/>
+          </a:xfrm>
+          <a:prstGeom prst="rect">
+            <a:avLst/>
+          </a:prstGeom>
+          <a:noFill/>
+          <a:extLst>
+            <a:ext uri="{909E8E84-426E-40DD-AFC4-6F175D3DCCD1}">
+              <a14:hiddenFill xmlns:a14="http://schemas.microsoft.com/office/drawing/2010/main">
+                <a:solidFill>
+                  <a:srgbClr val="FFFFFF"/>
+                </a:solidFill>
+              </a14:hiddenFill>
+            </a:ext>
+          </a:extLst>
+        </p:spPr>
+      </p:pic>
+      <p:pic>
+        <p:nvPicPr>
+          <p:cNvPr id="15" name="Picture 2" descr="Значок С в кружочке - копирайт, защита авторских прав">
+            <a:extLst>
+              <a:ext uri="{FF2B5EF4-FFF2-40B4-BE49-F238E27FC236}">
+                <a16:creationId xmlns:a16="http://schemas.microsoft.com/office/drawing/2014/main" id="{D835A113-785A-B04F-8D96-43407A68960E}"/>
+              </a:ext>
+            </a:extLst>
+          </p:cNvPr>
+          <p:cNvPicPr>
+            <a:picLocks noChangeAspect="1" noChangeArrowheads="1"/>
+          </p:cNvPicPr>
+          <p:nvPr/>
+        </p:nvPicPr>
+        <p:blipFill>
+          <a:blip r:embed="rId3">
+            <a:extLst>
+              <a:ext uri="{28A0092B-C50C-407E-A947-70E740481C1C}">
+                <a14:useLocalDpi xmlns:a14="http://schemas.microsoft.com/office/drawing/2010/main" val="0"/>
+              </a:ext>
+            </a:extLst>
+          </a:blip>
+          <a:srcRect/>
+          <a:stretch>
+            <a:fillRect/>
+          </a:stretch>
+        </p:blipFill>
+        <p:spPr bwMode="auto">
+          <a:xfrm>
+            <a:off x="9805861" y="1007269"/>
+            <a:ext cx="143196" cy="143196"/>
+          </a:xfrm>
+          <a:prstGeom prst="rect">
+            <a:avLst/>
+          </a:prstGeom>
+          <a:noFill/>
+          <a:extLst>
+            <a:ext uri="{909E8E84-426E-40DD-AFC4-6F175D3DCCD1}">
+              <a14:hiddenFill xmlns:a14="http://schemas.microsoft.com/office/drawing/2010/main">
+                <a:solidFill>
+                  <a:srgbClr val="FFFFFF"/>
+                </a:solidFill>
+              </a14:hiddenFill>
+            </a:ext>
+          </a:extLst>
         </p:spPr>
       </p:pic>
     </p:spTree>
     <p:extLst>
       <p:ext uri="{BB962C8B-B14F-4D97-AF65-F5344CB8AC3E}">
-        <p14:creationId xmlns:p14="http://schemas.microsoft.com/office/powerpoint/2010/main" val="1417320718"/>
+        <p14:creationId xmlns:p14="http://schemas.microsoft.com/office/powerpoint/2010/main" val="2121274056"/>
       </p:ext>
     </p:extLst>
   </p:cSld>
@@ -9814,274 +10718,174 @@
       </p:grpSpPr>
       <p:sp>
         <p:nvSpPr>
-          <p:cNvPr id="2" name="Заголовок 1">
+          <p:cNvPr id="5" name="Заголовок 1">
             <a:extLst>
               <a:ext uri="{FF2B5EF4-FFF2-40B4-BE49-F238E27FC236}">
-                <a16:creationId xmlns:a16="http://schemas.microsoft.com/office/drawing/2014/main" id="{131AF62D-63AD-D33F-E646-0AF822E31EE6}"/>
+                <a16:creationId xmlns:a16="http://schemas.microsoft.com/office/drawing/2014/main" id="{6B12EEDA-A379-46C0-43A5-DD9D8BA00775}"/>
               </a:ext>
             </a:extLst>
           </p:cNvPr>
-          <p:cNvSpPr>
-            <a:spLocks noGrp="1"/>
+          <p:cNvSpPr txBox="1">
+            <a:spLocks/>
           </p:cNvSpPr>
-          <p:nvPr>
-            <p:ph type="title"/>
-          </p:nvPr>
-        </p:nvSpPr>
-        <p:spPr>
-          <a:xfrm>
-            <a:off x="0" y="1"/>
-            <a:ext cx="12191999" cy="749808"/>
-          </a:xfrm>
-        </p:spPr>
-        <p:txBody>
-          <a:bodyPr/>
-          <a:lstStyle/>
+          <p:nvPr/>
+        </p:nvSpPr>
+        <p:spPr>
+          <a:xfrm>
+            <a:off x="0" y="-1"/>
+            <a:ext cx="12191999" cy="649225"/>
+          </a:xfrm>
+          <a:prstGeom prst="rect">
+            <a:avLst/>
+          </a:prstGeom>
+          <a:effectLst/>
+        </p:spPr>
+        <p:txBody>
+          <a:bodyPr vert="horz" lIns="91440" tIns="45720" rIns="91440" bIns="45720" rtlCol="0" anchor="ctr">
+            <a:normAutofit/>
+          </a:bodyPr>
+          <a:lstStyle>
+            <a:lvl1pPr algn="l" defTabSz="457200" rtl="0" eaLnBrk="1" latinLnBrk="0" hangingPunct="1">
+              <a:spcBef>
+                <a:spcPct val="0"/>
+              </a:spcBef>
+              <a:buNone/>
+              <a:defRPr sz="3600" kern="1200" cap="all">
+                <a:ln w="3175" cmpd="sng">
+                  <a:noFill/>
+                </a:ln>
+                <a:solidFill>
+                  <a:schemeClr val="tx1"/>
+                </a:solidFill>
+                <a:effectLst/>
+                <a:latin typeface="+mj-lt"/>
+                <a:ea typeface="+mj-ea"/>
+                <a:cs typeface="+mj-cs"/>
+              </a:defRPr>
+            </a:lvl1pPr>
+            <a:lvl2pPr eaLnBrk="1" hangingPunct="1">
+              <a:defRPr>
+                <a:solidFill>
+                  <a:schemeClr val="tx2"/>
+                </a:solidFill>
+              </a:defRPr>
+            </a:lvl2pPr>
+            <a:lvl3pPr eaLnBrk="1" hangingPunct="1">
+              <a:defRPr>
+                <a:solidFill>
+                  <a:schemeClr val="tx2"/>
+                </a:solidFill>
+              </a:defRPr>
+            </a:lvl3pPr>
+            <a:lvl4pPr eaLnBrk="1" hangingPunct="1">
+              <a:defRPr>
+                <a:solidFill>
+                  <a:schemeClr val="tx2"/>
+                </a:solidFill>
+              </a:defRPr>
+            </a:lvl4pPr>
+            <a:lvl5pPr eaLnBrk="1" hangingPunct="1">
+              <a:defRPr>
+                <a:solidFill>
+                  <a:schemeClr val="tx2"/>
+                </a:solidFill>
+              </a:defRPr>
+            </a:lvl5pPr>
+            <a:lvl6pPr eaLnBrk="1" hangingPunct="1">
+              <a:defRPr>
+                <a:solidFill>
+                  <a:schemeClr val="tx2"/>
+                </a:solidFill>
+              </a:defRPr>
+            </a:lvl6pPr>
+            <a:lvl7pPr eaLnBrk="1" hangingPunct="1">
+              <a:defRPr>
+                <a:solidFill>
+                  <a:schemeClr val="tx2"/>
+                </a:solidFill>
+              </a:defRPr>
+            </a:lvl7pPr>
+            <a:lvl8pPr eaLnBrk="1" hangingPunct="1">
+              <a:defRPr>
+                <a:solidFill>
+                  <a:schemeClr val="tx2"/>
+                </a:solidFill>
+              </a:defRPr>
+            </a:lvl8pPr>
+            <a:lvl9pPr eaLnBrk="1" hangingPunct="1">
+              <a:defRPr>
+                <a:solidFill>
+                  <a:schemeClr val="tx2"/>
+                </a:solidFill>
+              </a:defRPr>
+            </a:lvl9pPr>
+          </a:lstStyle>
           <a:p>
             <a:pPr algn="ctr"/>
             <a:r>
-              <a:rPr lang="ru-RU" dirty="0">
+              <a:rPr lang="ru-RU" spc="-1" dirty="0" err="1">
                 <a:latin typeface="Times New Roman" panose="02020603050405020304" pitchFamily="18" charset="0"/>
+                <a:ea typeface="DejaVu Sans"/>
                 <a:cs typeface="Times New Roman" panose="02020603050405020304" pitchFamily="18" charset="0"/>
               </a:rPr>
-              <a:t>Заключение</a:t>
-            </a:r>
-          </a:p>
-        </p:txBody>
-      </p:sp>
-      <p:sp>
-        <p:nvSpPr>
-          <p:cNvPr id="3" name="Объект 2">
-            <a:extLst>
-              <a:ext uri="{FF2B5EF4-FFF2-40B4-BE49-F238E27FC236}">
-                <a16:creationId xmlns:a16="http://schemas.microsoft.com/office/drawing/2014/main" id="{6493FAAC-FCD8-63EF-49A3-DDD17E49273B}"/>
-              </a:ext>
-            </a:extLst>
-          </p:cNvPr>
-          <p:cNvSpPr>
-            <a:spLocks noGrp="1"/>
-          </p:cNvSpPr>
-          <p:nvPr>
-            <p:ph idx="1"/>
-          </p:nvPr>
-        </p:nvSpPr>
-        <p:spPr>
-          <a:xfrm>
-            <a:off x="1" y="1331259"/>
-            <a:ext cx="12192000" cy="5590749"/>
-          </a:xfrm>
-        </p:spPr>
-        <p:txBody>
-          <a:bodyPr anchor="t">
-            <a:normAutofit/>
-          </a:bodyPr>
-          <a:lstStyle/>
-          <a:p>
-            <a:pPr marL="0" indent="0" algn="just">
-              <a:spcBef>
-                <a:spcPts val="0"/>
-              </a:spcBef>
-              <a:buNone/>
-            </a:pPr>
-            <a:r>
-              <a:rPr lang="ru-RU" dirty="0">
+              <a:t>ДиаграММа</a:t>
+            </a:r>
+            <a:r>
+              <a:rPr lang="ru-RU" spc="-1" dirty="0">
                 <a:latin typeface="Times New Roman" panose="02020603050405020304" pitchFamily="18" charset="0"/>
+                <a:ea typeface="DejaVu Sans"/>
                 <a:cs typeface="Times New Roman" panose="02020603050405020304" pitchFamily="18" charset="0"/>
               </a:rPr>
-              <a:t>	</a:t>
-            </a:r>
-            <a:r>
-              <a:rPr lang="ru-RU" sz="2200" dirty="0">
-                <a:latin typeface="Times New Roman" panose="02020603050405020304" pitchFamily="18" charset="0"/>
-                <a:cs typeface="Times New Roman" panose="02020603050405020304" pitchFamily="18" charset="0"/>
-              </a:rPr>
-              <a:t>В процессе выполнения практики были решены следующие </a:t>
-            </a:r>
-            <a:r>
-              <a:rPr lang="ru-RU" sz="2200" dirty="0">
-                <a:solidFill>
-                  <a:srgbClr val="FFFF00"/>
-                </a:solidFill>
-                <a:latin typeface="Tahoma" panose="020B0604030504040204" pitchFamily="34" charset="0"/>
-                <a:ea typeface="Tahoma" panose="020B0604030504040204" pitchFamily="34" charset="0"/>
-                <a:cs typeface="Tahoma" panose="020B0604030504040204" pitchFamily="34" charset="0"/>
-              </a:rPr>
-              <a:t>задачи</a:t>
-            </a:r>
-            <a:r>
-              <a:rPr lang="ru-RU" sz="2200" dirty="0">
-                <a:latin typeface="Times New Roman" panose="02020603050405020304" pitchFamily="18" charset="0"/>
-                <a:cs typeface="Times New Roman" panose="02020603050405020304" pitchFamily="18" charset="0"/>
-              </a:rPr>
-              <a:t>:</a:t>
-            </a:r>
-          </a:p>
-          <a:p>
-            <a:pPr lvl="1" algn="just">
-              <a:spcBef>
-                <a:spcPts val="0"/>
-              </a:spcBef>
-              <a:buFont typeface="Arial" panose="020B0604020202020204" pitchFamily="34" charset="0"/>
-              <a:buChar char="•"/>
-            </a:pPr>
-            <a:r>
-              <a:rPr lang="ru-RU" sz="2200" dirty="0">
-                <a:latin typeface="Times New Roman" panose="02020603050405020304" pitchFamily="18" charset="0"/>
-                <a:cs typeface="Times New Roman" panose="02020603050405020304" pitchFamily="18" charset="0"/>
-              </a:rPr>
-              <a:t>изучена предметная область;</a:t>
-            </a:r>
-          </a:p>
-          <a:p>
-            <a:pPr lvl="1" algn="just">
-              <a:spcBef>
-                <a:spcPts val="0"/>
-              </a:spcBef>
-              <a:buFont typeface="Arial" panose="020B0604020202020204" pitchFamily="34" charset="0"/>
-              <a:buChar char="•"/>
-            </a:pPr>
-            <a:r>
-              <a:rPr lang="ru-RU" sz="2200" dirty="0">
-                <a:latin typeface="Times New Roman" panose="02020603050405020304" pitchFamily="18" charset="0"/>
-                <a:cs typeface="Times New Roman" panose="02020603050405020304" pitchFamily="18" charset="0"/>
-              </a:rPr>
-              <a:t>разработаны различные диаграммы, иллюстрирующие работу системы;</a:t>
-            </a:r>
-          </a:p>
-          <a:p>
-            <a:pPr lvl="1" algn="just">
-              <a:spcBef>
-                <a:spcPts val="0"/>
-              </a:spcBef>
-              <a:buFont typeface="Arial" panose="020B0604020202020204" pitchFamily="34" charset="0"/>
-              <a:buChar char="•"/>
-            </a:pPr>
-            <a:r>
-              <a:rPr lang="ru-RU" sz="2200" dirty="0">
-                <a:latin typeface="Times New Roman" panose="02020603050405020304" pitchFamily="18" charset="0"/>
-                <a:cs typeface="Times New Roman" panose="02020603050405020304" pitchFamily="18" charset="0"/>
-              </a:rPr>
-              <a:t>написан технический проект.</a:t>
-            </a:r>
-          </a:p>
-          <a:p>
-            <a:pPr marL="0" indent="0" algn="just">
-              <a:spcBef>
-                <a:spcPts val="0"/>
-              </a:spcBef>
-              <a:buNone/>
-            </a:pPr>
-            <a:r>
-              <a:rPr lang="ru-RU" sz="2200" dirty="0">
-                <a:latin typeface="Times New Roman" panose="02020603050405020304" pitchFamily="18" charset="0"/>
-                <a:cs typeface="Times New Roman" panose="02020603050405020304" pitchFamily="18" charset="0"/>
-              </a:rPr>
-              <a:t>	Дальнейшее </a:t>
-            </a:r>
-            <a:r>
-              <a:rPr lang="ru-RU" sz="2200" dirty="0">
-                <a:solidFill>
-                  <a:srgbClr val="FFFF00"/>
-                </a:solidFill>
-                <a:latin typeface="Tahoma" panose="020B0604030504040204" pitchFamily="34" charset="0"/>
-                <a:ea typeface="Tahoma" panose="020B0604030504040204" pitchFamily="34" charset="0"/>
-                <a:cs typeface="Tahoma" panose="020B0604030504040204" pitchFamily="34" charset="0"/>
-              </a:rPr>
-              <a:t>развитие</a:t>
-            </a:r>
-            <a:r>
-              <a:rPr lang="ru-RU" sz="2200" dirty="0">
-                <a:latin typeface="Times New Roman" panose="02020603050405020304" pitchFamily="18" charset="0"/>
-                <a:cs typeface="Times New Roman" panose="02020603050405020304" pitchFamily="18" charset="0"/>
-              </a:rPr>
-              <a:t> информационной системы:</a:t>
-            </a:r>
-          </a:p>
-          <a:p>
-            <a:pPr lvl="1" algn="just">
-              <a:spcBef>
-                <a:spcPts val="0"/>
-              </a:spcBef>
-              <a:buFont typeface="Arial" panose="020B0604020202020204" pitchFamily="34" charset="0"/>
-              <a:buChar char="•"/>
-            </a:pPr>
-            <a:r>
-              <a:rPr lang="ru-RU" sz="2200" dirty="0">
-                <a:latin typeface="Times New Roman" panose="02020603050405020304" pitchFamily="18" charset="0"/>
-                <a:cs typeface="Times New Roman" panose="02020603050405020304" pitchFamily="18" charset="0"/>
-              </a:rPr>
-              <a:t>разработка программного продукта;</a:t>
-            </a:r>
-          </a:p>
-          <a:p>
-            <a:pPr lvl="1" algn="just">
-              <a:spcBef>
-                <a:spcPts val="0"/>
-              </a:spcBef>
-              <a:buFont typeface="Arial" panose="020B0604020202020204" pitchFamily="34" charset="0"/>
-              <a:buChar char="•"/>
-            </a:pPr>
-            <a:r>
-              <a:rPr lang="ru-RU" sz="2200" dirty="0">
-                <a:latin typeface="Times New Roman" panose="02020603050405020304" pitchFamily="18" charset="0"/>
-                <a:cs typeface="Times New Roman" panose="02020603050405020304" pitchFamily="18" charset="0"/>
-              </a:rPr>
-              <a:t>написание рабочего проекта;</a:t>
-            </a:r>
-          </a:p>
-          <a:p>
-            <a:pPr lvl="1" algn="just">
-              <a:spcBef>
-                <a:spcPts val="0"/>
-              </a:spcBef>
-              <a:buFont typeface="Arial" panose="020B0604020202020204" pitchFamily="34" charset="0"/>
-              <a:buChar char="•"/>
-            </a:pPr>
-            <a:r>
-              <a:rPr lang="ru-RU" sz="2200" dirty="0">
-                <a:latin typeface="Times New Roman" panose="02020603050405020304" pitchFamily="18" charset="0"/>
-                <a:cs typeface="Times New Roman" panose="02020603050405020304" pitchFamily="18" charset="0"/>
-              </a:rPr>
-              <a:t>разработка дизайна форм.</a:t>
-            </a:r>
-          </a:p>
-        </p:txBody>
-      </p:sp>
-      <p:sp>
-        <p:nvSpPr>
-          <p:cNvPr id="4" name="Номер слайда 3">
+              <a:t> РАЗВЁРТЫВАНИЯ</a:t>
+            </a:r>
+            <a:endParaRPr lang="ru-RU" sz="4200" dirty="0">
+              <a:latin typeface="Times New Roman" panose="02020603050405020304" pitchFamily="18" charset="0"/>
+              <a:cs typeface="Times New Roman" panose="02020603050405020304" pitchFamily="18" charset="0"/>
+            </a:endParaRPr>
+          </a:p>
+        </p:txBody>
+      </p:sp>
+      <p:pic>
+        <p:nvPicPr>
+          <p:cNvPr id="6" name="Рисунок 5">
             <a:extLst>
               <a:ext uri="{FF2B5EF4-FFF2-40B4-BE49-F238E27FC236}">
-                <a16:creationId xmlns:a16="http://schemas.microsoft.com/office/drawing/2014/main" id="{D77DF220-02EA-40EE-80A9-00225E5F1C82}"/>
+                <a16:creationId xmlns:a16="http://schemas.microsoft.com/office/drawing/2014/main" id="{B2442B4E-FA8C-A4D7-5378-24A75AFC07E4}"/>
               </a:ext>
             </a:extLst>
           </p:cNvPr>
-          <p:cNvSpPr>
-            <a:spLocks noGrp="1"/>
-          </p:cNvSpPr>
-          <p:nvPr>
-            <p:ph type="sldNum" sz="quarter" idx="12"/>
-          </p:nvPr>
-        </p:nvSpPr>
-        <p:spPr/>
-        <p:txBody>
-          <a:bodyPr/>
-          <a:lstStyle/>
-          <a:p>
-            <a:fld id="{E674C0A0-8DE9-4942-9F1B-2332F349D007}" type="slidenum">
-              <a:rPr lang="ru-RU" smtClean="0"/>
-              <a:t>16</a:t>
-            </a:fld>
-            <a:endParaRPr lang="ru-RU"/>
-          </a:p>
-        </p:txBody>
-      </p:sp>
-      <p:sp>
-        <p:nvSpPr>
-          <p:cNvPr id="7" name="Номер слайда 4">
+          <p:cNvPicPr>
+            <a:picLocks noChangeAspect="1"/>
+          </p:cNvPicPr>
+          <p:nvPr/>
+        </p:nvPicPr>
+        <p:blipFill>
+          <a:blip r:embed="rId2"/>
+          <a:stretch>
+            <a:fillRect/>
+          </a:stretch>
+        </p:blipFill>
+        <p:spPr>
+          <a:xfrm>
+            <a:off x="0" y="850392"/>
+            <a:ext cx="12192000" cy="5993840"/>
+          </a:xfrm>
+          <a:prstGeom prst="rect">
+            <a:avLst/>
+          </a:prstGeom>
+          <a:ln>
+            <a:solidFill>
+              <a:schemeClr val="tx1"/>
+            </a:solidFill>
+          </a:ln>
+        </p:spPr>
+      </p:pic>
+      <p:sp>
+        <p:nvSpPr>
+          <p:cNvPr id="2" name="Номер слайда 4">
             <a:extLst>
               <a:ext uri="{FF2B5EF4-FFF2-40B4-BE49-F238E27FC236}">
-                <a16:creationId xmlns:a16="http://schemas.microsoft.com/office/drawing/2014/main" id="{C687772F-C4EB-4F08-A450-22EA9070A70F}"/>
+                <a16:creationId xmlns:a16="http://schemas.microsoft.com/office/drawing/2014/main" id="{B8AF4975-6D2C-6339-E96A-C69EE84DC457}"/>
               </a:ext>
             </a:extLst>
           </p:cNvPr>
@@ -10219,7 +11023,1407 @@
     </p:spTree>
     <p:extLst>
       <p:ext uri="{BB962C8B-B14F-4D97-AF65-F5344CB8AC3E}">
+        <p14:creationId xmlns:p14="http://schemas.microsoft.com/office/powerpoint/2010/main" val="2761564169"/>
+      </p:ext>
+    </p:extLst>
+  </p:cSld>
+  <p:clrMapOvr>
+    <a:masterClrMapping/>
+  </p:clrMapOvr>
+  <mc:AlternateContent xmlns:mc="http://schemas.openxmlformats.org/markup-compatibility/2006" xmlns:p14="http://schemas.microsoft.com/office/powerpoint/2010/main">
+    <mc:Choice Requires="p14">
+      <p:transition spd="med" p14:dur="700">
+        <p:fade/>
+      </p:transition>
+    </mc:Choice>
+    <mc:Fallback xmlns="">
+      <p:transition spd="med">
+        <p:fade/>
+      </p:transition>
+    </mc:Fallback>
+  </mc:AlternateContent>
+</p:sld>
+</file>
+
+<file path=ppt/slides/slide17.xml><?xml version="1.0" encoding="utf-8"?>
+<p:sld xmlns:a="http://schemas.openxmlformats.org/drawingml/2006/main" xmlns:r="http://schemas.openxmlformats.org/officeDocument/2006/relationships" xmlns:p="http://schemas.openxmlformats.org/presentationml/2006/main">
+  <p:cSld>
+    <p:spTree>
+      <p:nvGrpSpPr>
+        <p:cNvPr id="1" name=""/>
+        <p:cNvGrpSpPr/>
+        <p:nvPr/>
+      </p:nvGrpSpPr>
+      <p:grpSpPr>
+        <a:xfrm>
+          <a:off x="0" y="0"/>
+          <a:ext cx="0" cy="0"/>
+          <a:chOff x="0" y="0"/>
+          <a:chExt cx="0" cy="0"/>
+        </a:xfrm>
+      </p:grpSpPr>
+      <p:sp>
+        <p:nvSpPr>
+          <p:cNvPr id="2" name="Заголовок 1">
+            <a:extLst>
+              <a:ext uri="{FF2B5EF4-FFF2-40B4-BE49-F238E27FC236}">
+                <a16:creationId xmlns:a16="http://schemas.microsoft.com/office/drawing/2014/main" id="{6180C8AA-7561-F3BA-FC31-46C06530ED41}"/>
+              </a:ext>
+            </a:extLst>
+          </p:cNvPr>
+          <p:cNvSpPr>
+            <a:spLocks noGrp="1"/>
+          </p:cNvSpPr>
+          <p:nvPr>
+            <p:ph type="title"/>
+          </p:nvPr>
+        </p:nvSpPr>
+        <p:spPr>
+          <a:xfrm>
+            <a:off x="0" y="6096"/>
+            <a:ext cx="12191999" cy="688848"/>
+          </a:xfrm>
+        </p:spPr>
+        <p:txBody>
+          <a:bodyPr/>
+          <a:lstStyle/>
+          <a:p>
+            <a:pPr algn="ctr"/>
+            <a:r>
+              <a:rPr lang="ru-RU" dirty="0">
+                <a:latin typeface="Times New Roman" panose="02020603050405020304" pitchFamily="18" charset="0"/>
+                <a:cs typeface="Times New Roman" panose="02020603050405020304" pitchFamily="18" charset="0"/>
+              </a:rPr>
+              <a:t>СВЕДЕНИЯ О проекте</a:t>
+            </a:r>
+            <a:endParaRPr lang="ru-RU" dirty="0"/>
+          </a:p>
+        </p:txBody>
+      </p:sp>
+      <p:sp>
+        <p:nvSpPr>
+          <p:cNvPr id="5" name="TextBox 4">
+            <a:extLst>
+              <a:ext uri="{FF2B5EF4-FFF2-40B4-BE49-F238E27FC236}">
+                <a16:creationId xmlns:a16="http://schemas.microsoft.com/office/drawing/2014/main" id="{7D1D1E67-62A4-5E00-9B5C-F74D0DA5F37E}"/>
+              </a:ext>
+            </a:extLst>
+          </p:cNvPr>
+          <p:cNvSpPr txBox="1"/>
+          <p:nvPr/>
+        </p:nvSpPr>
+        <p:spPr>
+          <a:xfrm>
+            <a:off x="530351" y="899690"/>
+            <a:ext cx="5748528" cy="5683486"/>
+          </a:xfrm>
+          <a:prstGeom prst="rect">
+            <a:avLst/>
+          </a:prstGeom>
+          <a:noFill/>
+        </p:spPr>
+        <p:txBody>
+          <a:bodyPr wrap="square" rtlCol="0">
+            <a:noAutofit/>
+          </a:bodyPr>
+          <a:lstStyle/>
+          <a:p>
+            <a:pPr>
+              <a:lnSpc>
+                <a:spcPct val="125000"/>
+              </a:lnSpc>
+            </a:pPr>
+            <a:r>
+              <a:rPr lang="ru-RU" sz="2200" dirty="0">
+                <a:solidFill>
+                  <a:srgbClr val="FFFF00"/>
+                </a:solidFill>
+                <a:latin typeface="Tahoma" panose="020B0604030504040204" pitchFamily="34" charset="0"/>
+                <a:ea typeface="Tahoma" panose="020B0604030504040204" pitchFamily="34" charset="0"/>
+                <a:cs typeface="Tahoma" panose="020B0604030504040204" pitchFamily="34" charset="0"/>
+              </a:rPr>
+              <a:t>Средства разработки серверной части системы:</a:t>
+            </a:r>
+          </a:p>
+          <a:p>
+            <a:pPr marL="285750" indent="-285750">
+              <a:lnSpc>
+                <a:spcPct val="125000"/>
+              </a:lnSpc>
+              <a:buFont typeface="Arial" panose="020B0604020202020204" pitchFamily="34" charset="0"/>
+              <a:buChar char="•"/>
+            </a:pPr>
+            <a:r>
+              <a:rPr lang="ru-RU" sz="2200" dirty="0">
+                <a:latin typeface="Times New Roman" panose="02020603050405020304" pitchFamily="18" charset="0"/>
+                <a:cs typeface="Times New Roman" panose="02020603050405020304" pitchFamily="18" charset="0"/>
+              </a:rPr>
+              <a:t>Язык программирования </a:t>
+            </a:r>
+            <a:r>
+              <a:rPr lang="en-US" sz="2200" dirty="0">
+                <a:latin typeface="Times New Roman" panose="02020603050405020304" pitchFamily="18" charset="0"/>
+                <a:cs typeface="Times New Roman" panose="02020603050405020304" pitchFamily="18" charset="0"/>
+              </a:rPr>
+              <a:t>PHP </a:t>
+            </a:r>
+            <a:r>
+              <a:rPr lang="ru-RU" sz="2200" dirty="0">
+                <a:latin typeface="Times New Roman" panose="02020603050405020304" pitchFamily="18" charset="0"/>
+                <a:cs typeface="Times New Roman" panose="02020603050405020304" pitchFamily="18" charset="0"/>
+              </a:rPr>
+              <a:t>7.4</a:t>
+            </a:r>
+            <a:r>
+              <a:rPr lang="en-US" sz="2200" dirty="0">
+                <a:latin typeface="Times New Roman" panose="02020603050405020304" pitchFamily="18" charset="0"/>
+                <a:cs typeface="Times New Roman" panose="02020603050405020304" pitchFamily="18" charset="0"/>
+              </a:rPr>
+              <a:t> </a:t>
+            </a:r>
+          </a:p>
+          <a:p>
+            <a:pPr marL="285750" indent="-285750">
+              <a:lnSpc>
+                <a:spcPct val="125000"/>
+              </a:lnSpc>
+              <a:buFont typeface="Arial" panose="020B0604020202020204" pitchFamily="34" charset="0"/>
+              <a:buChar char="•"/>
+            </a:pPr>
+            <a:r>
+              <a:rPr lang="en-US" sz="2200" dirty="0">
+                <a:latin typeface="Times New Roman" panose="02020603050405020304" pitchFamily="18" charset="0"/>
+                <a:cs typeface="Times New Roman" panose="02020603050405020304" pitchFamily="18" charset="0"/>
+              </a:rPr>
+              <a:t>Apache </a:t>
+            </a:r>
+            <a:r>
+              <a:rPr lang="ru-RU" sz="2200" dirty="0">
+                <a:latin typeface="Times New Roman" panose="02020603050405020304" pitchFamily="18" charset="0"/>
+                <a:cs typeface="Times New Roman" panose="02020603050405020304" pitchFamily="18" charset="0"/>
+              </a:rPr>
+              <a:t>2.4;</a:t>
+            </a:r>
+            <a:endParaRPr lang="en-US" sz="2200" dirty="0">
+              <a:latin typeface="Times New Roman" panose="02020603050405020304" pitchFamily="18" charset="0"/>
+              <a:cs typeface="Times New Roman" panose="02020603050405020304" pitchFamily="18" charset="0"/>
+            </a:endParaRPr>
+          </a:p>
+          <a:p>
+            <a:pPr marL="285750" indent="-285750">
+              <a:lnSpc>
+                <a:spcPct val="125000"/>
+              </a:lnSpc>
+              <a:buFont typeface="Arial" panose="020B0604020202020204" pitchFamily="34" charset="0"/>
+              <a:buChar char="•"/>
+            </a:pPr>
+            <a:r>
+              <a:rPr lang="en-US" sz="2200" dirty="0">
+                <a:latin typeface="Times New Roman" panose="02020603050405020304" pitchFamily="18" charset="0"/>
+                <a:cs typeface="Times New Roman" panose="02020603050405020304" pitchFamily="18" charset="0"/>
+              </a:rPr>
+              <a:t>Yii2 Advanced Framework;</a:t>
+            </a:r>
+          </a:p>
+          <a:p>
+            <a:pPr marL="285750" indent="-285750">
+              <a:lnSpc>
+                <a:spcPct val="125000"/>
+              </a:lnSpc>
+              <a:buFont typeface="Arial" panose="020B0604020202020204" pitchFamily="34" charset="0"/>
+              <a:buChar char="•"/>
+            </a:pPr>
+            <a:r>
+              <a:rPr lang="ru-RU" sz="2200" dirty="0">
+                <a:latin typeface="Times New Roman" panose="02020603050405020304" pitchFamily="18" charset="0"/>
+                <a:cs typeface="Times New Roman" panose="02020603050405020304" pitchFamily="18" charset="0"/>
+              </a:rPr>
+              <a:t>База данных </a:t>
+            </a:r>
+            <a:r>
+              <a:rPr lang="en-US" sz="2200" dirty="0">
+                <a:latin typeface="Times New Roman" panose="02020603050405020304" pitchFamily="18" charset="0"/>
+                <a:cs typeface="Times New Roman" panose="02020603050405020304" pitchFamily="18" charset="0"/>
+              </a:rPr>
+              <a:t>MariaDB 10.3;</a:t>
+            </a:r>
+          </a:p>
+          <a:p>
+            <a:pPr marL="285750" indent="-285750">
+              <a:lnSpc>
+                <a:spcPct val="125000"/>
+              </a:lnSpc>
+              <a:buFont typeface="Arial" panose="020B0604020202020204" pitchFamily="34" charset="0"/>
+              <a:buChar char="•"/>
+            </a:pPr>
+            <a:r>
+              <a:rPr lang="en-US" sz="2200" dirty="0">
+                <a:latin typeface="Times New Roman" panose="02020603050405020304" pitchFamily="18" charset="0"/>
+                <a:cs typeface="Times New Roman" panose="02020603050405020304" pitchFamily="18" charset="0"/>
+              </a:rPr>
+              <a:t>Redis 4.0.</a:t>
+            </a:r>
+          </a:p>
+        </p:txBody>
+      </p:sp>
+      <p:sp>
+        <p:nvSpPr>
+          <p:cNvPr id="7" name="TextBox 6">
+            <a:extLst>
+              <a:ext uri="{FF2B5EF4-FFF2-40B4-BE49-F238E27FC236}">
+                <a16:creationId xmlns:a16="http://schemas.microsoft.com/office/drawing/2014/main" id="{F1A3363C-C487-95C8-49A5-35BC64E08D03}"/>
+              </a:ext>
+            </a:extLst>
+          </p:cNvPr>
+          <p:cNvSpPr txBox="1"/>
+          <p:nvPr/>
+        </p:nvSpPr>
+        <p:spPr>
+          <a:xfrm>
+            <a:off x="6165342" y="799106"/>
+            <a:ext cx="5904738" cy="3078535"/>
+          </a:xfrm>
+          <a:prstGeom prst="rect">
+            <a:avLst/>
+          </a:prstGeom>
+          <a:noFill/>
+        </p:spPr>
+        <p:txBody>
+          <a:bodyPr wrap="square">
+            <a:spAutoFit/>
+          </a:bodyPr>
+          <a:lstStyle/>
+          <a:p>
+            <a:pPr>
+              <a:lnSpc>
+                <a:spcPct val="150000"/>
+              </a:lnSpc>
+            </a:pPr>
+            <a:r>
+              <a:rPr lang="ru-RU" sz="2200" dirty="0">
+                <a:solidFill>
+                  <a:srgbClr val="FFFF00"/>
+                </a:solidFill>
+                <a:latin typeface="Tahoma" panose="020B0604030504040204" pitchFamily="34" charset="0"/>
+                <a:ea typeface="Tahoma" panose="020B0604030504040204" pitchFamily="34" charset="0"/>
+                <a:cs typeface="Tahoma" panose="020B0604030504040204" pitchFamily="34" charset="0"/>
+              </a:rPr>
+              <a:t>Проект содержит:</a:t>
+            </a:r>
+          </a:p>
+          <a:p>
+            <a:pPr marL="285750" indent="-285750">
+              <a:lnSpc>
+                <a:spcPct val="150000"/>
+              </a:lnSpc>
+              <a:buFont typeface="Arial" panose="020B0604020202020204" pitchFamily="34" charset="0"/>
+              <a:buChar char="•"/>
+            </a:pPr>
+            <a:r>
+              <a:rPr lang="ru-RU" sz="2200" dirty="0">
+                <a:latin typeface="Times New Roman" panose="02020603050405020304" pitchFamily="18" charset="0"/>
+                <a:cs typeface="Times New Roman" panose="02020603050405020304" pitchFamily="18" charset="0"/>
+              </a:rPr>
+              <a:t>Более </a:t>
+            </a:r>
+            <a:r>
+              <a:rPr lang="en-US" sz="2200" dirty="0">
+                <a:latin typeface="Times New Roman" panose="02020603050405020304" pitchFamily="18" charset="0"/>
+                <a:cs typeface="Times New Roman" panose="02020603050405020304" pitchFamily="18" charset="0"/>
+              </a:rPr>
+              <a:t>X</a:t>
+            </a:r>
+            <a:r>
+              <a:rPr lang="ru-RU" sz="2200" dirty="0">
+                <a:latin typeface="Times New Roman" panose="02020603050405020304" pitchFamily="18" charset="0"/>
+                <a:cs typeface="Times New Roman" panose="02020603050405020304" pitchFamily="18" charset="0"/>
+              </a:rPr>
+              <a:t> строк кода в проекте сервера</a:t>
+            </a:r>
+          </a:p>
+          <a:p>
+            <a:pPr marL="285750" indent="-285750">
+              <a:lnSpc>
+                <a:spcPct val="150000"/>
+              </a:lnSpc>
+              <a:buFont typeface="Arial" panose="020B0604020202020204" pitchFamily="34" charset="0"/>
+              <a:buChar char="•"/>
+            </a:pPr>
+            <a:r>
+              <a:rPr lang="ru-RU" sz="2200" dirty="0">
+                <a:latin typeface="Times New Roman" panose="02020603050405020304" pitchFamily="18" charset="0"/>
+                <a:cs typeface="Times New Roman" panose="02020603050405020304" pitchFamily="18" charset="0"/>
+              </a:rPr>
+              <a:t>Более </a:t>
+            </a:r>
+            <a:r>
+              <a:rPr lang="en-US" sz="2200" dirty="0">
+                <a:latin typeface="Times New Roman" panose="02020603050405020304" pitchFamily="18" charset="0"/>
+                <a:cs typeface="Times New Roman" panose="02020603050405020304" pitchFamily="18" charset="0"/>
+              </a:rPr>
+              <a:t>X</a:t>
+            </a:r>
+            <a:r>
+              <a:rPr lang="ru-RU" sz="2200" dirty="0">
+                <a:latin typeface="Times New Roman" panose="02020603050405020304" pitchFamily="18" charset="0"/>
+                <a:cs typeface="Times New Roman" panose="02020603050405020304" pitchFamily="18" charset="0"/>
+              </a:rPr>
+              <a:t> строк кода в клиентском проекте</a:t>
+            </a:r>
+          </a:p>
+          <a:p>
+            <a:pPr marL="285750" indent="-285750">
+              <a:lnSpc>
+                <a:spcPct val="150000"/>
+              </a:lnSpc>
+              <a:buFont typeface="Arial" panose="020B0604020202020204" pitchFamily="34" charset="0"/>
+              <a:buChar char="•"/>
+            </a:pPr>
+            <a:r>
+              <a:rPr lang="en-US" sz="2200" dirty="0">
+                <a:latin typeface="Times New Roman" panose="02020603050405020304" pitchFamily="18" charset="0"/>
+                <a:cs typeface="Times New Roman" panose="02020603050405020304" pitchFamily="18" charset="0"/>
+              </a:rPr>
+              <a:t>62</a:t>
+            </a:r>
+            <a:r>
+              <a:rPr lang="ru-RU" sz="2200" dirty="0">
+                <a:latin typeface="Times New Roman" panose="02020603050405020304" pitchFamily="18" charset="0"/>
+                <a:cs typeface="Times New Roman" panose="02020603050405020304" pitchFamily="18" charset="0"/>
+              </a:rPr>
+              <a:t> таблицы базы данных</a:t>
+            </a:r>
+          </a:p>
+          <a:p>
+            <a:pPr marL="285750" indent="-285750">
+              <a:lnSpc>
+                <a:spcPct val="150000"/>
+              </a:lnSpc>
+              <a:buFont typeface="Arial" panose="020B0604020202020204" pitchFamily="34" charset="0"/>
+              <a:buChar char="•"/>
+            </a:pPr>
+            <a:r>
+              <a:rPr lang="ru-RU" sz="2200" dirty="0">
+                <a:latin typeface="Times New Roman" panose="02020603050405020304" pitchFamily="18" charset="0"/>
+                <a:cs typeface="Times New Roman" panose="02020603050405020304" pitchFamily="18" charset="0"/>
+              </a:rPr>
+              <a:t>Около </a:t>
+            </a:r>
+            <a:r>
+              <a:rPr lang="en-US" sz="2200" dirty="0">
+                <a:latin typeface="Times New Roman" panose="02020603050405020304" pitchFamily="18" charset="0"/>
+                <a:cs typeface="Times New Roman" panose="02020603050405020304" pitchFamily="18" charset="0"/>
+              </a:rPr>
+              <a:t>X</a:t>
+            </a:r>
+            <a:r>
+              <a:rPr lang="ru-RU" sz="2200" dirty="0">
+                <a:latin typeface="Times New Roman" panose="02020603050405020304" pitchFamily="18" charset="0"/>
+                <a:cs typeface="Times New Roman" panose="02020603050405020304" pitchFamily="18" charset="0"/>
+              </a:rPr>
+              <a:t> классов (</a:t>
+            </a:r>
+            <a:r>
+              <a:rPr lang="en-US" sz="2200" dirty="0">
+                <a:latin typeface="Times New Roman" panose="02020603050405020304" pitchFamily="18" charset="0"/>
+                <a:cs typeface="Times New Roman" panose="02020603050405020304" pitchFamily="18" charset="0"/>
+              </a:rPr>
+              <a:t>X</a:t>
+            </a:r>
+            <a:r>
+              <a:rPr lang="ru-RU" sz="2200" dirty="0">
+                <a:latin typeface="Times New Roman" panose="02020603050405020304" pitchFamily="18" charset="0"/>
+                <a:cs typeface="Times New Roman" panose="02020603050405020304" pitchFamily="18" charset="0"/>
+              </a:rPr>
+              <a:t> основных и </a:t>
+            </a:r>
+            <a:r>
+              <a:rPr lang="en-US" sz="2200" dirty="0">
+                <a:latin typeface="Times New Roman" panose="02020603050405020304" pitchFamily="18" charset="0"/>
+                <a:cs typeface="Times New Roman" panose="02020603050405020304" pitchFamily="18" charset="0"/>
+              </a:rPr>
+              <a:t>X</a:t>
+            </a:r>
+            <a:r>
+              <a:rPr lang="ru-RU" sz="2200" dirty="0">
+                <a:latin typeface="Times New Roman" panose="02020603050405020304" pitchFamily="18" charset="0"/>
+                <a:cs typeface="Times New Roman" panose="02020603050405020304" pitchFamily="18" charset="0"/>
+              </a:rPr>
+              <a:t> служебных)</a:t>
+            </a:r>
+          </a:p>
+        </p:txBody>
+      </p:sp>
+      <p:sp>
+        <p:nvSpPr>
+          <p:cNvPr id="8" name="Номер слайда 4">
+            <a:extLst>
+              <a:ext uri="{FF2B5EF4-FFF2-40B4-BE49-F238E27FC236}">
+                <a16:creationId xmlns:a16="http://schemas.microsoft.com/office/drawing/2014/main" id="{C5B64F97-D6A0-FC0D-8E50-8227B356EE18}"/>
+              </a:ext>
+            </a:extLst>
+          </p:cNvPr>
+          <p:cNvSpPr txBox="1">
+            <a:spLocks/>
+          </p:cNvSpPr>
+          <p:nvPr/>
+        </p:nvSpPr>
+        <p:spPr>
+          <a:xfrm>
+            <a:off x="11171852" y="0"/>
+            <a:ext cx="1020148" cy="658368"/>
+          </a:xfrm>
+          <a:prstGeom prst="rect">
+            <a:avLst/>
+          </a:prstGeom>
+        </p:spPr>
+        <p:txBody>
+          <a:bodyPr vert="horz" lIns="91440" tIns="45720" rIns="91440" bIns="45720" rtlCol="0" anchor="ctr"/>
+          <a:lstStyle>
+            <a:defPPr>
+              <a:defRPr lang="en-US"/>
+            </a:defPPr>
+            <a:lvl1pPr marL="0" algn="r" defTabSz="457200" rtl="0" eaLnBrk="1" latinLnBrk="0" hangingPunct="1">
+              <a:defRPr sz="1000" b="0" i="0" kern="1200">
+                <a:solidFill>
+                  <a:schemeClr val="tx1"/>
+                </a:solidFill>
+                <a:effectLst/>
+                <a:latin typeface="+mn-lt"/>
+                <a:ea typeface="+mn-ea"/>
+                <a:cs typeface="+mn-cs"/>
+              </a:defRPr>
+            </a:lvl1pPr>
+            <a:lvl2pPr marL="457200" algn="l" defTabSz="457200" rtl="0" eaLnBrk="1" latinLnBrk="0" hangingPunct="1">
+              <a:defRPr sz="1800" kern="1200">
+                <a:solidFill>
+                  <a:schemeClr val="tx1"/>
+                </a:solidFill>
+                <a:latin typeface="+mn-lt"/>
+                <a:ea typeface="+mn-ea"/>
+                <a:cs typeface="+mn-cs"/>
+              </a:defRPr>
+            </a:lvl2pPr>
+            <a:lvl3pPr marL="914400" algn="l" defTabSz="457200" rtl="0" eaLnBrk="1" latinLnBrk="0" hangingPunct="1">
+              <a:defRPr sz="1800" kern="1200">
+                <a:solidFill>
+                  <a:schemeClr val="tx1"/>
+                </a:solidFill>
+                <a:latin typeface="+mn-lt"/>
+                <a:ea typeface="+mn-ea"/>
+                <a:cs typeface="+mn-cs"/>
+              </a:defRPr>
+            </a:lvl3pPr>
+            <a:lvl4pPr marL="1371600" algn="l" defTabSz="457200" rtl="0" eaLnBrk="1" latinLnBrk="0" hangingPunct="1">
+              <a:defRPr sz="1800" kern="1200">
+                <a:solidFill>
+                  <a:schemeClr val="tx1"/>
+                </a:solidFill>
+                <a:latin typeface="+mn-lt"/>
+                <a:ea typeface="+mn-ea"/>
+                <a:cs typeface="+mn-cs"/>
+              </a:defRPr>
+            </a:lvl4pPr>
+            <a:lvl5pPr marL="1828800" algn="l" defTabSz="457200" rtl="0" eaLnBrk="1" latinLnBrk="0" hangingPunct="1">
+              <a:defRPr sz="1800" kern="1200">
+                <a:solidFill>
+                  <a:schemeClr val="tx1"/>
+                </a:solidFill>
+                <a:latin typeface="+mn-lt"/>
+                <a:ea typeface="+mn-ea"/>
+                <a:cs typeface="+mn-cs"/>
+              </a:defRPr>
+            </a:lvl5pPr>
+            <a:lvl6pPr marL="2286000" algn="l" defTabSz="457200" rtl="0" eaLnBrk="1" latinLnBrk="0" hangingPunct="1">
+              <a:defRPr sz="1800" kern="1200">
+                <a:solidFill>
+                  <a:schemeClr val="tx1"/>
+                </a:solidFill>
+                <a:latin typeface="+mn-lt"/>
+                <a:ea typeface="+mn-ea"/>
+                <a:cs typeface="+mn-cs"/>
+              </a:defRPr>
+            </a:lvl6pPr>
+            <a:lvl7pPr marL="2743200" algn="l" defTabSz="457200" rtl="0" eaLnBrk="1" latinLnBrk="0" hangingPunct="1">
+              <a:defRPr sz="1800" kern="1200">
+                <a:solidFill>
+                  <a:schemeClr val="tx1"/>
+                </a:solidFill>
+                <a:latin typeface="+mn-lt"/>
+                <a:ea typeface="+mn-ea"/>
+                <a:cs typeface="+mn-cs"/>
+              </a:defRPr>
+            </a:lvl7pPr>
+            <a:lvl8pPr marL="3200400" algn="l" defTabSz="457200" rtl="0" eaLnBrk="1" latinLnBrk="0" hangingPunct="1">
+              <a:defRPr sz="1800" kern="1200">
+                <a:solidFill>
+                  <a:schemeClr val="tx1"/>
+                </a:solidFill>
+                <a:latin typeface="+mn-lt"/>
+                <a:ea typeface="+mn-ea"/>
+                <a:cs typeface="+mn-cs"/>
+              </a:defRPr>
+            </a:lvl8pPr>
+            <a:lvl9pPr marL="3657600" algn="l" defTabSz="457200" rtl="0" eaLnBrk="1" latinLnBrk="0" hangingPunct="1">
+              <a:defRPr sz="1800" kern="1200">
+                <a:solidFill>
+                  <a:schemeClr val="tx1"/>
+                </a:solidFill>
+                <a:latin typeface="+mn-lt"/>
+                <a:ea typeface="+mn-ea"/>
+                <a:cs typeface="+mn-cs"/>
+              </a:defRPr>
+            </a:lvl9pPr>
+          </a:lstStyle>
+          <a:p>
+            <a:pPr algn="ctr"/>
+            <a:fld id="{E674C0A0-8DE9-4942-9F1B-2332F349D007}" type="slidenum">
+              <a:rPr lang="ru-RU" sz="2200" smtClean="0">
+                <a:latin typeface="Tahoma" panose="020B0604030504040204" pitchFamily="34" charset="0"/>
+                <a:ea typeface="Tahoma" panose="020B0604030504040204" pitchFamily="34" charset="0"/>
+                <a:cs typeface="Tahoma" panose="020B0604030504040204" pitchFamily="34" charset="0"/>
+              </a:rPr>
+              <a:pPr algn="ctr"/>
+              <a:t>17</a:t>
+            </a:fld>
+            <a:endParaRPr lang="ru-RU" sz="2200" dirty="0">
+              <a:latin typeface="Tahoma" panose="020B0604030504040204" pitchFamily="34" charset="0"/>
+              <a:ea typeface="Tahoma" panose="020B0604030504040204" pitchFamily="34" charset="0"/>
+              <a:cs typeface="Tahoma" panose="020B0604030504040204" pitchFamily="34" charset="0"/>
+            </a:endParaRPr>
+          </a:p>
+        </p:txBody>
+      </p:sp>
+      <p:pic>
+        <p:nvPicPr>
+          <p:cNvPr id="1026" name="Picture 2" descr="PHP Hypertext Preprocessor - язык программирования - CNews">
+            <a:extLst>
+              <a:ext uri="{FF2B5EF4-FFF2-40B4-BE49-F238E27FC236}">
+                <a16:creationId xmlns:a16="http://schemas.microsoft.com/office/drawing/2014/main" id="{E24E1A06-6E63-A42B-1BCD-F23EDAE5647D}"/>
+              </a:ext>
+            </a:extLst>
+          </p:cNvPr>
+          <p:cNvPicPr>
+            <a:picLocks noChangeAspect="1" noChangeArrowheads="1"/>
+          </p:cNvPicPr>
+          <p:nvPr/>
+        </p:nvPicPr>
+        <p:blipFill>
+          <a:blip r:embed="rId2">
+            <a:extLst>
+              <a:ext uri="{28A0092B-C50C-407E-A947-70E740481C1C}">
+                <a14:useLocalDpi xmlns:a14="http://schemas.microsoft.com/office/drawing/2010/main" val="0"/>
+              </a:ext>
+            </a:extLst>
+          </a:blip>
+          <a:srcRect/>
+          <a:stretch>
+            <a:fillRect/>
+          </a:stretch>
+        </p:blipFill>
+        <p:spPr bwMode="auto">
+          <a:xfrm>
+            <a:off x="4961952" y="1856901"/>
+            <a:ext cx="563879" cy="295302"/>
+          </a:xfrm>
+          <a:prstGeom prst="rect">
+            <a:avLst/>
+          </a:prstGeom>
+          <a:noFill/>
+          <a:extLst>
+            <a:ext uri="{909E8E84-426E-40DD-AFC4-6F175D3DCCD1}">
+              <a14:hiddenFill xmlns:a14="http://schemas.microsoft.com/office/drawing/2010/main">
+                <a:solidFill>
+                  <a:srgbClr val="FFFFFF"/>
+                </a:solidFill>
+              </a14:hiddenFill>
+            </a:ext>
+          </a:extLst>
+        </p:spPr>
+      </p:pic>
+      <p:pic>
+        <p:nvPicPr>
+          <p:cNvPr id="1028" name="Picture 4">
+            <a:extLst>
+              <a:ext uri="{FF2B5EF4-FFF2-40B4-BE49-F238E27FC236}">
+                <a16:creationId xmlns:a16="http://schemas.microsoft.com/office/drawing/2014/main" id="{B88F704B-DF6A-120E-5BC2-E992B1C9C338}"/>
+              </a:ext>
+            </a:extLst>
+          </p:cNvPr>
+          <p:cNvPicPr>
+            <a:picLocks noChangeAspect="1" noChangeArrowheads="1"/>
+          </p:cNvPicPr>
+          <p:nvPr/>
+        </p:nvPicPr>
+        <p:blipFill>
+          <a:blip r:embed="rId3">
+            <a:extLst>
+              <a:ext uri="{28A0092B-C50C-407E-A947-70E740481C1C}">
+                <a14:useLocalDpi xmlns:a14="http://schemas.microsoft.com/office/drawing/2010/main" val="0"/>
+              </a:ext>
+            </a:extLst>
+          </a:blip>
+          <a:srcRect/>
+          <a:stretch>
+            <a:fillRect/>
+          </a:stretch>
+        </p:blipFill>
+        <p:spPr bwMode="auto">
+          <a:xfrm>
+            <a:off x="2326484" y="2278095"/>
+            <a:ext cx="797067" cy="304214"/>
+          </a:xfrm>
+          <a:prstGeom prst="rect">
+            <a:avLst/>
+          </a:prstGeom>
+          <a:noFill/>
+          <a:extLst>
+            <a:ext uri="{909E8E84-426E-40DD-AFC4-6F175D3DCCD1}">
+              <a14:hiddenFill xmlns:a14="http://schemas.microsoft.com/office/drawing/2010/main">
+                <a:solidFill>
+                  <a:srgbClr val="FFFFFF"/>
+                </a:solidFill>
+              </a14:hiddenFill>
+            </a:ext>
+          </a:extLst>
+        </p:spPr>
+      </p:pic>
+      <p:pic>
+        <p:nvPicPr>
+          <p:cNvPr id="1030" name="Picture 6" descr="Логотип программы Yii">
+            <a:extLst>
+              <a:ext uri="{FF2B5EF4-FFF2-40B4-BE49-F238E27FC236}">
+                <a16:creationId xmlns:a16="http://schemas.microsoft.com/office/drawing/2014/main" id="{0960D179-52C4-B4E8-9E2E-8B8BDDB42EC4}"/>
+              </a:ext>
+            </a:extLst>
+          </p:cNvPr>
+          <p:cNvPicPr>
+            <a:picLocks noChangeAspect="1" noChangeArrowheads="1"/>
+          </p:cNvPicPr>
+          <p:nvPr/>
+        </p:nvPicPr>
+        <p:blipFill>
+          <a:blip r:embed="rId4">
+            <a:extLst>
+              <a:ext uri="{28A0092B-C50C-407E-A947-70E740481C1C}">
+                <a14:useLocalDpi xmlns:a14="http://schemas.microsoft.com/office/drawing/2010/main" val="0"/>
+              </a:ext>
+            </a:extLst>
+          </a:blip>
+          <a:srcRect/>
+          <a:stretch>
+            <a:fillRect/>
+          </a:stretch>
+        </p:blipFill>
+        <p:spPr bwMode="auto">
+          <a:xfrm>
+            <a:off x="4098131" y="2725294"/>
+            <a:ext cx="1273874" cy="275787"/>
+          </a:xfrm>
+          <a:prstGeom prst="rect">
+            <a:avLst/>
+          </a:prstGeom>
+          <a:noFill/>
+          <a:extLst>
+            <a:ext uri="{909E8E84-426E-40DD-AFC4-6F175D3DCCD1}">
+              <a14:hiddenFill xmlns:a14="http://schemas.microsoft.com/office/drawing/2010/main">
+                <a:solidFill>
+                  <a:srgbClr val="FFFFFF"/>
+                </a:solidFill>
+              </a14:hiddenFill>
+            </a:ext>
+          </a:extLst>
+        </p:spPr>
+      </p:pic>
+      <p:pic>
+        <p:nvPicPr>
+          <p:cNvPr id="1032" name="Picture 8" descr="MariaDB · GitHub">
+            <a:extLst>
+              <a:ext uri="{FF2B5EF4-FFF2-40B4-BE49-F238E27FC236}">
+                <a16:creationId xmlns:a16="http://schemas.microsoft.com/office/drawing/2014/main" id="{2EDD169B-9E03-CE13-9CFD-9870D58C9634}"/>
+              </a:ext>
+            </a:extLst>
+          </p:cNvPr>
+          <p:cNvPicPr>
+            <a:picLocks noChangeAspect="1" noChangeArrowheads="1"/>
+          </p:cNvPicPr>
+          <p:nvPr/>
+        </p:nvPicPr>
+        <p:blipFill>
+          <a:blip r:embed="rId5">
+            <a:extLst>
+              <a:ext uri="{28A0092B-C50C-407E-A947-70E740481C1C}">
+                <a14:useLocalDpi xmlns:a14="http://schemas.microsoft.com/office/drawing/2010/main" val="0"/>
+              </a:ext>
+            </a:extLst>
+          </a:blip>
+          <a:srcRect/>
+          <a:stretch>
+            <a:fillRect/>
+          </a:stretch>
+        </p:blipFill>
+        <p:spPr bwMode="auto">
+          <a:xfrm>
+            <a:off x="4250422" y="3032993"/>
+            <a:ext cx="451309" cy="451309"/>
+          </a:xfrm>
+          <a:prstGeom prst="rect">
+            <a:avLst/>
+          </a:prstGeom>
+          <a:noFill/>
+          <a:extLst>
+            <a:ext uri="{909E8E84-426E-40DD-AFC4-6F175D3DCCD1}">
+              <a14:hiddenFill xmlns:a14="http://schemas.microsoft.com/office/drawing/2010/main">
+                <a:solidFill>
+                  <a:srgbClr val="FFFFFF"/>
+                </a:solidFill>
+              </a14:hiddenFill>
+            </a:ext>
+          </a:extLst>
+        </p:spPr>
+      </p:pic>
+      <p:pic>
+        <p:nvPicPr>
+          <p:cNvPr id="1034" name="Picture 10">
+            <a:extLst>
+              <a:ext uri="{FF2B5EF4-FFF2-40B4-BE49-F238E27FC236}">
+                <a16:creationId xmlns:a16="http://schemas.microsoft.com/office/drawing/2014/main" id="{0666067C-31E3-02F4-E9CA-D04EED38370F}"/>
+              </a:ext>
+            </a:extLst>
+          </p:cNvPr>
+          <p:cNvPicPr>
+            <a:picLocks noChangeAspect="1" noChangeArrowheads="1"/>
+          </p:cNvPicPr>
+          <p:nvPr/>
+        </p:nvPicPr>
+        <p:blipFill>
+          <a:blip r:embed="rId6">
+            <a:extLst>
+              <a:ext uri="{28A0092B-C50C-407E-A947-70E740481C1C}">
+                <a14:useLocalDpi xmlns:a14="http://schemas.microsoft.com/office/drawing/2010/main" val="0"/>
+              </a:ext>
+            </a:extLst>
+          </a:blip>
+          <a:srcRect/>
+          <a:stretch>
+            <a:fillRect/>
+          </a:stretch>
+        </p:blipFill>
+        <p:spPr bwMode="auto">
+          <a:xfrm>
+            <a:off x="2119104" y="3549237"/>
+            <a:ext cx="769621" cy="246279"/>
+          </a:xfrm>
+          <a:prstGeom prst="rect">
+            <a:avLst/>
+          </a:prstGeom>
+          <a:noFill/>
+          <a:extLst>
+            <a:ext uri="{909E8E84-426E-40DD-AFC4-6F175D3DCCD1}">
+              <a14:hiddenFill xmlns:a14="http://schemas.microsoft.com/office/drawing/2010/main">
+                <a:solidFill>
+                  <a:srgbClr val="FFFFFF"/>
+                </a:solidFill>
+              </a14:hiddenFill>
+            </a:ext>
+          </a:extLst>
+        </p:spPr>
+      </p:pic>
+    </p:spTree>
+    <p:extLst>
+      <p:ext uri="{BB962C8B-B14F-4D97-AF65-F5344CB8AC3E}">
+        <p14:creationId xmlns:p14="http://schemas.microsoft.com/office/powerpoint/2010/main" val="3648442274"/>
+      </p:ext>
+    </p:extLst>
+  </p:cSld>
+  <p:clrMapOvr>
+    <a:masterClrMapping/>
+  </p:clrMapOvr>
+  <mc:AlternateContent xmlns:mc="http://schemas.openxmlformats.org/markup-compatibility/2006" xmlns:p14="http://schemas.microsoft.com/office/powerpoint/2010/main">
+    <mc:Choice Requires="p14">
+      <p:transition spd="med" p14:dur="700">
+        <p:fade/>
+      </p:transition>
+    </mc:Choice>
+    <mc:Fallback xmlns="">
+      <p:transition spd="med">
+        <p:fade/>
+      </p:transition>
+    </mc:Fallback>
+  </mc:AlternateContent>
+</p:sld>
+</file>
+
+<file path=ppt/slides/slide18.xml><?xml version="1.0" encoding="utf-8"?>
+<p:sld xmlns:a="http://schemas.openxmlformats.org/drawingml/2006/main" xmlns:r="http://schemas.openxmlformats.org/officeDocument/2006/relationships" xmlns:p="http://schemas.openxmlformats.org/presentationml/2006/main">
+  <p:cSld>
+    <p:spTree>
+      <p:nvGrpSpPr>
+        <p:cNvPr id="1" name=""/>
+        <p:cNvGrpSpPr/>
+        <p:nvPr/>
+      </p:nvGrpSpPr>
+      <p:grpSpPr>
+        <a:xfrm>
+          <a:off x="0" y="0"/>
+          <a:ext cx="0" cy="0"/>
+          <a:chOff x="0" y="0"/>
+          <a:chExt cx="0" cy="0"/>
+        </a:xfrm>
+      </p:grpSpPr>
+      <p:sp>
+        <p:nvSpPr>
+          <p:cNvPr id="2" name="Заголовок 1">
+            <a:extLst>
+              <a:ext uri="{FF2B5EF4-FFF2-40B4-BE49-F238E27FC236}">
+                <a16:creationId xmlns:a16="http://schemas.microsoft.com/office/drawing/2014/main" id="{131AF62D-63AD-D33F-E646-0AF822E31EE6}"/>
+              </a:ext>
+            </a:extLst>
+          </p:cNvPr>
+          <p:cNvSpPr>
+            <a:spLocks noGrp="1"/>
+          </p:cNvSpPr>
+          <p:nvPr>
+            <p:ph type="title"/>
+          </p:nvPr>
+        </p:nvSpPr>
+        <p:spPr>
+          <a:xfrm>
+            <a:off x="0" y="1"/>
+            <a:ext cx="12191999" cy="749808"/>
+          </a:xfrm>
+        </p:spPr>
+        <p:txBody>
+          <a:bodyPr/>
+          <a:lstStyle/>
+          <a:p>
+            <a:pPr algn="ctr"/>
+            <a:r>
+              <a:rPr lang="ru-RU" dirty="0">
+                <a:latin typeface="Times New Roman" panose="02020603050405020304" pitchFamily="18" charset="0"/>
+                <a:cs typeface="Times New Roman" panose="02020603050405020304" pitchFamily="18" charset="0"/>
+              </a:rPr>
+              <a:t>Заключение</a:t>
+            </a:r>
+          </a:p>
+        </p:txBody>
+      </p:sp>
+      <p:sp>
+        <p:nvSpPr>
+          <p:cNvPr id="3" name="Объект 2">
+            <a:extLst>
+              <a:ext uri="{FF2B5EF4-FFF2-40B4-BE49-F238E27FC236}">
+                <a16:creationId xmlns:a16="http://schemas.microsoft.com/office/drawing/2014/main" id="{6493FAAC-FCD8-63EF-49A3-DDD17E49273B}"/>
+              </a:ext>
+            </a:extLst>
+          </p:cNvPr>
+          <p:cNvSpPr>
+            <a:spLocks noGrp="1"/>
+          </p:cNvSpPr>
+          <p:nvPr>
+            <p:ph idx="1"/>
+          </p:nvPr>
+        </p:nvSpPr>
+        <p:spPr>
+          <a:xfrm>
+            <a:off x="1" y="1331259"/>
+            <a:ext cx="12192000" cy="5590749"/>
+          </a:xfrm>
+        </p:spPr>
+        <p:txBody>
+          <a:bodyPr anchor="t">
+            <a:normAutofit/>
+          </a:bodyPr>
+          <a:lstStyle/>
+          <a:p>
+            <a:pPr marL="0" indent="0">
+              <a:lnSpc>
+                <a:spcPct val="150000"/>
+              </a:lnSpc>
+              <a:buNone/>
+            </a:pPr>
+            <a:r>
+              <a:rPr lang="en-US" sz="2200" dirty="0">
+                <a:latin typeface="Times New Roman" panose="02020603050405020304" pitchFamily="18" charset="0"/>
+                <a:cs typeface="Times New Roman" panose="02020603050405020304" pitchFamily="18" charset="0"/>
+              </a:rPr>
+              <a:t>	</a:t>
+            </a:r>
+            <a:r>
+              <a:rPr lang="ru-RU" sz="2200" dirty="0">
+                <a:latin typeface="Times New Roman" panose="02020603050405020304" pitchFamily="18" charset="0"/>
+                <a:cs typeface="Times New Roman" panose="02020603050405020304" pitchFamily="18" charset="0"/>
+              </a:rPr>
+              <a:t>В результате выполнения ВКР была спроектирована и разработана система, которая:</a:t>
+            </a:r>
+          </a:p>
+          <a:p>
+            <a:pPr marL="800100" lvl="1" indent="-342900">
+              <a:lnSpc>
+                <a:spcPct val="150000"/>
+              </a:lnSpc>
+              <a:buFont typeface="Arial" panose="020B0604020202020204" pitchFamily="34" charset="0"/>
+              <a:buChar char="•"/>
+            </a:pPr>
+            <a:r>
+              <a:rPr lang="ru-RU" sz="2200" dirty="0">
+                <a:latin typeface="Times New Roman" panose="02020603050405020304" pitchFamily="18" charset="0"/>
+                <a:cs typeface="Times New Roman" panose="02020603050405020304" pitchFamily="18" charset="0"/>
+              </a:rPr>
+              <a:t>обеспечивает сопровождение и учёт образовательного процесса;</a:t>
+            </a:r>
+          </a:p>
+          <a:p>
+            <a:pPr marL="800100" lvl="1" indent="-342900">
+              <a:lnSpc>
+                <a:spcPct val="150000"/>
+              </a:lnSpc>
+              <a:buFont typeface="Arial" panose="020B0604020202020204" pitchFamily="34" charset="0"/>
+              <a:buChar char="•"/>
+            </a:pPr>
+            <a:r>
+              <a:rPr lang="ru-RU" sz="2200" dirty="0">
+                <a:latin typeface="Times New Roman" panose="02020603050405020304" pitchFamily="18" charset="0"/>
+                <a:cs typeface="Times New Roman" panose="02020603050405020304" pitchFamily="18" charset="0"/>
+              </a:rPr>
+              <a:t>обеспечивает аналитику образовательной деятельности.</a:t>
+            </a:r>
+          </a:p>
+          <a:p>
+            <a:pPr marL="457200" lvl="1" indent="0">
+              <a:lnSpc>
+                <a:spcPct val="150000"/>
+              </a:lnSpc>
+              <a:buNone/>
+            </a:pPr>
+            <a:r>
+              <a:rPr lang="ru-RU" sz="2200" dirty="0">
+                <a:solidFill>
+                  <a:srgbClr val="FFFF00"/>
+                </a:solidFill>
+                <a:latin typeface="Tahoma" panose="020B0604030504040204" pitchFamily="34" charset="0"/>
+                <a:ea typeface="Tahoma" panose="020B0604030504040204" pitchFamily="34" charset="0"/>
+                <a:cs typeface="Tahoma" panose="020B0604030504040204" pitchFamily="34" charset="0"/>
+              </a:rPr>
+              <a:t>Система введена в опытную эксплуатацию</a:t>
+            </a:r>
+            <a:r>
+              <a:rPr lang="en-US" sz="2200" dirty="0">
+                <a:solidFill>
+                  <a:srgbClr val="FFFF00"/>
+                </a:solidFill>
+                <a:latin typeface="Tahoma" panose="020B0604030504040204" pitchFamily="34" charset="0"/>
+                <a:ea typeface="Tahoma" panose="020B0604030504040204" pitchFamily="34" charset="0"/>
+                <a:cs typeface="Tahoma" panose="020B0604030504040204" pitchFamily="34" charset="0"/>
+              </a:rPr>
+              <a:t>.</a:t>
+            </a:r>
+            <a:endParaRPr lang="ru-RU" sz="2200" dirty="0">
+              <a:solidFill>
+                <a:srgbClr val="FFFF00"/>
+              </a:solidFill>
+              <a:latin typeface="Tahoma" panose="020B0604030504040204" pitchFamily="34" charset="0"/>
+              <a:ea typeface="Tahoma" panose="020B0604030504040204" pitchFamily="34" charset="0"/>
+              <a:cs typeface="Tahoma" panose="020B0604030504040204" pitchFamily="34" charset="0"/>
+            </a:endParaRPr>
+          </a:p>
+        </p:txBody>
+      </p:sp>
+      <p:sp>
+        <p:nvSpPr>
+          <p:cNvPr id="7" name="Номер слайда 4">
+            <a:extLst>
+              <a:ext uri="{FF2B5EF4-FFF2-40B4-BE49-F238E27FC236}">
+                <a16:creationId xmlns:a16="http://schemas.microsoft.com/office/drawing/2014/main" id="{C687772F-C4EB-4F08-A450-22EA9070A70F}"/>
+              </a:ext>
+            </a:extLst>
+          </p:cNvPr>
+          <p:cNvSpPr txBox="1">
+            <a:spLocks/>
+          </p:cNvSpPr>
+          <p:nvPr/>
+        </p:nvSpPr>
+        <p:spPr>
+          <a:xfrm>
+            <a:off x="11171852" y="0"/>
+            <a:ext cx="1020148" cy="658368"/>
+          </a:xfrm>
+          <a:prstGeom prst="rect">
+            <a:avLst/>
+          </a:prstGeom>
+        </p:spPr>
+        <p:txBody>
+          <a:bodyPr vert="horz" lIns="91440" tIns="45720" rIns="91440" bIns="45720" rtlCol="0" anchor="ctr"/>
+          <a:lstStyle>
+            <a:defPPr>
+              <a:defRPr lang="en-US"/>
+            </a:defPPr>
+            <a:lvl1pPr marL="0" algn="r" defTabSz="457200" rtl="0" eaLnBrk="1" latinLnBrk="0" hangingPunct="1">
+              <a:defRPr sz="1000" b="0" i="0" kern="1200">
+                <a:solidFill>
+                  <a:schemeClr val="tx1"/>
+                </a:solidFill>
+                <a:effectLst/>
+                <a:latin typeface="+mn-lt"/>
+                <a:ea typeface="+mn-ea"/>
+                <a:cs typeface="+mn-cs"/>
+              </a:defRPr>
+            </a:lvl1pPr>
+            <a:lvl2pPr marL="457200" algn="l" defTabSz="457200" rtl="0" eaLnBrk="1" latinLnBrk="0" hangingPunct="1">
+              <a:defRPr sz="1800" kern="1200">
+                <a:solidFill>
+                  <a:schemeClr val="tx1"/>
+                </a:solidFill>
+                <a:latin typeface="+mn-lt"/>
+                <a:ea typeface="+mn-ea"/>
+                <a:cs typeface="+mn-cs"/>
+              </a:defRPr>
+            </a:lvl2pPr>
+            <a:lvl3pPr marL="914400" algn="l" defTabSz="457200" rtl="0" eaLnBrk="1" latinLnBrk="0" hangingPunct="1">
+              <a:defRPr sz="1800" kern="1200">
+                <a:solidFill>
+                  <a:schemeClr val="tx1"/>
+                </a:solidFill>
+                <a:latin typeface="+mn-lt"/>
+                <a:ea typeface="+mn-ea"/>
+                <a:cs typeface="+mn-cs"/>
+              </a:defRPr>
+            </a:lvl3pPr>
+            <a:lvl4pPr marL="1371600" algn="l" defTabSz="457200" rtl="0" eaLnBrk="1" latinLnBrk="0" hangingPunct="1">
+              <a:defRPr sz="1800" kern="1200">
+                <a:solidFill>
+                  <a:schemeClr val="tx1"/>
+                </a:solidFill>
+                <a:latin typeface="+mn-lt"/>
+                <a:ea typeface="+mn-ea"/>
+                <a:cs typeface="+mn-cs"/>
+              </a:defRPr>
+            </a:lvl4pPr>
+            <a:lvl5pPr marL="1828800" algn="l" defTabSz="457200" rtl="0" eaLnBrk="1" latinLnBrk="0" hangingPunct="1">
+              <a:defRPr sz="1800" kern="1200">
+                <a:solidFill>
+                  <a:schemeClr val="tx1"/>
+                </a:solidFill>
+                <a:latin typeface="+mn-lt"/>
+                <a:ea typeface="+mn-ea"/>
+                <a:cs typeface="+mn-cs"/>
+              </a:defRPr>
+            </a:lvl5pPr>
+            <a:lvl6pPr marL="2286000" algn="l" defTabSz="457200" rtl="0" eaLnBrk="1" latinLnBrk="0" hangingPunct="1">
+              <a:defRPr sz="1800" kern="1200">
+                <a:solidFill>
+                  <a:schemeClr val="tx1"/>
+                </a:solidFill>
+                <a:latin typeface="+mn-lt"/>
+                <a:ea typeface="+mn-ea"/>
+                <a:cs typeface="+mn-cs"/>
+              </a:defRPr>
+            </a:lvl6pPr>
+            <a:lvl7pPr marL="2743200" algn="l" defTabSz="457200" rtl="0" eaLnBrk="1" latinLnBrk="0" hangingPunct="1">
+              <a:defRPr sz="1800" kern="1200">
+                <a:solidFill>
+                  <a:schemeClr val="tx1"/>
+                </a:solidFill>
+                <a:latin typeface="+mn-lt"/>
+                <a:ea typeface="+mn-ea"/>
+                <a:cs typeface="+mn-cs"/>
+              </a:defRPr>
+            </a:lvl7pPr>
+            <a:lvl8pPr marL="3200400" algn="l" defTabSz="457200" rtl="0" eaLnBrk="1" latinLnBrk="0" hangingPunct="1">
+              <a:defRPr sz="1800" kern="1200">
+                <a:solidFill>
+                  <a:schemeClr val="tx1"/>
+                </a:solidFill>
+                <a:latin typeface="+mn-lt"/>
+                <a:ea typeface="+mn-ea"/>
+                <a:cs typeface="+mn-cs"/>
+              </a:defRPr>
+            </a:lvl8pPr>
+            <a:lvl9pPr marL="3657600" algn="l" defTabSz="457200" rtl="0" eaLnBrk="1" latinLnBrk="0" hangingPunct="1">
+              <a:defRPr sz="1800" kern="1200">
+                <a:solidFill>
+                  <a:schemeClr val="tx1"/>
+                </a:solidFill>
+                <a:latin typeface="+mn-lt"/>
+                <a:ea typeface="+mn-ea"/>
+                <a:cs typeface="+mn-cs"/>
+              </a:defRPr>
+            </a:lvl9pPr>
+          </a:lstStyle>
+          <a:p>
+            <a:pPr algn="ctr"/>
+            <a:fld id="{E674C0A0-8DE9-4942-9F1B-2332F349D007}" type="slidenum">
+              <a:rPr lang="ru-RU" sz="2200" smtClean="0">
+                <a:latin typeface="Tahoma" panose="020B0604030504040204" pitchFamily="34" charset="0"/>
+                <a:ea typeface="Tahoma" panose="020B0604030504040204" pitchFamily="34" charset="0"/>
+                <a:cs typeface="Tahoma" panose="020B0604030504040204" pitchFamily="34" charset="0"/>
+              </a:rPr>
+              <a:pPr algn="ctr"/>
+              <a:t>18</a:t>
+            </a:fld>
+            <a:endParaRPr lang="ru-RU" sz="2200" dirty="0">
+              <a:latin typeface="Tahoma" panose="020B0604030504040204" pitchFamily="34" charset="0"/>
+              <a:ea typeface="Tahoma" panose="020B0604030504040204" pitchFamily="34" charset="0"/>
+              <a:cs typeface="Tahoma" panose="020B0604030504040204" pitchFamily="34" charset="0"/>
+            </a:endParaRPr>
+          </a:p>
+        </p:txBody>
+      </p:sp>
+      <p:pic>
+        <p:nvPicPr>
+          <p:cNvPr id="5" name="Рисунок 4">
+            <a:extLst>
+              <a:ext uri="{FF2B5EF4-FFF2-40B4-BE49-F238E27FC236}">
+                <a16:creationId xmlns:a16="http://schemas.microsoft.com/office/drawing/2014/main" id="{F42D6EB3-DD69-CEB5-0982-A6F167D7B244}"/>
+              </a:ext>
+            </a:extLst>
+          </p:cNvPr>
+          <p:cNvPicPr/>
+          <p:nvPr/>
+        </p:nvPicPr>
+        <p:blipFill>
+          <a:blip r:embed="rId2"/>
+          <a:stretch/>
+        </p:blipFill>
+        <p:spPr>
+          <a:xfrm rot="21596400">
+            <a:off x="2669432" y="4389279"/>
+            <a:ext cx="6853135" cy="2274924"/>
+          </a:xfrm>
+          <a:prstGeom prst="rect">
+            <a:avLst/>
+          </a:prstGeom>
+          <a:ln w="0">
+            <a:noFill/>
+          </a:ln>
+        </p:spPr>
+      </p:pic>
+    </p:spTree>
+    <p:extLst>
+      <p:ext uri="{BB962C8B-B14F-4D97-AF65-F5344CB8AC3E}">
         <p14:creationId xmlns:p14="http://schemas.microsoft.com/office/powerpoint/2010/main" val="1581003504"/>
+      </p:ext>
+    </p:extLst>
+  </p:cSld>
+  <p:clrMapOvr>
+    <a:masterClrMapping/>
+  </p:clrMapOvr>
+  <mc:AlternateContent xmlns:mc="http://schemas.openxmlformats.org/markup-compatibility/2006" xmlns:p14="http://schemas.microsoft.com/office/powerpoint/2010/main">
+    <mc:Choice Requires="p14">
+      <p:transition spd="med" p14:dur="700">
+        <p:fade/>
+      </p:transition>
+    </mc:Choice>
+    <mc:Fallback xmlns="">
+      <p:transition spd="med">
+        <p:fade/>
+      </p:transition>
+    </mc:Fallback>
+  </mc:AlternateContent>
+</p:sld>
+</file>
+
+<file path=ppt/slides/slide19.xml><?xml version="1.0" encoding="utf-8"?>
+<p:sld xmlns:a="http://schemas.openxmlformats.org/drawingml/2006/main" xmlns:r="http://schemas.openxmlformats.org/officeDocument/2006/relationships" xmlns:p="http://schemas.openxmlformats.org/presentationml/2006/main">
+  <p:cSld>
+    <p:spTree>
+      <p:nvGrpSpPr>
+        <p:cNvPr id="1" name=""/>
+        <p:cNvGrpSpPr/>
+        <p:nvPr/>
+      </p:nvGrpSpPr>
+      <p:grpSpPr>
+        <a:xfrm>
+          <a:off x="0" y="0"/>
+          <a:ext cx="0" cy="0"/>
+          <a:chOff x="0" y="0"/>
+          <a:chExt cx="0" cy="0"/>
+        </a:xfrm>
+      </p:grpSpPr>
+      <p:sp>
+        <p:nvSpPr>
+          <p:cNvPr id="2" name="Заголовок 1">
+            <a:extLst>
+              <a:ext uri="{FF2B5EF4-FFF2-40B4-BE49-F238E27FC236}">
+                <a16:creationId xmlns:a16="http://schemas.microsoft.com/office/drawing/2014/main" id="{23799081-69DC-E5FF-6C44-EE26B275098A}"/>
+              </a:ext>
+            </a:extLst>
+          </p:cNvPr>
+          <p:cNvSpPr>
+            <a:spLocks noGrp="1"/>
+          </p:cNvSpPr>
+          <p:nvPr>
+            <p:ph type="title"/>
+          </p:nvPr>
+        </p:nvSpPr>
+        <p:spPr>
+          <a:xfrm>
+            <a:off x="1" y="9144"/>
+            <a:ext cx="12191999" cy="731520"/>
+          </a:xfrm>
+        </p:spPr>
+        <p:txBody>
+          <a:bodyPr>
+            <a:noAutofit/>
+          </a:bodyPr>
+          <a:lstStyle/>
+          <a:p>
+            <a:pPr algn="ctr"/>
+            <a:r>
+              <a:rPr lang="ru-RU" dirty="0">
+                <a:latin typeface="Times New Roman" panose="02020603050405020304" pitchFamily="18" charset="0"/>
+                <a:cs typeface="Times New Roman" panose="02020603050405020304" pitchFamily="18" charset="0"/>
+              </a:rPr>
+              <a:t>акт внедрения</a:t>
+            </a:r>
+            <a:endParaRPr lang="ru-RU" dirty="0"/>
+          </a:p>
+        </p:txBody>
+      </p:sp>
+      <p:sp>
+        <p:nvSpPr>
+          <p:cNvPr id="5" name="Номер слайда 4">
+            <a:extLst>
+              <a:ext uri="{FF2B5EF4-FFF2-40B4-BE49-F238E27FC236}">
+                <a16:creationId xmlns:a16="http://schemas.microsoft.com/office/drawing/2014/main" id="{F9D77489-2275-14CA-926D-64F6E9FF9334}"/>
+              </a:ext>
+            </a:extLst>
+          </p:cNvPr>
+          <p:cNvSpPr txBox="1">
+            <a:spLocks/>
+          </p:cNvSpPr>
+          <p:nvPr/>
+        </p:nvSpPr>
+        <p:spPr>
+          <a:xfrm>
+            <a:off x="11171852" y="0"/>
+            <a:ext cx="1020148" cy="658368"/>
+          </a:xfrm>
+          <a:prstGeom prst="rect">
+            <a:avLst/>
+          </a:prstGeom>
+        </p:spPr>
+        <p:txBody>
+          <a:bodyPr vert="horz" lIns="91440" tIns="45720" rIns="91440" bIns="45720" rtlCol="0" anchor="ctr"/>
+          <a:lstStyle>
+            <a:defPPr>
+              <a:defRPr lang="en-US"/>
+            </a:defPPr>
+            <a:lvl1pPr marL="0" algn="r" defTabSz="457200" rtl="0" eaLnBrk="1" latinLnBrk="0" hangingPunct="1">
+              <a:defRPr sz="1000" b="0" i="0" kern="1200">
+                <a:solidFill>
+                  <a:schemeClr val="tx1"/>
+                </a:solidFill>
+                <a:effectLst/>
+                <a:latin typeface="+mn-lt"/>
+                <a:ea typeface="+mn-ea"/>
+                <a:cs typeface="+mn-cs"/>
+              </a:defRPr>
+            </a:lvl1pPr>
+            <a:lvl2pPr marL="457200" algn="l" defTabSz="457200" rtl="0" eaLnBrk="1" latinLnBrk="0" hangingPunct="1">
+              <a:defRPr sz="1800" kern="1200">
+                <a:solidFill>
+                  <a:schemeClr val="tx1"/>
+                </a:solidFill>
+                <a:latin typeface="+mn-lt"/>
+                <a:ea typeface="+mn-ea"/>
+                <a:cs typeface="+mn-cs"/>
+              </a:defRPr>
+            </a:lvl2pPr>
+            <a:lvl3pPr marL="914400" algn="l" defTabSz="457200" rtl="0" eaLnBrk="1" latinLnBrk="0" hangingPunct="1">
+              <a:defRPr sz="1800" kern="1200">
+                <a:solidFill>
+                  <a:schemeClr val="tx1"/>
+                </a:solidFill>
+                <a:latin typeface="+mn-lt"/>
+                <a:ea typeface="+mn-ea"/>
+                <a:cs typeface="+mn-cs"/>
+              </a:defRPr>
+            </a:lvl3pPr>
+            <a:lvl4pPr marL="1371600" algn="l" defTabSz="457200" rtl="0" eaLnBrk="1" latinLnBrk="0" hangingPunct="1">
+              <a:defRPr sz="1800" kern="1200">
+                <a:solidFill>
+                  <a:schemeClr val="tx1"/>
+                </a:solidFill>
+                <a:latin typeface="+mn-lt"/>
+                <a:ea typeface="+mn-ea"/>
+                <a:cs typeface="+mn-cs"/>
+              </a:defRPr>
+            </a:lvl4pPr>
+            <a:lvl5pPr marL="1828800" algn="l" defTabSz="457200" rtl="0" eaLnBrk="1" latinLnBrk="0" hangingPunct="1">
+              <a:defRPr sz="1800" kern="1200">
+                <a:solidFill>
+                  <a:schemeClr val="tx1"/>
+                </a:solidFill>
+                <a:latin typeface="+mn-lt"/>
+                <a:ea typeface="+mn-ea"/>
+                <a:cs typeface="+mn-cs"/>
+              </a:defRPr>
+            </a:lvl5pPr>
+            <a:lvl6pPr marL="2286000" algn="l" defTabSz="457200" rtl="0" eaLnBrk="1" latinLnBrk="0" hangingPunct="1">
+              <a:defRPr sz="1800" kern="1200">
+                <a:solidFill>
+                  <a:schemeClr val="tx1"/>
+                </a:solidFill>
+                <a:latin typeface="+mn-lt"/>
+                <a:ea typeface="+mn-ea"/>
+                <a:cs typeface="+mn-cs"/>
+              </a:defRPr>
+            </a:lvl6pPr>
+            <a:lvl7pPr marL="2743200" algn="l" defTabSz="457200" rtl="0" eaLnBrk="1" latinLnBrk="0" hangingPunct="1">
+              <a:defRPr sz="1800" kern="1200">
+                <a:solidFill>
+                  <a:schemeClr val="tx1"/>
+                </a:solidFill>
+                <a:latin typeface="+mn-lt"/>
+                <a:ea typeface="+mn-ea"/>
+                <a:cs typeface="+mn-cs"/>
+              </a:defRPr>
+            </a:lvl7pPr>
+            <a:lvl8pPr marL="3200400" algn="l" defTabSz="457200" rtl="0" eaLnBrk="1" latinLnBrk="0" hangingPunct="1">
+              <a:defRPr sz="1800" kern="1200">
+                <a:solidFill>
+                  <a:schemeClr val="tx1"/>
+                </a:solidFill>
+                <a:latin typeface="+mn-lt"/>
+                <a:ea typeface="+mn-ea"/>
+                <a:cs typeface="+mn-cs"/>
+              </a:defRPr>
+            </a:lvl8pPr>
+            <a:lvl9pPr marL="3657600" algn="l" defTabSz="457200" rtl="0" eaLnBrk="1" latinLnBrk="0" hangingPunct="1">
+              <a:defRPr sz="1800" kern="1200">
+                <a:solidFill>
+                  <a:schemeClr val="tx1"/>
+                </a:solidFill>
+                <a:latin typeface="+mn-lt"/>
+                <a:ea typeface="+mn-ea"/>
+                <a:cs typeface="+mn-cs"/>
+              </a:defRPr>
+            </a:lvl9pPr>
+          </a:lstStyle>
+          <a:p>
+            <a:pPr algn="ctr"/>
+            <a:fld id="{E674C0A0-8DE9-4942-9F1B-2332F349D007}" type="slidenum">
+              <a:rPr lang="ru-RU" sz="2200" smtClean="0">
+                <a:latin typeface="Tahoma" panose="020B0604030504040204" pitchFamily="34" charset="0"/>
+                <a:ea typeface="Tahoma" panose="020B0604030504040204" pitchFamily="34" charset="0"/>
+                <a:cs typeface="Tahoma" panose="020B0604030504040204" pitchFamily="34" charset="0"/>
+              </a:rPr>
+              <a:pPr algn="ctr"/>
+              <a:t>19</a:t>
+            </a:fld>
+            <a:endParaRPr lang="ru-RU" sz="2200" dirty="0">
+              <a:latin typeface="Tahoma" panose="020B0604030504040204" pitchFamily="34" charset="0"/>
+              <a:ea typeface="Tahoma" panose="020B0604030504040204" pitchFamily="34" charset="0"/>
+              <a:cs typeface="Tahoma" panose="020B0604030504040204" pitchFamily="34" charset="0"/>
+            </a:endParaRPr>
+          </a:p>
+        </p:txBody>
+      </p:sp>
+    </p:spTree>
+    <p:extLst>
+      <p:ext uri="{BB962C8B-B14F-4D97-AF65-F5344CB8AC3E}">
+        <p14:creationId xmlns:p14="http://schemas.microsoft.com/office/powerpoint/2010/main" val="4189832676"/>
       </p:ext>
     </p:extLst>
   </p:cSld>
@@ -10609,6 +12813,101 @@
 </p:sld>
 </file>
 
+<file path=ppt/slides/slide20.xml><?xml version="1.0" encoding="utf-8"?>
+<p:sld xmlns:a="http://schemas.openxmlformats.org/drawingml/2006/main" xmlns:r="http://schemas.openxmlformats.org/officeDocument/2006/relationships" xmlns:p="http://schemas.openxmlformats.org/presentationml/2006/main">
+  <p:cSld>
+    <p:spTree>
+      <p:nvGrpSpPr>
+        <p:cNvPr id="1" name=""/>
+        <p:cNvGrpSpPr/>
+        <p:nvPr/>
+      </p:nvGrpSpPr>
+      <p:grpSpPr>
+        <a:xfrm>
+          <a:off x="0" y="0"/>
+          <a:ext cx="0" cy="0"/>
+          <a:chOff x="0" y="0"/>
+          <a:chExt cx="0" cy="0"/>
+        </a:xfrm>
+      </p:grpSpPr>
+      <p:sp>
+        <p:nvSpPr>
+          <p:cNvPr id="2" name="Заголовок 1">
+            <a:extLst>
+              <a:ext uri="{FF2B5EF4-FFF2-40B4-BE49-F238E27FC236}">
+                <a16:creationId xmlns:a16="http://schemas.microsoft.com/office/drawing/2014/main" id="{DCDEF69C-C445-15ED-1AE7-519CE259E24E}"/>
+              </a:ext>
+            </a:extLst>
+          </p:cNvPr>
+          <p:cNvSpPr>
+            <a:spLocks noGrp="1"/>
+          </p:cNvSpPr>
+          <p:nvPr>
+            <p:ph type="title"/>
+          </p:nvPr>
+        </p:nvSpPr>
+        <p:spPr>
+          <a:xfrm>
+            <a:off x="1030287" y="2608411"/>
+            <a:ext cx="10131425" cy="1456267"/>
+          </a:xfrm>
+        </p:spPr>
+        <p:txBody>
+          <a:bodyPr>
+            <a:noAutofit/>
+          </a:bodyPr>
+          <a:lstStyle/>
+          <a:p>
+            <a:pPr algn="ctr"/>
+            <a:r>
+              <a:rPr lang="ru-RU" cap="all" dirty="0">
+                <a:latin typeface="Times New Roman" panose="02020603050405020304" pitchFamily="18" charset="0"/>
+                <a:cs typeface="Times New Roman" panose="02020603050405020304" pitchFamily="18" charset="0"/>
+              </a:rPr>
+              <a:t>СПАСИБО ЗА ВНИМАНИЕ.</a:t>
+            </a:r>
+            <a:br>
+              <a:rPr lang="ru-RU" cap="all" dirty="0">
+                <a:latin typeface="Times New Roman" panose="02020603050405020304" pitchFamily="18" charset="0"/>
+                <a:cs typeface="Times New Roman" panose="02020603050405020304" pitchFamily="18" charset="0"/>
+              </a:rPr>
+            </a:br>
+            <a:r>
+              <a:rPr lang="ru-RU" cap="all" dirty="0">
+                <a:latin typeface="Times New Roman" panose="02020603050405020304" pitchFamily="18" charset="0"/>
+                <a:cs typeface="Times New Roman" panose="02020603050405020304" pitchFamily="18" charset="0"/>
+              </a:rPr>
+              <a:t>ДОКЛАД ОКОНЧЕН!</a:t>
+            </a:r>
+            <a:endParaRPr lang="ru-RU" dirty="0"/>
+          </a:p>
+        </p:txBody>
+      </p:sp>
+    </p:spTree>
+    <p:extLst>
+      <p:ext uri="{BB962C8B-B14F-4D97-AF65-F5344CB8AC3E}">
+        <p14:creationId xmlns:p14="http://schemas.microsoft.com/office/powerpoint/2010/main" val="1250096644"/>
+      </p:ext>
+    </p:extLst>
+  </p:cSld>
+  <p:clrMapOvr>
+    <a:masterClrMapping/>
+  </p:clrMapOvr>
+  <mc:AlternateContent xmlns:mc="http://schemas.openxmlformats.org/markup-compatibility/2006" xmlns:p14="http://schemas.microsoft.com/office/powerpoint/2010/main">
+    <mc:Choice Requires="p14">
+      <p:transition spd="med" p14:dur="700">
+        <p:fade/>
+      </p:transition>
+    </mc:Choice>
+    <mc:Fallback xmlns="">
+      <p:transition spd="med">
+        <p:fade/>
+      </p:transition>
+    </mc:Fallback>
+  </mc:AlternateContent>
+</p:sld>
+</file>
+
 <file path=ppt/slides/slide3.xml><?xml version="1.0" encoding="utf-8"?>
 <p:sld xmlns:a="http://schemas.openxmlformats.org/drawingml/2006/main" xmlns:r="http://schemas.openxmlformats.org/officeDocument/2006/relationships" xmlns:p="http://schemas.openxmlformats.org/presentationml/2006/main">
   <p:cSld>
@@ -10709,7 +13008,7 @@
             <a:pPr algn="just"/>
             <a:r>
               <a:rPr lang="ru-RU" dirty="0"/>
-              <a:t>РШТ</a:t>
+              <a:t>Отдел «РШТ»</a:t>
             </a:r>
           </a:p>
         </p:txBody>
@@ -10930,8 +13229,8 @@
         </p:nvSpPr>
         <p:spPr>
           <a:xfrm>
-            <a:off x="9646030" y="1312938"/>
-            <a:ext cx="2191353" cy="2079846"/>
+            <a:off x="7489740" y="1312938"/>
+            <a:ext cx="4347644" cy="2079846"/>
           </a:xfrm>
           <a:prstGeom prst="roundRect">
             <a:avLst>
@@ -10980,7 +13279,7 @@
         </p:nvSpPr>
         <p:spPr>
           <a:xfrm>
-            <a:off x="9863584" y="1704856"/>
+            <a:off x="7604743" y="1721014"/>
             <a:ext cx="1790299" cy="240632"/>
           </a:xfrm>
           <a:prstGeom prst="roundRect">
@@ -11032,7 +13331,7 @@
         </p:nvSpPr>
         <p:spPr>
           <a:xfrm>
-            <a:off x="9856265" y="3036392"/>
+            <a:off x="7604743" y="3017366"/>
             <a:ext cx="1790299" cy="240632"/>
           </a:xfrm>
           <a:prstGeom prst="roundRect">
@@ -11084,7 +13383,7 @@
         </p:nvSpPr>
         <p:spPr>
           <a:xfrm>
-            <a:off x="9856265" y="2711378"/>
+            <a:off x="7593888" y="2691187"/>
             <a:ext cx="1790299" cy="240632"/>
           </a:xfrm>
           <a:prstGeom prst="roundRect">
@@ -11136,7 +13435,7 @@
         </p:nvSpPr>
         <p:spPr>
           <a:xfrm>
-            <a:off x="9863584" y="2040363"/>
+            <a:off x="7586437" y="2036115"/>
             <a:ext cx="1790299" cy="240632"/>
           </a:xfrm>
           <a:prstGeom prst="roundRect">
@@ -11188,7 +13487,7 @@
         </p:nvSpPr>
         <p:spPr>
           <a:xfrm>
-            <a:off x="9863585" y="2354986"/>
+            <a:off x="7596520" y="2358656"/>
             <a:ext cx="1790299" cy="240632"/>
           </a:xfrm>
           <a:prstGeom prst="roundRect">
@@ -11240,8 +13539,8 @@
         </p:nvSpPr>
         <p:spPr>
           <a:xfrm>
-            <a:off x="6478896" y="1919015"/>
-            <a:ext cx="3110230" cy="240632"/>
+            <a:off x="6478897" y="1919015"/>
+            <a:ext cx="1003944" cy="240632"/>
           </a:xfrm>
           <a:prstGeom prst="leftRightArrow">
             <a:avLst/>
@@ -11450,7 +13749,7 @@
         </p:nvSpPr>
         <p:spPr>
           <a:xfrm>
-            <a:off x="9823947" y="5243697"/>
+            <a:off x="9863583" y="5243696"/>
             <a:ext cx="1790299" cy="240632"/>
           </a:xfrm>
           <a:prstGeom prst="roundRect">
@@ -11814,7 +14113,7 @@
         </p:nvSpPr>
         <p:spPr>
           <a:xfrm rot="2700000">
-            <a:off x="7582110" y="1499008"/>
+            <a:off x="6448145" y="1528384"/>
             <a:ext cx="1000124" cy="1012249"/>
           </a:xfrm>
           <a:prstGeom prst="plus">
@@ -12244,8 +14543,8 @@
         </p:nvSpPr>
         <p:spPr>
           <a:xfrm>
-            <a:off x="9646030" y="3897989"/>
-            <a:ext cx="2197075" cy="421841"/>
+            <a:off x="7489740" y="3891262"/>
+            <a:ext cx="2124222" cy="442475"/>
           </a:xfrm>
           <a:prstGeom prst="roundRect">
             <a:avLst/>
@@ -12293,7 +14592,7 @@
         </p:nvSpPr>
         <p:spPr>
           <a:xfrm>
-            <a:off x="10701950" y="3412343"/>
+            <a:off x="8333152" y="3403441"/>
             <a:ext cx="228600" cy="485645"/>
           </a:xfrm>
           <a:prstGeom prst="upArrow">
@@ -12347,7 +14646,7 @@
         </p:nvSpPr>
         <p:spPr>
           <a:xfrm rot="2700000">
-            <a:off x="10563155" y="3418519"/>
+            <a:off x="8196892" y="3408038"/>
             <a:ext cx="506186" cy="495043"/>
           </a:xfrm>
           <a:prstGeom prst="plus">
@@ -12826,10 +15125,150 @@
       </p:sp>
       <p:sp>
         <p:nvSpPr>
-          <p:cNvPr id="33" name="Прямоугольник: скругленные углы 32">
+          <p:cNvPr id="47" name="Номер слайда 4">
             <a:extLst>
               <a:ext uri="{FF2B5EF4-FFF2-40B4-BE49-F238E27FC236}">
-                <a16:creationId xmlns:a16="http://schemas.microsoft.com/office/drawing/2014/main" id="{D13D9103-8594-CE46-CD78-6EDB08EE9DB3}"/>
+                <a16:creationId xmlns:a16="http://schemas.microsoft.com/office/drawing/2014/main" id="{DD4AB5E6-99E9-4C2A-A56D-D9DBCD1A3F70}"/>
+              </a:ext>
+            </a:extLst>
+          </p:cNvPr>
+          <p:cNvSpPr txBox="1">
+            <a:spLocks/>
+          </p:cNvSpPr>
+          <p:nvPr/>
+        </p:nvSpPr>
+        <p:spPr>
+          <a:xfrm>
+            <a:off x="11171852" y="0"/>
+            <a:ext cx="1020148" cy="658368"/>
+          </a:xfrm>
+          <a:prstGeom prst="rect">
+            <a:avLst/>
+          </a:prstGeom>
+        </p:spPr>
+        <p:txBody>
+          <a:bodyPr vert="horz" lIns="91440" tIns="45720" rIns="91440" bIns="45720" rtlCol="0" anchor="ctr"/>
+          <a:lstStyle>
+            <a:defPPr>
+              <a:defRPr lang="en-US"/>
+            </a:defPPr>
+            <a:lvl1pPr marL="0" algn="r" defTabSz="457200" rtl="0" eaLnBrk="1" latinLnBrk="0" hangingPunct="1">
+              <a:defRPr sz="1000" b="0" i="0" kern="1200">
+                <a:solidFill>
+                  <a:schemeClr val="tx1"/>
+                </a:solidFill>
+                <a:effectLst/>
+                <a:latin typeface="+mn-lt"/>
+                <a:ea typeface="+mn-ea"/>
+                <a:cs typeface="+mn-cs"/>
+              </a:defRPr>
+            </a:lvl1pPr>
+            <a:lvl2pPr marL="457200" algn="l" defTabSz="457200" rtl="0" eaLnBrk="1" latinLnBrk="0" hangingPunct="1">
+              <a:defRPr sz="1800" kern="1200">
+                <a:solidFill>
+                  <a:schemeClr val="tx1"/>
+                </a:solidFill>
+                <a:latin typeface="+mn-lt"/>
+                <a:ea typeface="+mn-ea"/>
+                <a:cs typeface="+mn-cs"/>
+              </a:defRPr>
+            </a:lvl2pPr>
+            <a:lvl3pPr marL="914400" algn="l" defTabSz="457200" rtl="0" eaLnBrk="1" latinLnBrk="0" hangingPunct="1">
+              <a:defRPr sz="1800" kern="1200">
+                <a:solidFill>
+                  <a:schemeClr val="tx1"/>
+                </a:solidFill>
+                <a:latin typeface="+mn-lt"/>
+                <a:ea typeface="+mn-ea"/>
+                <a:cs typeface="+mn-cs"/>
+              </a:defRPr>
+            </a:lvl3pPr>
+            <a:lvl4pPr marL="1371600" algn="l" defTabSz="457200" rtl="0" eaLnBrk="1" latinLnBrk="0" hangingPunct="1">
+              <a:defRPr sz="1800" kern="1200">
+                <a:solidFill>
+                  <a:schemeClr val="tx1"/>
+                </a:solidFill>
+                <a:latin typeface="+mn-lt"/>
+                <a:ea typeface="+mn-ea"/>
+                <a:cs typeface="+mn-cs"/>
+              </a:defRPr>
+            </a:lvl4pPr>
+            <a:lvl5pPr marL="1828800" algn="l" defTabSz="457200" rtl="0" eaLnBrk="1" latinLnBrk="0" hangingPunct="1">
+              <a:defRPr sz="1800" kern="1200">
+                <a:solidFill>
+                  <a:schemeClr val="tx1"/>
+                </a:solidFill>
+                <a:latin typeface="+mn-lt"/>
+                <a:ea typeface="+mn-ea"/>
+                <a:cs typeface="+mn-cs"/>
+              </a:defRPr>
+            </a:lvl5pPr>
+            <a:lvl6pPr marL="2286000" algn="l" defTabSz="457200" rtl="0" eaLnBrk="1" latinLnBrk="0" hangingPunct="1">
+              <a:defRPr sz="1800" kern="1200">
+                <a:solidFill>
+                  <a:schemeClr val="tx1"/>
+                </a:solidFill>
+                <a:latin typeface="+mn-lt"/>
+                <a:ea typeface="+mn-ea"/>
+                <a:cs typeface="+mn-cs"/>
+              </a:defRPr>
+            </a:lvl6pPr>
+            <a:lvl7pPr marL="2743200" algn="l" defTabSz="457200" rtl="0" eaLnBrk="1" latinLnBrk="0" hangingPunct="1">
+              <a:defRPr sz="1800" kern="1200">
+                <a:solidFill>
+                  <a:schemeClr val="tx1"/>
+                </a:solidFill>
+                <a:latin typeface="+mn-lt"/>
+                <a:ea typeface="+mn-ea"/>
+                <a:cs typeface="+mn-cs"/>
+              </a:defRPr>
+            </a:lvl7pPr>
+            <a:lvl8pPr marL="3200400" algn="l" defTabSz="457200" rtl="0" eaLnBrk="1" latinLnBrk="0" hangingPunct="1">
+              <a:defRPr sz="1800" kern="1200">
+                <a:solidFill>
+                  <a:schemeClr val="tx1"/>
+                </a:solidFill>
+                <a:latin typeface="+mn-lt"/>
+                <a:ea typeface="+mn-ea"/>
+                <a:cs typeface="+mn-cs"/>
+              </a:defRPr>
+            </a:lvl8pPr>
+            <a:lvl9pPr marL="3657600" algn="l" defTabSz="457200" rtl="0" eaLnBrk="1" latinLnBrk="0" hangingPunct="1">
+              <a:defRPr sz="1800" kern="1200">
+                <a:solidFill>
+                  <a:schemeClr val="tx1"/>
+                </a:solidFill>
+                <a:latin typeface="+mn-lt"/>
+                <a:ea typeface="+mn-ea"/>
+                <a:cs typeface="+mn-cs"/>
+              </a:defRPr>
+            </a:lvl9pPr>
+          </a:lstStyle>
+          <a:p>
+            <a:pPr algn="ctr"/>
+            <a:fld id="{E674C0A0-8DE9-4942-9F1B-2332F349D007}" type="slidenum">
+              <a:rPr lang="ru-RU" sz="2200" smtClean="0">
+                <a:latin typeface="Tahoma" panose="020B0604030504040204" pitchFamily="34" charset="0"/>
+                <a:ea typeface="Tahoma" panose="020B0604030504040204" pitchFamily="34" charset="0"/>
+                <a:cs typeface="Tahoma" panose="020B0604030504040204" pitchFamily="34" charset="0"/>
+              </a:rPr>
+              <a:pPr algn="ctr"/>
+              <a:t>3</a:t>
+            </a:fld>
+            <a:endParaRPr lang="ru-RU" sz="2200" dirty="0">
+              <a:latin typeface="Tahoma" panose="020B0604030504040204" pitchFamily="34" charset="0"/>
+              <a:ea typeface="Tahoma" panose="020B0604030504040204" pitchFamily="34" charset="0"/>
+              <a:cs typeface="Tahoma" panose="020B0604030504040204" pitchFamily="34" charset="0"/>
+            </a:endParaRPr>
+          </a:p>
+        </p:txBody>
+      </p:sp>
+      <p:sp>
+        <p:nvSpPr>
+          <p:cNvPr id="45" name="Прямоугольник: скругленные углы 44">
+            <a:extLst>
+              <a:ext uri="{FF2B5EF4-FFF2-40B4-BE49-F238E27FC236}">
+                <a16:creationId xmlns:a16="http://schemas.microsoft.com/office/drawing/2014/main" id="{E995FE50-2628-E377-4D83-9982FF503C2F}"/>
               </a:ext>
             </a:extLst>
           </p:cNvPr>
@@ -12838,20 +15277,20 @@
         </p:nvSpPr>
         <p:spPr>
           <a:xfrm>
-            <a:off x="711963" y="977834"/>
-            <a:ext cx="10768073" cy="5477868"/>
+            <a:off x="10023473" y="1366384"/>
+            <a:ext cx="1725237" cy="637603"/>
           </a:xfrm>
           <a:prstGeom prst="roundRect">
-            <a:avLst/>
+            <a:avLst>
+              <a:gd name="adj" fmla="val 4808"/>
+            </a:avLst>
           </a:prstGeom>
           <a:solidFill>
-            <a:schemeClr val="tx1">
-              <a:lumMod val="75000"/>
-            </a:schemeClr>
+            <a:srgbClr val="FFC000"/>
           </a:solidFill>
-          <a:ln w="127000">
+          <a:ln>
             <a:solidFill>
-              <a:srgbClr val="FF0000"/>
+              <a:srgbClr val="FFC000"/>
             </a:solidFill>
           </a:ln>
         </p:spPr>
@@ -12872,6 +15311,351 @@
           </a:fontRef>
         </p:style>
         <p:txBody>
+          <a:bodyPr rtlCol="0" anchor="t"/>
+          <a:lstStyle/>
+          <a:p>
+            <a:pPr algn="ctr"/>
+            <a:r>
+              <a:rPr lang="ru-RU" dirty="0"/>
+              <a:t>Урок</a:t>
+            </a:r>
+          </a:p>
+        </p:txBody>
+      </p:sp>
+      <p:sp>
+        <p:nvSpPr>
+          <p:cNvPr id="46" name="Прямоугольник: скругленные углы 45">
+            <a:extLst>
+              <a:ext uri="{FF2B5EF4-FFF2-40B4-BE49-F238E27FC236}">
+                <a16:creationId xmlns:a16="http://schemas.microsoft.com/office/drawing/2014/main" id="{7ED2DCE4-EF19-A045-5889-390C0B739881}"/>
+              </a:ext>
+            </a:extLst>
+          </p:cNvPr>
+          <p:cNvSpPr/>
+          <p:nvPr/>
+        </p:nvSpPr>
+        <p:spPr>
+          <a:xfrm>
+            <a:off x="10124621" y="1702283"/>
+            <a:ext cx="1495222" cy="240632"/>
+          </a:xfrm>
+          <a:prstGeom prst="roundRect">
+            <a:avLst/>
+          </a:prstGeom>
+          <a:solidFill>
+            <a:srgbClr val="00B050"/>
+          </a:solidFill>
+          <a:ln>
+            <a:solidFill>
+              <a:srgbClr val="00B050"/>
+            </a:solidFill>
+          </a:ln>
+        </p:spPr>
+        <p:style>
+          <a:lnRef idx="2">
+            <a:schemeClr val="accent5">
+              <a:shade val="15000"/>
+            </a:schemeClr>
+          </a:lnRef>
+          <a:fillRef idx="1">
+            <a:schemeClr val="accent5"/>
+          </a:fillRef>
+          <a:effectRef idx="0">
+            <a:schemeClr val="accent5"/>
+          </a:effectRef>
+          <a:fontRef idx="minor">
+            <a:schemeClr val="lt1"/>
+          </a:fontRef>
+        </p:style>
+        <p:txBody>
+          <a:bodyPr rtlCol="0" anchor="ctr"/>
+          <a:lstStyle/>
+          <a:p>
+            <a:pPr algn="ctr"/>
+            <a:r>
+              <a:rPr lang="ru-RU" dirty="0"/>
+              <a:t>Явка</a:t>
+            </a:r>
+          </a:p>
+        </p:txBody>
+      </p:sp>
+      <p:sp>
+        <p:nvSpPr>
+          <p:cNvPr id="48" name="Прямоугольник: скругленные углы 47">
+            <a:extLst>
+              <a:ext uri="{FF2B5EF4-FFF2-40B4-BE49-F238E27FC236}">
+                <a16:creationId xmlns:a16="http://schemas.microsoft.com/office/drawing/2014/main" id="{DFE1ED03-B38A-D022-9A01-B7D6CD62C3D6}"/>
+              </a:ext>
+            </a:extLst>
+          </p:cNvPr>
+          <p:cNvSpPr/>
+          <p:nvPr/>
+        </p:nvSpPr>
+        <p:spPr>
+          <a:xfrm>
+            <a:off x="10023472" y="2072947"/>
+            <a:ext cx="1725237" cy="673044"/>
+          </a:xfrm>
+          <a:prstGeom prst="roundRect">
+            <a:avLst>
+              <a:gd name="adj" fmla="val 4808"/>
+            </a:avLst>
+          </a:prstGeom>
+          <a:solidFill>
+            <a:srgbClr val="FFC000"/>
+          </a:solidFill>
+          <a:ln>
+            <a:solidFill>
+              <a:srgbClr val="FFC000"/>
+            </a:solidFill>
+          </a:ln>
+        </p:spPr>
+        <p:style>
+          <a:lnRef idx="2">
+            <a:schemeClr val="accent1">
+              <a:shade val="15000"/>
+            </a:schemeClr>
+          </a:lnRef>
+          <a:fillRef idx="1">
+            <a:schemeClr val="accent1"/>
+          </a:fillRef>
+          <a:effectRef idx="0">
+            <a:schemeClr val="accent1"/>
+          </a:effectRef>
+          <a:fontRef idx="minor">
+            <a:schemeClr val="lt1"/>
+          </a:fontRef>
+        </p:style>
+        <p:txBody>
+          <a:bodyPr rtlCol="0" anchor="t"/>
+          <a:lstStyle/>
+          <a:p>
+            <a:pPr algn="ctr"/>
+            <a:r>
+              <a:rPr lang="ru-RU" dirty="0"/>
+              <a:t>Урок</a:t>
+            </a:r>
+          </a:p>
+        </p:txBody>
+      </p:sp>
+      <p:sp>
+        <p:nvSpPr>
+          <p:cNvPr id="49" name="Прямоугольник: скругленные углы 48">
+            <a:extLst>
+              <a:ext uri="{FF2B5EF4-FFF2-40B4-BE49-F238E27FC236}">
+                <a16:creationId xmlns:a16="http://schemas.microsoft.com/office/drawing/2014/main" id="{DACB3229-55A7-E5DF-962B-E7858F34D192}"/>
+              </a:ext>
+            </a:extLst>
+          </p:cNvPr>
+          <p:cNvSpPr/>
+          <p:nvPr/>
+        </p:nvSpPr>
+        <p:spPr>
+          <a:xfrm>
+            <a:off x="10124621" y="2439924"/>
+            <a:ext cx="1495222" cy="240632"/>
+          </a:xfrm>
+          <a:prstGeom prst="roundRect">
+            <a:avLst/>
+          </a:prstGeom>
+          <a:solidFill>
+            <a:srgbClr val="00B050"/>
+          </a:solidFill>
+          <a:ln>
+            <a:solidFill>
+              <a:srgbClr val="00B050"/>
+            </a:solidFill>
+          </a:ln>
+        </p:spPr>
+        <p:style>
+          <a:lnRef idx="2">
+            <a:schemeClr val="accent5">
+              <a:shade val="15000"/>
+            </a:schemeClr>
+          </a:lnRef>
+          <a:fillRef idx="1">
+            <a:schemeClr val="accent5"/>
+          </a:fillRef>
+          <a:effectRef idx="0">
+            <a:schemeClr val="accent5"/>
+          </a:effectRef>
+          <a:fontRef idx="minor">
+            <a:schemeClr val="lt1"/>
+          </a:fontRef>
+        </p:style>
+        <p:txBody>
+          <a:bodyPr rtlCol="0" anchor="ctr"/>
+          <a:lstStyle/>
+          <a:p>
+            <a:pPr algn="ctr"/>
+            <a:r>
+              <a:rPr lang="ru-RU" dirty="0"/>
+              <a:t>Явка</a:t>
+            </a:r>
+          </a:p>
+        </p:txBody>
+      </p:sp>
+      <p:sp>
+        <p:nvSpPr>
+          <p:cNvPr id="50" name="Прямоугольник: скругленные углы 49">
+            <a:extLst>
+              <a:ext uri="{FF2B5EF4-FFF2-40B4-BE49-F238E27FC236}">
+                <a16:creationId xmlns:a16="http://schemas.microsoft.com/office/drawing/2014/main" id="{BC5673A9-89F4-385A-4E7E-F4855D3F66F0}"/>
+              </a:ext>
+            </a:extLst>
+          </p:cNvPr>
+          <p:cNvSpPr/>
+          <p:nvPr/>
+        </p:nvSpPr>
+        <p:spPr>
+          <a:xfrm>
+            <a:off x="10072889" y="2928344"/>
+            <a:ext cx="1675819" cy="379746"/>
+          </a:xfrm>
+          <a:prstGeom prst="roundRect">
+            <a:avLst>
+              <a:gd name="adj" fmla="val 4808"/>
+            </a:avLst>
+          </a:prstGeom>
+          <a:solidFill>
+            <a:srgbClr val="FFC000"/>
+          </a:solidFill>
+          <a:ln>
+            <a:solidFill>
+              <a:srgbClr val="FFC000"/>
+            </a:solidFill>
+          </a:ln>
+        </p:spPr>
+        <p:style>
+          <a:lnRef idx="2">
+            <a:schemeClr val="accent1">
+              <a:shade val="15000"/>
+            </a:schemeClr>
+          </a:lnRef>
+          <a:fillRef idx="1">
+            <a:schemeClr val="accent1"/>
+          </a:fillRef>
+          <a:effectRef idx="0">
+            <a:schemeClr val="accent1"/>
+          </a:effectRef>
+          <a:fontRef idx="minor">
+            <a:schemeClr val="lt1"/>
+          </a:fontRef>
+        </p:style>
+        <p:txBody>
+          <a:bodyPr rtlCol="0" anchor="t"/>
+          <a:lstStyle/>
+          <a:p>
+            <a:pPr algn="ctr"/>
+            <a:r>
+              <a:rPr lang="ru-RU" dirty="0"/>
+              <a:t>Сертификат</a:t>
+            </a:r>
+          </a:p>
+        </p:txBody>
+      </p:sp>
+      <p:sp>
+        <p:nvSpPr>
+          <p:cNvPr id="51" name="Стрелка: влево-вправо 50">
+            <a:extLst>
+              <a:ext uri="{FF2B5EF4-FFF2-40B4-BE49-F238E27FC236}">
+                <a16:creationId xmlns:a16="http://schemas.microsoft.com/office/drawing/2014/main" id="{23B9363B-F4F1-0153-A15F-390581127628}"/>
+              </a:ext>
+            </a:extLst>
+          </p:cNvPr>
+          <p:cNvSpPr/>
+          <p:nvPr/>
+        </p:nvSpPr>
+        <p:spPr>
+          <a:xfrm>
+            <a:off x="9410945" y="3014691"/>
+            <a:ext cx="646041" cy="240632"/>
+          </a:xfrm>
+          <a:prstGeom prst="leftRightArrow">
+            <a:avLst/>
+          </a:prstGeom>
+          <a:solidFill>
+            <a:srgbClr val="92D050"/>
+          </a:solidFill>
+          <a:ln>
+            <a:solidFill>
+              <a:srgbClr val="92D050"/>
+            </a:solidFill>
+          </a:ln>
+        </p:spPr>
+        <p:style>
+          <a:lnRef idx="2">
+            <a:schemeClr val="accent1">
+              <a:shade val="15000"/>
+            </a:schemeClr>
+          </a:lnRef>
+          <a:fillRef idx="1">
+            <a:schemeClr val="accent1"/>
+          </a:fillRef>
+          <a:effectRef idx="0">
+            <a:schemeClr val="accent1"/>
+          </a:effectRef>
+          <a:fontRef idx="minor">
+            <a:schemeClr val="lt1"/>
+          </a:fontRef>
+        </p:style>
+        <p:txBody>
+          <a:bodyPr rtlCol="0" anchor="ctr"/>
+          <a:lstStyle/>
+          <a:p>
+            <a:pPr algn="ctr"/>
+            <a:endParaRPr lang="ru-RU"/>
+          </a:p>
+        </p:txBody>
+      </p:sp>
+      <p:sp>
+        <p:nvSpPr>
+          <p:cNvPr id="33" name="Прямоугольник: скругленные углы 32">
+            <a:extLst>
+              <a:ext uri="{FF2B5EF4-FFF2-40B4-BE49-F238E27FC236}">
+                <a16:creationId xmlns:a16="http://schemas.microsoft.com/office/drawing/2014/main" id="{D13D9103-8594-CE46-CD78-6EDB08EE9DB3}"/>
+              </a:ext>
+            </a:extLst>
+          </p:cNvPr>
+          <p:cNvSpPr/>
+          <p:nvPr/>
+        </p:nvSpPr>
+        <p:spPr>
+          <a:xfrm>
+            <a:off x="711963" y="1017514"/>
+            <a:ext cx="10768073" cy="5477868"/>
+          </a:xfrm>
+          <a:prstGeom prst="roundRect">
+            <a:avLst/>
+          </a:prstGeom>
+          <a:solidFill>
+            <a:schemeClr val="tx1">
+              <a:lumMod val="75000"/>
+            </a:schemeClr>
+          </a:solidFill>
+          <a:ln w="127000">
+            <a:solidFill>
+              <a:srgbClr val="FF0000"/>
+            </a:solidFill>
+          </a:ln>
+        </p:spPr>
+        <p:style>
+          <a:lnRef idx="2">
+            <a:schemeClr val="accent1">
+              <a:shade val="15000"/>
+            </a:schemeClr>
+          </a:lnRef>
+          <a:fillRef idx="1">
+            <a:schemeClr val="accent1"/>
+          </a:fillRef>
+          <a:effectRef idx="0">
+            <a:schemeClr val="accent1"/>
+          </a:effectRef>
+          <a:fontRef idx="minor">
+            <a:schemeClr val="lt1"/>
+          </a:fontRef>
+        </p:style>
+        <p:txBody>
           <a:bodyPr rtlCol="0" anchor="ctr"/>
           <a:lstStyle/>
           <a:p>
@@ -13307,146 +16091,6 @@
           <a:p>
             <a:pPr algn="ctr"/>
             <a:endParaRPr lang="ru-RU" dirty="0"/>
-          </a:p>
-        </p:txBody>
-      </p:sp>
-      <p:sp>
-        <p:nvSpPr>
-          <p:cNvPr id="47" name="Номер слайда 4">
-            <a:extLst>
-              <a:ext uri="{FF2B5EF4-FFF2-40B4-BE49-F238E27FC236}">
-                <a16:creationId xmlns:a16="http://schemas.microsoft.com/office/drawing/2014/main" id="{DD4AB5E6-99E9-4C2A-A56D-D9DBCD1A3F70}"/>
-              </a:ext>
-            </a:extLst>
-          </p:cNvPr>
-          <p:cNvSpPr txBox="1">
-            <a:spLocks/>
-          </p:cNvSpPr>
-          <p:nvPr/>
-        </p:nvSpPr>
-        <p:spPr>
-          <a:xfrm>
-            <a:off x="11171852" y="0"/>
-            <a:ext cx="1020148" cy="658368"/>
-          </a:xfrm>
-          <a:prstGeom prst="rect">
-            <a:avLst/>
-          </a:prstGeom>
-        </p:spPr>
-        <p:txBody>
-          <a:bodyPr vert="horz" lIns="91440" tIns="45720" rIns="91440" bIns="45720" rtlCol="0" anchor="ctr"/>
-          <a:lstStyle>
-            <a:defPPr>
-              <a:defRPr lang="en-US"/>
-            </a:defPPr>
-            <a:lvl1pPr marL="0" algn="r" defTabSz="457200" rtl="0" eaLnBrk="1" latinLnBrk="0" hangingPunct="1">
-              <a:defRPr sz="1000" b="0" i="0" kern="1200">
-                <a:solidFill>
-                  <a:schemeClr val="tx1"/>
-                </a:solidFill>
-                <a:effectLst/>
-                <a:latin typeface="+mn-lt"/>
-                <a:ea typeface="+mn-ea"/>
-                <a:cs typeface="+mn-cs"/>
-              </a:defRPr>
-            </a:lvl1pPr>
-            <a:lvl2pPr marL="457200" algn="l" defTabSz="457200" rtl="0" eaLnBrk="1" latinLnBrk="0" hangingPunct="1">
-              <a:defRPr sz="1800" kern="1200">
-                <a:solidFill>
-                  <a:schemeClr val="tx1"/>
-                </a:solidFill>
-                <a:latin typeface="+mn-lt"/>
-                <a:ea typeface="+mn-ea"/>
-                <a:cs typeface="+mn-cs"/>
-              </a:defRPr>
-            </a:lvl2pPr>
-            <a:lvl3pPr marL="914400" algn="l" defTabSz="457200" rtl="0" eaLnBrk="1" latinLnBrk="0" hangingPunct="1">
-              <a:defRPr sz="1800" kern="1200">
-                <a:solidFill>
-                  <a:schemeClr val="tx1"/>
-                </a:solidFill>
-                <a:latin typeface="+mn-lt"/>
-                <a:ea typeface="+mn-ea"/>
-                <a:cs typeface="+mn-cs"/>
-              </a:defRPr>
-            </a:lvl3pPr>
-            <a:lvl4pPr marL="1371600" algn="l" defTabSz="457200" rtl="0" eaLnBrk="1" latinLnBrk="0" hangingPunct="1">
-              <a:defRPr sz="1800" kern="1200">
-                <a:solidFill>
-                  <a:schemeClr val="tx1"/>
-                </a:solidFill>
-                <a:latin typeface="+mn-lt"/>
-                <a:ea typeface="+mn-ea"/>
-                <a:cs typeface="+mn-cs"/>
-              </a:defRPr>
-            </a:lvl4pPr>
-            <a:lvl5pPr marL="1828800" algn="l" defTabSz="457200" rtl="0" eaLnBrk="1" latinLnBrk="0" hangingPunct="1">
-              <a:defRPr sz="1800" kern="1200">
-                <a:solidFill>
-                  <a:schemeClr val="tx1"/>
-                </a:solidFill>
-                <a:latin typeface="+mn-lt"/>
-                <a:ea typeface="+mn-ea"/>
-                <a:cs typeface="+mn-cs"/>
-              </a:defRPr>
-            </a:lvl5pPr>
-            <a:lvl6pPr marL="2286000" algn="l" defTabSz="457200" rtl="0" eaLnBrk="1" latinLnBrk="0" hangingPunct="1">
-              <a:defRPr sz="1800" kern="1200">
-                <a:solidFill>
-                  <a:schemeClr val="tx1"/>
-                </a:solidFill>
-                <a:latin typeface="+mn-lt"/>
-                <a:ea typeface="+mn-ea"/>
-                <a:cs typeface="+mn-cs"/>
-              </a:defRPr>
-            </a:lvl6pPr>
-            <a:lvl7pPr marL="2743200" algn="l" defTabSz="457200" rtl="0" eaLnBrk="1" latinLnBrk="0" hangingPunct="1">
-              <a:defRPr sz="1800" kern="1200">
-                <a:solidFill>
-                  <a:schemeClr val="tx1"/>
-                </a:solidFill>
-                <a:latin typeface="+mn-lt"/>
-                <a:ea typeface="+mn-ea"/>
-                <a:cs typeface="+mn-cs"/>
-              </a:defRPr>
-            </a:lvl7pPr>
-            <a:lvl8pPr marL="3200400" algn="l" defTabSz="457200" rtl="0" eaLnBrk="1" latinLnBrk="0" hangingPunct="1">
-              <a:defRPr sz="1800" kern="1200">
-                <a:solidFill>
-                  <a:schemeClr val="tx1"/>
-                </a:solidFill>
-                <a:latin typeface="+mn-lt"/>
-                <a:ea typeface="+mn-ea"/>
-                <a:cs typeface="+mn-cs"/>
-              </a:defRPr>
-            </a:lvl8pPr>
-            <a:lvl9pPr marL="3657600" algn="l" defTabSz="457200" rtl="0" eaLnBrk="1" latinLnBrk="0" hangingPunct="1">
-              <a:defRPr sz="1800" kern="1200">
-                <a:solidFill>
-                  <a:schemeClr val="tx1"/>
-                </a:solidFill>
-                <a:latin typeface="+mn-lt"/>
-                <a:ea typeface="+mn-ea"/>
-                <a:cs typeface="+mn-cs"/>
-              </a:defRPr>
-            </a:lvl9pPr>
-          </a:lstStyle>
-          <a:p>
-            <a:pPr algn="ctr"/>
-            <a:fld id="{E674C0A0-8DE9-4942-9F1B-2332F349D007}" type="slidenum">
-              <a:rPr lang="ru-RU" sz="2200" smtClean="0">
-                <a:latin typeface="Tahoma" panose="020B0604030504040204" pitchFamily="34" charset="0"/>
-                <a:ea typeface="Tahoma" panose="020B0604030504040204" pitchFamily="34" charset="0"/>
-                <a:cs typeface="Tahoma" panose="020B0604030504040204" pitchFamily="34" charset="0"/>
-              </a:rPr>
-              <a:pPr algn="ctr"/>
-              <a:t>3</a:t>
-            </a:fld>
-            <a:endParaRPr lang="ru-RU" sz="2200" dirty="0">
-              <a:latin typeface="Tahoma" panose="020B0604030504040204" pitchFamily="34" charset="0"/>
-              <a:ea typeface="Tahoma" panose="020B0604030504040204" pitchFamily="34" charset="0"/>
-              <a:cs typeface="Tahoma" panose="020B0604030504040204" pitchFamily="34" charset="0"/>
-            </a:endParaRPr>
           </a:p>
         </p:txBody>
       </p:sp>

--- a/Дипломная работа/Презентация.pptx
+++ b/Дипломная работа/Презентация.pptx
@@ -15622,8 +15622,8 @@
         </p:nvSpPr>
         <p:spPr>
           <a:xfrm>
-            <a:off x="711963" y="1017514"/>
-            <a:ext cx="10768073" cy="5477868"/>
+            <a:off x="711963" y="815246"/>
+            <a:ext cx="10768073" cy="5889777"/>
           </a:xfrm>
           <a:prstGeom prst="roundRect">
             <a:avLst/>
@@ -15703,7 +15703,7 @@
                 <a:ea typeface="NSimSun" panose="02010609030101010101" pitchFamily="49" charset="-122"/>
                 <a:cs typeface="Times New Roman" panose="02020603050405020304" pitchFamily="18" charset="0"/>
               </a:rPr>
-              <a:t>было подано более </a:t>
+              <a:t>было сформировано более </a:t>
             </a:r>
             <a:r>
               <a:rPr lang="ru-RU" sz="2200" kern="100" dirty="0">
@@ -15715,7 +15715,7 @@
                 <a:ea typeface="NSimSun" panose="02010609030101010101" pitchFamily="49" charset="-122"/>
                 <a:cs typeface="Times New Roman" panose="02020603050405020304" pitchFamily="18" charset="0"/>
               </a:rPr>
-              <a:t>10000 заявок</a:t>
+              <a:t>5000 приказов</a:t>
             </a:r>
             <a:r>
               <a:rPr lang="ru-RU" sz="2200" kern="100" dirty="0">
@@ -15750,24 +15750,22 @@
                     <a:lumMod val="10000"/>
                   </a:schemeClr>
                 </a:solidFill>
-                <a:effectLst/>
                 <a:latin typeface="Times New Roman" panose="02020603050405020304" pitchFamily="18" charset="0"/>
                 <a:ea typeface="NSimSun" panose="02010609030101010101" pitchFamily="49" charset="-122"/>
                 <a:cs typeface="Times New Roman" panose="02020603050405020304" pitchFamily="18" charset="0"/>
               </a:rPr>
-              <a:t>прошли обучение более </a:t>
+              <a:t>обработано более </a:t>
             </a:r>
             <a:r>
               <a:rPr lang="ru-RU" sz="2200" kern="100" dirty="0">
                 <a:solidFill>
                   <a:srgbClr val="FF0000"/>
                 </a:solidFill>
-                <a:effectLst/>
                 <a:latin typeface="Times New Roman" panose="02020603050405020304" pitchFamily="18" charset="0"/>
                 <a:ea typeface="NSimSun" panose="02010609030101010101" pitchFamily="49" charset="-122"/>
                 <a:cs typeface="Times New Roman" panose="02020603050405020304" pitchFamily="18" charset="0"/>
               </a:rPr>
-              <a:t>8000 учеников</a:t>
+              <a:t>9000 документов</a:t>
             </a:r>
             <a:r>
               <a:rPr lang="ru-RU" sz="2200" kern="100" dirty="0">
@@ -15776,13 +15774,23 @@
                     <a:lumMod val="10000"/>
                   </a:schemeClr>
                 </a:solidFill>
-                <a:effectLst/>
                 <a:latin typeface="Times New Roman" panose="02020603050405020304" pitchFamily="18" charset="0"/>
                 <a:ea typeface="NSimSun" panose="02010609030101010101" pitchFamily="49" charset="-122"/>
                 <a:cs typeface="Times New Roman" panose="02020603050405020304" pitchFamily="18" charset="0"/>
               </a:rPr>
               <a:t>;</a:t>
             </a:r>
+            <a:endParaRPr lang="ru-RU" sz="2200" kern="100" dirty="0">
+              <a:solidFill>
+                <a:schemeClr val="tx2">
+                  <a:lumMod val="10000"/>
+                </a:schemeClr>
+              </a:solidFill>
+              <a:effectLst/>
+              <a:latin typeface="Times New Roman" panose="02020603050405020304" pitchFamily="18" charset="0"/>
+              <a:ea typeface="NSimSun" panose="02010609030101010101" pitchFamily="49" charset="-122"/>
+              <a:cs typeface="Times New Roman" panose="02020603050405020304" pitchFamily="18" charset="0"/>
+            </a:endParaRPr>
           </a:p>
           <a:p>
             <a:pPr lvl="1" indent="-342900" algn="just">
@@ -15807,7 +15815,7 @@
                 <a:ea typeface="NSimSun" panose="02010609030101010101" pitchFamily="49" charset="-122"/>
                 <a:cs typeface="Times New Roman" panose="02020603050405020304" pitchFamily="18" charset="0"/>
               </a:rPr>
-              <a:t>обучающиеся были представлены на </a:t>
+              <a:t>прошли обучение более </a:t>
             </a:r>
             <a:r>
               <a:rPr lang="ru-RU" sz="2200" kern="100" dirty="0">
@@ -15819,7 +15827,7 @@
                 <a:ea typeface="NSimSun" panose="02010609030101010101" pitchFamily="49" charset="-122"/>
                 <a:cs typeface="Times New Roman" panose="02020603050405020304" pitchFamily="18" charset="0"/>
               </a:rPr>
-              <a:t>435 мероприятиях </a:t>
+              <a:t>14000 учеников</a:t>
             </a:r>
             <a:r>
               <a:rPr lang="ru-RU" sz="2200" kern="100" dirty="0">
@@ -15833,7 +15841,7 @@
                 <a:ea typeface="NSimSun" panose="02010609030101010101" pitchFamily="49" charset="-122"/>
                 <a:cs typeface="Times New Roman" panose="02020603050405020304" pitchFamily="18" charset="0"/>
               </a:rPr>
-              <a:t>по всей России;</a:t>
+              <a:t>;</a:t>
             </a:r>
           </a:p>
           <a:p>
@@ -15859,7 +15867,7 @@
                 <a:ea typeface="NSimSun" panose="02010609030101010101" pitchFamily="49" charset="-122"/>
                 <a:cs typeface="Times New Roman" panose="02020603050405020304" pitchFamily="18" charset="0"/>
               </a:rPr>
-              <a:t>был получен </a:t>
+              <a:t>обучающиеся были представлены на </a:t>
             </a:r>
             <a:r>
               <a:rPr lang="ru-RU" sz="2200" kern="100" dirty="0">
@@ -15871,7 +15879,70 @@
                 <a:ea typeface="NSimSun" panose="02010609030101010101" pitchFamily="49" charset="-122"/>
                 <a:cs typeface="Times New Roman" panose="02020603050405020304" pitchFamily="18" charset="0"/>
               </a:rPr>
-              <a:t>3861 сертификат</a:t>
+              <a:t>657 мероприятиях </a:t>
+            </a:r>
+            <a:r>
+              <a:rPr lang="ru-RU" sz="2200" kern="100" dirty="0">
+                <a:solidFill>
+                  <a:schemeClr val="tx2">
+                    <a:lumMod val="10000"/>
+                  </a:schemeClr>
+                </a:solidFill>
+                <a:effectLst/>
+                <a:latin typeface="Times New Roman" panose="02020603050405020304" pitchFamily="18" charset="0"/>
+                <a:ea typeface="NSimSun" panose="02010609030101010101" pitchFamily="49" charset="-122"/>
+                <a:cs typeface="Times New Roman" panose="02020603050405020304" pitchFamily="18" charset="0"/>
+              </a:rPr>
+              <a:t>по всей России;</a:t>
+            </a:r>
+          </a:p>
+          <a:p>
+            <a:pPr lvl="1" indent="-342900" algn="just">
+              <a:lnSpc>
+                <a:spcPct val="150000"/>
+              </a:lnSpc>
+              <a:buFont typeface="Symbol" panose="05050102010706020507" pitchFamily="18" charset="2"/>
+              <a:buChar char=""/>
+              <a:tabLst>
+                <a:tab pos="178435" algn="l"/>
+              </a:tabLst>
+            </a:pPr>
+            <a:r>
+              <a:rPr lang="ru-RU" sz="2200" kern="100" dirty="0">
+                <a:solidFill>
+                  <a:schemeClr val="tx2">
+                    <a:lumMod val="10000"/>
+                  </a:schemeClr>
+                </a:solidFill>
+                <a:effectLst/>
+                <a:latin typeface="Times New Roman" panose="02020603050405020304" pitchFamily="18" charset="0"/>
+                <a:ea typeface="NSimSun" panose="02010609030101010101" pitchFamily="49" charset="-122"/>
+                <a:cs typeface="Times New Roman" panose="02020603050405020304" pitchFamily="18" charset="0"/>
+              </a:rPr>
+              <a:t>было получено более </a:t>
+            </a:r>
+            <a:r>
+              <a:rPr lang="ru-RU" sz="2200" kern="100" dirty="0">
+                <a:solidFill>
+                  <a:srgbClr val="FF0000"/>
+                </a:solidFill>
+                <a:effectLst/>
+                <a:latin typeface="Times New Roman" panose="02020603050405020304" pitchFamily="18" charset="0"/>
+                <a:ea typeface="NSimSun" panose="02010609030101010101" pitchFamily="49" charset="-122"/>
+                <a:cs typeface="Times New Roman" panose="02020603050405020304" pitchFamily="18" charset="0"/>
+              </a:rPr>
+              <a:t>10000 сертификат</a:t>
+            </a:r>
+            <a:r>
+              <a:rPr lang="ru-RU" sz="2200" kern="100" dirty="0">
+                <a:solidFill>
+                  <a:srgbClr val="FF0000"/>
+                </a:solidFill>
+                <a:latin typeface="Times New Roman" panose="02020603050405020304" pitchFamily="18" charset="0"/>
+                <a:ea typeface="NSimSun" panose="02010609030101010101" pitchFamily="49" charset="-122"/>
+                <a:cs typeface="Times New Roman" panose="02020603050405020304" pitchFamily="18" charset="0"/>
+              </a:rPr>
+              <a:t>ов</a:t>
             </a:r>
             <a:r>
               <a:rPr lang="ru-RU" sz="2200" kern="100" dirty="0">
@@ -15930,14 +16001,26 @@
             <a:r>
               <a:rPr lang="ru-RU" sz="2200" kern="100" dirty="0">
                 <a:solidFill>
-                  <a:srgbClr val="FF0000"/>
+                  <a:schemeClr val="bg1"/>
                 </a:solidFill>
                 <a:effectLst/>
                 <a:latin typeface="Times New Roman" panose="02020603050405020304" pitchFamily="18" charset="0"/>
                 <a:ea typeface="NSimSun" panose="02010609030101010101" pitchFamily="49" charset="-122"/>
                 <a:cs typeface="Times New Roman" panose="02020603050405020304" pitchFamily="18" charset="0"/>
               </a:rPr>
-              <a:t>1361 учебная группа;</a:t>
+              <a:t>более</a:t>
+            </a:r>
+            <a:r>
+              <a:rPr lang="ru-RU" sz="2200" kern="100" dirty="0">
+                <a:solidFill>
+                  <a:srgbClr val="FF0000"/>
+                </a:solidFill>
+                <a:effectLst/>
+                <a:latin typeface="Times New Roman" panose="02020603050405020304" pitchFamily="18" charset="0"/>
+                <a:ea typeface="NSimSun" panose="02010609030101010101" pitchFamily="49" charset="-122"/>
+                <a:cs typeface="Times New Roman" panose="02020603050405020304" pitchFamily="18" charset="0"/>
+              </a:rPr>
+              <a:t> 2000 учебных групп;</a:t>
             </a:r>
           </a:p>
           <a:p>
@@ -15957,6 +16040,17 @@
             <a:r>
               <a:rPr lang="ru-RU" sz="2200" kern="100" dirty="0">
                 <a:solidFill>
+                  <a:schemeClr val="bg1"/>
+                </a:solidFill>
+                <a:latin typeface="Times New Roman" panose="02020603050405020304" pitchFamily="18" charset="0"/>
+                <a:ea typeface="NSimSun" panose="02010609030101010101" pitchFamily="49" charset="-122"/>
+                <a:cs typeface="Times New Roman" panose="02020603050405020304" pitchFamily="18" charset="0"/>
+              </a:rPr>
+              <a:t>более </a:t>
+            </a:r>
+            <a:r>
+              <a:rPr lang="ru-RU" sz="2200" kern="100" dirty="0">
+                <a:solidFill>
                   <a:srgbClr val="FF0000"/>
                 </a:solidFill>
                 <a:effectLst/>
@@ -15964,7 +16058,7 @@
                 <a:ea typeface="NSimSun" panose="02010609030101010101" pitchFamily="49" charset="-122"/>
                 <a:cs typeface="Times New Roman" panose="02020603050405020304" pitchFamily="18" charset="0"/>
               </a:rPr>
-              <a:t>403 конкурсных команд</a:t>
+              <a:t>200 конкурсных команд</a:t>
             </a:r>
             <a:r>
               <a:rPr lang="ru-RU" sz="2200" kern="100" dirty="0">

--- a/Дипломная работа/Презентация.pptx
+++ b/Дипломная работа/Презентация.pptx
@@ -11281,7 +11281,7 @@
         <p:spPr>
           <a:xfrm>
             <a:off x="6165342" y="799106"/>
-            <a:ext cx="5904738" cy="3078535"/>
+            <a:ext cx="5904738" cy="2570704"/>
           </a:xfrm>
           <a:prstGeom prst="rect">
             <a:avLst/>
@@ -11331,15 +11331,19 @@
                 <a:latin typeface="Times New Roman" panose="02020603050405020304" pitchFamily="18" charset="0"/>
                 <a:cs typeface="Times New Roman" panose="02020603050405020304" pitchFamily="18" charset="0"/>
               </a:rPr>
-              <a:t>X</a:t>
+              <a:t>30000</a:t>
             </a:r>
             <a:r>
               <a:rPr lang="ru-RU" sz="2200" dirty="0">
                 <a:latin typeface="Times New Roman" panose="02020603050405020304" pitchFamily="18" charset="0"/>
                 <a:cs typeface="Times New Roman" panose="02020603050405020304" pitchFamily="18" charset="0"/>
               </a:rPr>
-              <a:t> строк кода в проекте сервера</a:t>
-            </a:r>
+              <a:t> строк кода в проекте </a:t>
+            </a:r>
+            <a:endParaRPr lang="en-US" sz="2200">
+              <a:latin typeface="Times New Roman" panose="02020603050405020304" pitchFamily="18" charset="0"/>
+              <a:cs typeface="Times New Roman" panose="02020603050405020304" pitchFamily="18" charset="0"/>
+            </a:endParaRPr>
           </a:p>
           <a:p>
             <a:pPr marL="285750" indent="-285750">
@@ -11350,37 +11354,7 @@
               <a:buChar char="•"/>
             </a:pPr>
             <a:r>
-              <a:rPr lang="ru-RU" sz="2200" dirty="0">
-                <a:latin typeface="Times New Roman" panose="02020603050405020304" pitchFamily="18" charset="0"/>
-                <a:cs typeface="Times New Roman" panose="02020603050405020304" pitchFamily="18" charset="0"/>
-              </a:rPr>
-              <a:t>Более </a:t>
-            </a:r>
-            <a:r>
-              <a:rPr lang="en-US" sz="2200" dirty="0">
-                <a:latin typeface="Times New Roman" panose="02020603050405020304" pitchFamily="18" charset="0"/>
-                <a:cs typeface="Times New Roman" panose="02020603050405020304" pitchFamily="18" charset="0"/>
-              </a:rPr>
-              <a:t>X</a:t>
-            </a:r>
-            <a:r>
-              <a:rPr lang="ru-RU" sz="2200" dirty="0">
-                <a:latin typeface="Times New Roman" panose="02020603050405020304" pitchFamily="18" charset="0"/>
-                <a:cs typeface="Times New Roman" panose="02020603050405020304" pitchFamily="18" charset="0"/>
-              </a:rPr>
-              <a:t> строк кода в клиентском проекте</a:t>
-            </a:r>
-          </a:p>
-          <a:p>
-            <a:pPr marL="285750" indent="-285750">
-              <a:lnSpc>
-                <a:spcPct val="150000"/>
-              </a:lnSpc>
-              <a:buFont typeface="Arial" panose="020B0604020202020204" pitchFamily="34" charset="0"/>
-              <a:buChar char="•"/>
-            </a:pPr>
-            <a:r>
-              <a:rPr lang="en-US" sz="2200" dirty="0">
+              <a:rPr lang="en-US" sz="2200">
                 <a:latin typeface="Times New Roman" panose="02020603050405020304" pitchFamily="18" charset="0"/>
                 <a:cs typeface="Times New Roman" panose="02020603050405020304" pitchFamily="18" charset="0"/>
               </a:rPr>

--- a/Дипломная работа/Презентация.pptx
+++ b/Дипломная работа/Презентация.pptx
@@ -216,7 +216,7 @@
           <a:p>
             <a:fld id="{0752C715-6935-41AD-9984-2334D42D2383}" type="datetimeFigureOut">
               <a:rPr lang="ru-RU" smtClean="0"/>
-              <a:t>23.03.2025</a:t>
+              <a:t>01.04.2025</a:t>
             </a:fld>
             <a:endParaRPr lang="ru-RU"/>
           </a:p>
@@ -796,7 +796,7 @@
           <a:p>
             <a:fld id="{A592AB9E-B3E0-40A8-9D13-59617F3F8A64}" type="datetime1">
               <a:rPr lang="ru-RU" smtClean="0"/>
-              <a:t>23.03.2025</a:t>
+              <a:t>01.04.2025</a:t>
             </a:fld>
             <a:endParaRPr lang="ru-RU"/>
           </a:p>
@@ -1142,7 +1142,7 @@
           <a:p>
             <a:fld id="{5417B1CA-4C4F-4F8D-803D-8A6A8A906241}" type="datetime1">
               <a:rPr lang="ru-RU" smtClean="0"/>
-              <a:t>23.03.2025</a:t>
+              <a:t>01.04.2025</a:t>
             </a:fld>
             <a:endParaRPr lang="ru-RU"/>
           </a:p>
@@ -1420,7 +1420,7 @@
           <a:p>
             <a:fld id="{82CFFC90-8D51-4E14-AFBA-129AE5402BF2}" type="datetime1">
               <a:rPr lang="ru-RU" smtClean="0"/>
-              <a:t>23.03.2025</a:t>
+              <a:t>01.04.2025</a:t>
             </a:fld>
             <a:endParaRPr lang="ru-RU"/>
           </a:p>
@@ -1988,7 +1988,7 @@
           <a:p>
             <a:fld id="{EA467253-3793-4A20-98DF-36EA880F85F5}" type="datetime1">
               <a:rPr lang="ru-RU" smtClean="0"/>
-              <a:t>23.03.2025</a:t>
+              <a:t>01.04.2025</a:t>
             </a:fld>
             <a:endParaRPr lang="ru-RU"/>
           </a:p>
@@ -2266,7 +2266,7 @@
           <a:p>
             <a:fld id="{D83AF644-49BB-4732-B227-064E7E8E9B75}" type="datetime1">
               <a:rPr lang="ru-RU" smtClean="0"/>
-              <a:t>23.03.2025</a:t>
+              <a:t>01.04.2025</a:t>
             </a:fld>
             <a:endParaRPr lang="ru-RU"/>
           </a:p>
@@ -2828,7 +2828,7 @@
           <a:p>
             <a:fld id="{93741DF7-081A-43E1-AEC0-7A6A5EFC3E04}" type="datetime1">
               <a:rPr lang="ru-RU" smtClean="0"/>
-              <a:t>23.03.2025</a:t>
+              <a:t>01.04.2025</a:t>
             </a:fld>
             <a:endParaRPr lang="ru-RU"/>
           </a:p>
@@ -3155,7 +3155,7 @@
           <a:p>
             <a:fld id="{60804587-5AD3-4566-AED6-7C5642B16C64}" type="datetime1">
               <a:rPr lang="ru-RU" smtClean="0"/>
-              <a:t>23.03.2025</a:t>
+              <a:t>01.04.2025</a:t>
             </a:fld>
             <a:endParaRPr lang="ru-RU"/>
           </a:p>
@@ -3332,7 +3332,7 @@
           <a:p>
             <a:fld id="{AF148D8C-8A56-4364-A29B-FC848D70BD3E}" type="datetime1">
               <a:rPr lang="ru-RU" smtClean="0"/>
-              <a:t>23.03.2025</a:t>
+              <a:t>01.04.2025</a:t>
             </a:fld>
             <a:endParaRPr lang="ru-RU"/>
           </a:p>
@@ -3582,7 +3582,7 @@
           <a:p>
             <a:fld id="{1F560C62-4747-4C40-80B5-9506A6478873}" type="datetime1">
               <a:rPr lang="ru-RU" smtClean="0"/>
-              <a:t>23.03.2025</a:t>
+              <a:t>01.04.2025</a:t>
             </a:fld>
             <a:endParaRPr lang="ru-RU"/>
           </a:p>
@@ -3794,7 +3794,7 @@
           <a:p>
             <a:fld id="{655C5391-6D11-49BE-9D35-F1852430608C}" type="datetime1">
               <a:rPr lang="ru-RU" smtClean="0"/>
-              <a:t>23.03.2025</a:t>
+              <a:t>01.04.2025</a:t>
             </a:fld>
             <a:endParaRPr lang="ru-RU"/>
           </a:p>
@@ -4082,7 +4082,7 @@
           <a:p>
             <a:fld id="{D1B7E046-787A-42F0-988E-D94C46E094ED}" type="datetime1">
               <a:rPr lang="ru-RU" smtClean="0"/>
-              <a:t>23.03.2025</a:t>
+              <a:t>01.04.2025</a:t>
             </a:fld>
             <a:endParaRPr lang="ru-RU"/>
           </a:p>
@@ -4360,7 +4360,7 @@
           <a:p>
             <a:fld id="{1DEF2D25-E9E1-4E54-81F0-1D2FE8854B0E}" type="datetime1">
               <a:rPr lang="ru-RU" smtClean="0"/>
-              <a:t>23.03.2025</a:t>
+              <a:t>01.04.2025</a:t>
             </a:fld>
             <a:endParaRPr lang="ru-RU"/>
           </a:p>
@@ -4746,7 +4746,7 @@
           <a:p>
             <a:fld id="{2D559C09-903E-4473-BBE2-D44EED2E9BB9}" type="datetime1">
               <a:rPr lang="ru-RU" smtClean="0"/>
-              <a:t>23.03.2025</a:t>
+              <a:t>01.04.2025</a:t>
             </a:fld>
             <a:endParaRPr lang="ru-RU"/>
           </a:p>
@@ -4906,7 +4906,7 @@
           <a:p>
             <a:fld id="{5DEFB42A-193B-4E6D-9002-E4C3450AA4B1}" type="datetime1">
               <a:rPr lang="ru-RU" smtClean="0"/>
-              <a:t>23.03.2025</a:t>
+              <a:t>01.04.2025</a:t>
             </a:fld>
             <a:endParaRPr lang="ru-RU"/>
           </a:p>
@@ -5043,7 +5043,7 @@
           <a:p>
             <a:fld id="{B780A1C7-BCFA-4491-ABEA-F198E9E80238}" type="datetime1">
               <a:rPr lang="ru-RU" smtClean="0"/>
-              <a:t>23.03.2025</a:t>
+              <a:t>01.04.2025</a:t>
             </a:fld>
             <a:endParaRPr lang="ru-RU"/>
           </a:p>
@@ -5340,7 +5340,7 @@
           <a:p>
             <a:fld id="{6B7D87D1-A00E-4856-B035-ABE302A2367C}" type="datetime1">
               <a:rPr lang="ru-RU" smtClean="0"/>
-              <a:t>23.03.2025</a:t>
+              <a:t>01.04.2025</a:t>
             </a:fld>
             <a:endParaRPr lang="ru-RU"/>
           </a:p>
@@ -5676,7 +5676,7 @@
           <a:p>
             <a:fld id="{95982220-A412-481B-B026-9F63F21200E0}" type="datetime1">
               <a:rPr lang="ru-RU" smtClean="0"/>
-              <a:t>23.03.2025</a:t>
+              <a:t>01.04.2025</a:t>
             </a:fld>
             <a:endParaRPr lang="ru-RU"/>
           </a:p>
@@ -5902,7 +5902,7 @@
           <a:p>
             <a:fld id="{CBF3DBF7-CC75-4132-A774-E3960ACCECD6}" type="datetime1">
               <a:rPr lang="ru-RU" smtClean="0"/>
-              <a:t>23.03.2025</a:t>
+              <a:t>01.04.2025</a:t>
             </a:fld>
             <a:endParaRPr lang="ru-RU"/>
           </a:p>
@@ -11179,7 +11179,7 @@
                 <a:latin typeface="Times New Roman" panose="02020603050405020304" pitchFamily="18" charset="0"/>
                 <a:cs typeface="Times New Roman" panose="02020603050405020304" pitchFamily="18" charset="0"/>
               </a:rPr>
-              <a:t> </a:t>
+              <a:t>; </a:t>
             </a:r>
           </a:p>
           <a:p>
@@ -11261,7 +11261,27 @@
                 <a:latin typeface="Times New Roman" panose="02020603050405020304" pitchFamily="18" charset="0"/>
                 <a:cs typeface="Times New Roman" panose="02020603050405020304" pitchFamily="18" charset="0"/>
               </a:rPr>
-              <a:t>Redis 4.0.</a:t>
+              <a:t>Redis 4.0;</a:t>
+            </a:r>
+            <a:endParaRPr lang="ru-RU" sz="2200" dirty="0">
+              <a:latin typeface="Times New Roman" panose="02020603050405020304" pitchFamily="18" charset="0"/>
+              <a:cs typeface="Times New Roman" panose="02020603050405020304" pitchFamily="18" charset="0"/>
+            </a:endParaRPr>
+          </a:p>
+          <a:p>
+            <a:pPr marL="285750" indent="-285750">
+              <a:lnSpc>
+                <a:spcPct val="125000"/>
+              </a:lnSpc>
+              <a:buFont typeface="Arial" panose="020B0604020202020204" pitchFamily="34" charset="0"/>
+              <a:buChar char="•"/>
+            </a:pPr>
+            <a:r>
+              <a:rPr lang="en-US" sz="2200" dirty="0">
+                <a:latin typeface="Times New Roman" panose="02020603050405020304" pitchFamily="18" charset="0"/>
+                <a:cs typeface="Times New Roman" panose="02020603050405020304" pitchFamily="18" charset="0"/>
+              </a:rPr>
+              <a:t>RabbitMQ 4.0.7. </a:t>
             </a:r>
           </a:p>
         </p:txBody>
@@ -11340,7 +11360,7 @@
               </a:rPr>
               <a:t> строк кода в проекте </a:t>
             </a:r>
-            <a:endParaRPr lang="en-US" sz="2200">
+            <a:endParaRPr lang="en-US" sz="2200" dirty="0">
               <a:latin typeface="Times New Roman" panose="02020603050405020304" pitchFamily="18" charset="0"/>
               <a:cs typeface="Times New Roman" panose="02020603050405020304" pitchFamily="18" charset="0"/>
             </a:endParaRPr>
@@ -11354,7 +11374,7 @@
               <a:buChar char="•"/>
             </a:pPr>
             <a:r>
-              <a:rPr lang="en-US" sz="2200">
+              <a:rPr lang="en-US" sz="2200" dirty="0">
                 <a:latin typeface="Times New Roman" panose="02020603050405020304" pitchFamily="18" charset="0"/>
                 <a:cs typeface="Times New Roman" panose="02020603050405020304" pitchFamily="18" charset="0"/>
               </a:rPr>
@@ -11787,6 +11807,53 @@
           <a:xfrm>
             <a:off x="2119104" y="3549237"/>
             <a:ext cx="769621" cy="246279"/>
+          </a:xfrm>
+          <a:prstGeom prst="rect">
+            <a:avLst/>
+          </a:prstGeom>
+          <a:noFill/>
+          <a:extLst>
+            <a:ext uri="{909E8E84-426E-40DD-AFC4-6F175D3DCCD1}">
+              <a14:hiddenFill xmlns:a14="http://schemas.microsoft.com/office/drawing/2010/main">
+                <a:solidFill>
+                  <a:srgbClr val="FFFFFF"/>
+                </a:solidFill>
+              </a14:hiddenFill>
+            </a:ext>
+          </a:extLst>
+        </p:spPr>
+      </p:pic>
+      <p:pic>
+        <p:nvPicPr>
+          <p:cNvPr id="3" name="Picture 2" descr="Файл:RabbitMQ logo.svg — Википедия">
+            <a:extLst>
+              <a:ext uri="{FF2B5EF4-FFF2-40B4-BE49-F238E27FC236}">
+                <a16:creationId xmlns:a16="http://schemas.microsoft.com/office/drawing/2014/main" id="{DA9F81A4-F7D5-4314-984D-F41BA5AB50F6}"/>
+              </a:ext>
+            </a:extLst>
+          </p:cNvPr>
+          <p:cNvPicPr>
+            <a:picLocks noChangeAspect="1" noChangeArrowheads="1"/>
+          </p:cNvPicPr>
+          <p:nvPr/>
+        </p:nvPicPr>
+        <p:blipFill>
+          <a:blip r:embed="rId7">
+            <a:extLst>
+              <a:ext uri="{28A0092B-C50C-407E-A947-70E740481C1C}">
+                <a14:useLocalDpi xmlns:a14="http://schemas.microsoft.com/office/drawing/2010/main" val="0"/>
+              </a:ext>
+            </a:extLst>
+          </a:blip>
+          <a:srcRect/>
+          <a:stretch>
+            <a:fillRect/>
+          </a:stretch>
+        </p:blipFill>
+        <p:spPr bwMode="auto">
+          <a:xfrm>
+            <a:off x="2888725" y="3971801"/>
+            <a:ext cx="1614685" cy="253556"/>
           </a:xfrm>
           <a:prstGeom prst="rect">
             <a:avLst/>
